--- a/201806fuchsia.pptx
+++ b/201806fuchsia.pptx
@@ -2190,7 +2190,7 @@
           </a:ln>
           <a:extLst>
             <a:ext uri="{C572A759-6A51-4108-AA02-DFA0A04FC94B}">
-              <ma14:wrappingTextBoxFlag xmlns="" xmlns:m="http://schemas.openxmlformats.org/officeDocument/2006/math" xmlns:a14="http://schemas.microsoft.com/office/drawing/2010/main" xmlns:ma14="http://schemas.microsoft.com/office/mac/drawingml/2011/main" val="1"/>
+              <ma14:wrappingTextBoxFlag xmlns:ma14="http://schemas.microsoft.com/office/mac/drawingml/2011/main" xmlns:a14="http://schemas.microsoft.com/office/drawing/2010/main" xmlns:m="http://schemas.openxmlformats.org/officeDocument/2006/math" xmlns="" val="1"/>
             </a:ext>
           </a:extLst>
         </p:spPr>
@@ -2229,7 +2229,7 @@
           </a:ln>
           <a:extLst>
             <a:ext uri="{C572A759-6A51-4108-AA02-DFA0A04FC94B}">
-              <ma14:wrappingTextBoxFlag xmlns="" xmlns:m="http://schemas.openxmlformats.org/officeDocument/2006/math" xmlns:a14="http://schemas.microsoft.com/office/drawing/2010/main" xmlns:ma14="http://schemas.microsoft.com/office/mac/drawingml/2011/main" val="1"/>
+              <ma14:wrappingTextBoxFlag xmlns:ma14="http://schemas.microsoft.com/office/mac/drawingml/2011/main" xmlns:a14="http://schemas.microsoft.com/office/drawing/2010/main" xmlns:m="http://schemas.openxmlformats.org/officeDocument/2006/math" xmlns="" val="1"/>
             </a:ext>
           </a:extLst>
         </p:spPr>
@@ -3782,6 +3782,15 @@
               <a:rPr lang="zh-CN" altLang="en-US" dirty="0"/>
               <a:t>不同的进程通过共享内核地址空间来交换信息</a:t>
             </a:r>
+            <a:endParaRPr lang="en-US" altLang="zh-CN" dirty="0"/>
+          </a:p>
+          <a:p>
+            <a:pPr lvl="1"/>
+            <a:r>
+              <a:rPr lang="zh-CN" altLang="en-US"/>
+              <a:t>切换地址空间是切换进程的关键步骤</a:t>
+            </a:r>
+            <a:endParaRPr lang="zh-CN" altLang="en-US" dirty="0"/>
           </a:p>
         </p:txBody>
       </p:sp>
@@ -4349,7 +4358,7 @@
           </a:ln>
           <a:extLst>
             <a:ext uri="{C572A759-6A51-4108-AA02-DFA0A04FC94B}">
-              <ma14:wrappingTextBoxFlag xmlns="" xmlns:m="http://schemas.openxmlformats.org/officeDocument/2006/math" xmlns:a14="http://schemas.microsoft.com/office/drawing/2010/main" xmlns:ma14="http://schemas.microsoft.com/office/mac/drawingml/2011/main" val="1"/>
+              <ma14:wrappingTextBoxFlag xmlns:ma14="http://schemas.microsoft.com/office/mac/drawingml/2011/main" xmlns:a14="http://schemas.microsoft.com/office/drawing/2010/main" xmlns:m="http://schemas.openxmlformats.org/officeDocument/2006/math" xmlns="" val="1"/>
             </a:ext>
           </a:extLst>
         </p:spPr>
@@ -4397,7 +4406,7 @@
           </a:ln>
           <a:extLst>
             <a:ext uri="{C572A759-6A51-4108-AA02-DFA0A04FC94B}">
-              <ma14:wrappingTextBoxFlag xmlns="" xmlns:m="http://schemas.openxmlformats.org/officeDocument/2006/math" xmlns:a14="http://schemas.microsoft.com/office/drawing/2010/main" xmlns:ma14="http://schemas.microsoft.com/office/mac/drawingml/2011/main" val="1"/>
+              <ma14:wrappingTextBoxFlag xmlns:ma14="http://schemas.microsoft.com/office/mac/drawingml/2011/main" xmlns:a14="http://schemas.microsoft.com/office/drawing/2010/main" xmlns:m="http://schemas.openxmlformats.org/officeDocument/2006/math" xmlns="" val="1"/>
             </a:ext>
           </a:extLst>
         </p:spPr>
@@ -4445,7 +4454,7 @@
           </a:ln>
           <a:extLst>
             <a:ext uri="{C572A759-6A51-4108-AA02-DFA0A04FC94B}">
-              <ma14:wrappingTextBoxFlag xmlns="" xmlns:m="http://schemas.openxmlformats.org/officeDocument/2006/math" xmlns:a14="http://schemas.microsoft.com/office/drawing/2010/main" xmlns:ma14="http://schemas.microsoft.com/office/mac/drawingml/2011/main" val="1"/>
+              <ma14:wrappingTextBoxFlag xmlns:ma14="http://schemas.microsoft.com/office/mac/drawingml/2011/main" xmlns:a14="http://schemas.microsoft.com/office/drawing/2010/main" xmlns:m="http://schemas.openxmlformats.org/officeDocument/2006/math" xmlns="" val="1"/>
             </a:ext>
           </a:extLst>
         </p:spPr>
@@ -4493,7 +4502,7 @@
           </a:ln>
           <a:extLst>
             <a:ext uri="{C572A759-6A51-4108-AA02-DFA0A04FC94B}">
-              <ma14:wrappingTextBoxFlag xmlns="" xmlns:m="http://schemas.openxmlformats.org/officeDocument/2006/math" xmlns:a14="http://schemas.microsoft.com/office/drawing/2010/main" xmlns:ma14="http://schemas.microsoft.com/office/mac/drawingml/2011/main" val="1"/>
+              <ma14:wrappingTextBoxFlag xmlns:ma14="http://schemas.microsoft.com/office/mac/drawingml/2011/main" xmlns:a14="http://schemas.microsoft.com/office/drawing/2010/main" xmlns:m="http://schemas.openxmlformats.org/officeDocument/2006/math" xmlns="" val="1"/>
             </a:ext>
           </a:extLst>
         </p:spPr>
@@ -4654,7 +4663,7 @@
           </a:ln>
           <a:extLst>
             <a:ext uri="{C572A759-6A51-4108-AA02-DFA0A04FC94B}">
-              <ma14:wrappingTextBoxFlag xmlns="" xmlns:m="http://schemas.openxmlformats.org/officeDocument/2006/math" xmlns:a14="http://schemas.microsoft.com/office/drawing/2010/main" xmlns:ma14="http://schemas.microsoft.com/office/mac/drawingml/2011/main" val="1"/>
+              <ma14:wrappingTextBoxFlag xmlns:ma14="http://schemas.microsoft.com/office/mac/drawingml/2011/main" xmlns:a14="http://schemas.microsoft.com/office/drawing/2010/main" xmlns:m="http://schemas.openxmlformats.org/officeDocument/2006/math" xmlns="" val="1"/>
             </a:ext>
           </a:extLst>
         </p:spPr>
@@ -4702,7 +4711,7 @@
           </a:ln>
           <a:extLst>
             <a:ext uri="{C572A759-6A51-4108-AA02-DFA0A04FC94B}">
-              <ma14:wrappingTextBoxFlag xmlns="" xmlns:m="http://schemas.openxmlformats.org/officeDocument/2006/math" xmlns:a14="http://schemas.microsoft.com/office/drawing/2010/main" xmlns:ma14="http://schemas.microsoft.com/office/mac/drawingml/2011/main" val="1"/>
+              <ma14:wrappingTextBoxFlag xmlns:ma14="http://schemas.microsoft.com/office/mac/drawingml/2011/main" xmlns:a14="http://schemas.microsoft.com/office/drawing/2010/main" xmlns:m="http://schemas.openxmlformats.org/officeDocument/2006/math" xmlns="" val="1"/>
             </a:ext>
           </a:extLst>
         </p:spPr>
@@ -4750,7 +4759,7 @@
           </a:ln>
           <a:extLst>
             <a:ext uri="{C572A759-6A51-4108-AA02-DFA0A04FC94B}">
-              <ma14:wrappingTextBoxFlag xmlns="" xmlns:m="http://schemas.openxmlformats.org/officeDocument/2006/math" xmlns:a14="http://schemas.microsoft.com/office/drawing/2010/main" xmlns:ma14="http://schemas.microsoft.com/office/mac/drawingml/2011/main" val="1"/>
+              <ma14:wrappingTextBoxFlag xmlns:ma14="http://schemas.microsoft.com/office/mac/drawingml/2011/main" xmlns:a14="http://schemas.microsoft.com/office/drawing/2010/main" xmlns:m="http://schemas.openxmlformats.org/officeDocument/2006/math" xmlns="" val="1"/>
             </a:ext>
           </a:extLst>
         </p:spPr>
@@ -6024,7 +6033,7 @@
           </a:ln>
           <a:extLst>
             <a:ext uri="{C572A759-6A51-4108-AA02-DFA0A04FC94B}">
-              <ma14:wrappingTextBoxFlag xmlns="" xmlns:m="http://schemas.openxmlformats.org/officeDocument/2006/math" xmlns:a14="http://schemas.microsoft.com/office/drawing/2010/main" xmlns:ma14="http://schemas.microsoft.com/office/mac/drawingml/2011/main" val="1"/>
+              <ma14:wrappingTextBoxFlag xmlns:ma14="http://schemas.microsoft.com/office/mac/drawingml/2011/main" xmlns:a14="http://schemas.microsoft.com/office/drawing/2010/main" xmlns:m="http://schemas.openxmlformats.org/officeDocument/2006/math" xmlns="" val="1"/>
             </a:ext>
           </a:extLst>
         </p:spPr>
@@ -6059,7 +6068,7 @@
           </a:ln>
           <a:extLst>
             <a:ext uri="{C572A759-6A51-4108-AA02-DFA0A04FC94B}">
-              <ma14:wrappingTextBoxFlag xmlns="" xmlns:m="http://schemas.openxmlformats.org/officeDocument/2006/math" xmlns:a14="http://schemas.microsoft.com/office/drawing/2010/main" xmlns:ma14="http://schemas.microsoft.com/office/mac/drawingml/2011/main" val="1"/>
+              <ma14:wrappingTextBoxFlag xmlns:ma14="http://schemas.microsoft.com/office/mac/drawingml/2011/main" xmlns:a14="http://schemas.microsoft.com/office/drawing/2010/main" xmlns:m="http://schemas.openxmlformats.org/officeDocument/2006/math" xmlns="" val="1"/>
             </a:ext>
           </a:extLst>
         </p:spPr>
@@ -6094,7 +6103,7 @@
           </a:ln>
           <a:extLst>
             <a:ext uri="{C572A759-6A51-4108-AA02-DFA0A04FC94B}">
-              <ma14:wrappingTextBoxFlag xmlns="" xmlns:m="http://schemas.openxmlformats.org/officeDocument/2006/math" xmlns:a14="http://schemas.microsoft.com/office/drawing/2010/main" xmlns:ma14="http://schemas.microsoft.com/office/mac/drawingml/2011/main" val="1"/>
+              <ma14:wrappingTextBoxFlag xmlns:ma14="http://schemas.microsoft.com/office/mac/drawingml/2011/main" xmlns:a14="http://schemas.microsoft.com/office/drawing/2010/main" xmlns:m="http://schemas.openxmlformats.org/officeDocument/2006/math" xmlns="" val="1"/>
             </a:ext>
           </a:extLst>
         </p:spPr>
@@ -6129,7 +6138,7 @@
           </a:ln>
           <a:extLst>
             <a:ext uri="{C572A759-6A51-4108-AA02-DFA0A04FC94B}">
-              <ma14:wrappingTextBoxFlag xmlns="" xmlns:m="http://schemas.openxmlformats.org/officeDocument/2006/math" xmlns:a14="http://schemas.microsoft.com/office/drawing/2010/main" xmlns:ma14="http://schemas.microsoft.com/office/mac/drawingml/2011/main" val="1"/>
+              <ma14:wrappingTextBoxFlag xmlns:ma14="http://schemas.microsoft.com/office/mac/drawingml/2011/main" xmlns:a14="http://schemas.microsoft.com/office/drawing/2010/main" xmlns:m="http://schemas.openxmlformats.org/officeDocument/2006/math" xmlns="" val="1"/>
             </a:ext>
           </a:extLst>
         </p:spPr>
@@ -6164,7 +6173,7 @@
           </a:ln>
           <a:extLst>
             <a:ext uri="{C572A759-6A51-4108-AA02-DFA0A04FC94B}">
-              <ma14:wrappingTextBoxFlag xmlns="" xmlns:m="http://schemas.openxmlformats.org/officeDocument/2006/math" xmlns:a14="http://schemas.microsoft.com/office/drawing/2010/main" xmlns:ma14="http://schemas.microsoft.com/office/mac/drawingml/2011/main" val="1"/>
+              <ma14:wrappingTextBoxFlag xmlns:ma14="http://schemas.microsoft.com/office/mac/drawingml/2011/main" xmlns:a14="http://schemas.microsoft.com/office/drawing/2010/main" xmlns:m="http://schemas.openxmlformats.org/officeDocument/2006/math" xmlns="" val="1"/>
             </a:ext>
           </a:extLst>
         </p:spPr>
@@ -6460,7 +6469,7 @@
           </a:ln>
           <a:extLst>
             <a:ext uri="{C572A759-6A51-4108-AA02-DFA0A04FC94B}">
-              <ma14:wrappingTextBoxFlag xmlns="" xmlns:m="http://schemas.openxmlformats.org/officeDocument/2006/math" xmlns:a14="http://schemas.microsoft.com/office/drawing/2010/main" xmlns:ma14="http://schemas.microsoft.com/office/mac/drawingml/2011/main" val="1"/>
+              <ma14:wrappingTextBoxFlag xmlns:ma14="http://schemas.microsoft.com/office/mac/drawingml/2011/main" xmlns:a14="http://schemas.microsoft.com/office/drawing/2010/main" xmlns:m="http://schemas.openxmlformats.org/officeDocument/2006/math" xmlns="" val="1"/>
             </a:ext>
           </a:extLst>
         </p:spPr>
@@ -6508,7 +6517,7 @@
           </a:ln>
           <a:extLst>
             <a:ext uri="{C572A759-6A51-4108-AA02-DFA0A04FC94B}">
-              <ma14:wrappingTextBoxFlag xmlns="" xmlns:m="http://schemas.openxmlformats.org/officeDocument/2006/math" xmlns:a14="http://schemas.microsoft.com/office/drawing/2010/main" xmlns:ma14="http://schemas.microsoft.com/office/mac/drawingml/2011/main" val="1"/>
+              <ma14:wrappingTextBoxFlag xmlns:ma14="http://schemas.microsoft.com/office/mac/drawingml/2011/main" xmlns:a14="http://schemas.microsoft.com/office/drawing/2010/main" xmlns:m="http://schemas.openxmlformats.org/officeDocument/2006/math" xmlns="" val="1"/>
             </a:ext>
           </a:extLst>
         </p:spPr>
@@ -6603,7 +6612,7 @@
           </a:ln>
           <a:extLst>
             <a:ext uri="{C572A759-6A51-4108-AA02-DFA0A04FC94B}">
-              <ma14:wrappingTextBoxFlag xmlns="" xmlns:m="http://schemas.openxmlformats.org/officeDocument/2006/math" xmlns:a14="http://schemas.microsoft.com/office/drawing/2010/main" xmlns:ma14="http://schemas.microsoft.com/office/mac/drawingml/2011/main" val="1"/>
+              <ma14:wrappingTextBoxFlag xmlns:ma14="http://schemas.microsoft.com/office/mac/drawingml/2011/main" xmlns:a14="http://schemas.microsoft.com/office/drawing/2010/main" xmlns:m="http://schemas.openxmlformats.org/officeDocument/2006/math" xmlns="" val="1"/>
             </a:ext>
           </a:extLst>
         </p:spPr>
@@ -6651,7 +6660,7 @@
           </a:ln>
           <a:extLst>
             <a:ext uri="{C572A759-6A51-4108-AA02-DFA0A04FC94B}">
-              <ma14:wrappingTextBoxFlag xmlns="" xmlns:m="http://schemas.openxmlformats.org/officeDocument/2006/math" xmlns:a14="http://schemas.microsoft.com/office/drawing/2010/main" xmlns:ma14="http://schemas.microsoft.com/office/mac/drawingml/2011/main" val="1"/>
+              <ma14:wrappingTextBoxFlag xmlns:ma14="http://schemas.microsoft.com/office/mac/drawingml/2011/main" xmlns:a14="http://schemas.microsoft.com/office/drawing/2010/main" xmlns:m="http://schemas.openxmlformats.org/officeDocument/2006/math" xmlns="" val="1"/>
             </a:ext>
           </a:extLst>
         </p:spPr>
@@ -6699,7 +6708,7 @@
           </a:ln>
           <a:extLst>
             <a:ext uri="{C572A759-6A51-4108-AA02-DFA0A04FC94B}">
-              <ma14:wrappingTextBoxFlag xmlns="" xmlns:m="http://schemas.openxmlformats.org/officeDocument/2006/math" xmlns:a14="http://schemas.microsoft.com/office/drawing/2010/main" xmlns:ma14="http://schemas.microsoft.com/office/mac/drawingml/2011/main" val="1"/>
+              <ma14:wrappingTextBoxFlag xmlns:ma14="http://schemas.microsoft.com/office/mac/drawingml/2011/main" xmlns:a14="http://schemas.microsoft.com/office/drawing/2010/main" xmlns:m="http://schemas.openxmlformats.org/officeDocument/2006/math" xmlns="" val="1"/>
             </a:ext>
           </a:extLst>
         </p:spPr>
@@ -6747,7 +6756,7 @@
           </a:ln>
           <a:extLst>
             <a:ext uri="{C572A759-6A51-4108-AA02-DFA0A04FC94B}">
-              <ma14:wrappingTextBoxFlag xmlns="" xmlns:m="http://schemas.openxmlformats.org/officeDocument/2006/math" xmlns:a14="http://schemas.microsoft.com/office/drawing/2010/main" xmlns:ma14="http://schemas.microsoft.com/office/mac/drawingml/2011/main" val="1"/>
+              <ma14:wrappingTextBoxFlag xmlns:ma14="http://schemas.microsoft.com/office/mac/drawingml/2011/main" xmlns:a14="http://schemas.microsoft.com/office/drawing/2010/main" xmlns:m="http://schemas.openxmlformats.org/officeDocument/2006/math" xmlns="" val="1"/>
             </a:ext>
           </a:extLst>
         </p:spPr>
@@ -6795,7 +6804,7 @@
           </a:ln>
           <a:extLst>
             <a:ext uri="{C572A759-6A51-4108-AA02-DFA0A04FC94B}">
-              <ma14:wrappingTextBoxFlag xmlns="" xmlns:m="http://schemas.openxmlformats.org/officeDocument/2006/math" xmlns:a14="http://schemas.microsoft.com/office/drawing/2010/main" xmlns:ma14="http://schemas.microsoft.com/office/mac/drawingml/2011/main" val="1"/>
+              <ma14:wrappingTextBoxFlag xmlns:ma14="http://schemas.microsoft.com/office/mac/drawingml/2011/main" xmlns:a14="http://schemas.microsoft.com/office/drawing/2010/main" xmlns:m="http://schemas.openxmlformats.org/officeDocument/2006/math" xmlns="" val="1"/>
             </a:ext>
           </a:extLst>
         </p:spPr>
@@ -6843,7 +6852,7 @@
           </a:ln>
           <a:extLst>
             <a:ext uri="{C572A759-6A51-4108-AA02-DFA0A04FC94B}">
-              <ma14:wrappingTextBoxFlag xmlns="" xmlns:m="http://schemas.openxmlformats.org/officeDocument/2006/math" xmlns:a14="http://schemas.microsoft.com/office/drawing/2010/main" xmlns:ma14="http://schemas.microsoft.com/office/mac/drawingml/2011/main" val="1"/>
+              <ma14:wrappingTextBoxFlag xmlns:ma14="http://schemas.microsoft.com/office/mac/drawingml/2011/main" xmlns:a14="http://schemas.microsoft.com/office/drawing/2010/main" xmlns:m="http://schemas.openxmlformats.org/officeDocument/2006/math" xmlns="" val="1"/>
             </a:ext>
           </a:extLst>
         </p:spPr>
@@ -6891,7 +6900,7 @@
           </a:ln>
           <a:extLst>
             <a:ext uri="{C572A759-6A51-4108-AA02-DFA0A04FC94B}">
-              <ma14:wrappingTextBoxFlag xmlns="" xmlns:m="http://schemas.openxmlformats.org/officeDocument/2006/math" xmlns:a14="http://schemas.microsoft.com/office/drawing/2010/main" xmlns:ma14="http://schemas.microsoft.com/office/mac/drawingml/2011/main" val="1"/>
+              <ma14:wrappingTextBoxFlag xmlns:ma14="http://schemas.microsoft.com/office/mac/drawingml/2011/main" xmlns:a14="http://schemas.microsoft.com/office/drawing/2010/main" xmlns:m="http://schemas.openxmlformats.org/officeDocument/2006/math" xmlns="" val="1"/>
             </a:ext>
           </a:extLst>
         </p:spPr>
@@ -6939,7 +6948,7 @@
           </a:ln>
           <a:extLst>
             <a:ext uri="{C572A759-6A51-4108-AA02-DFA0A04FC94B}">
-              <ma14:wrappingTextBoxFlag xmlns="" xmlns:m="http://schemas.openxmlformats.org/officeDocument/2006/math" xmlns:a14="http://schemas.microsoft.com/office/drawing/2010/main" xmlns:ma14="http://schemas.microsoft.com/office/mac/drawingml/2011/main" val="1"/>
+              <ma14:wrappingTextBoxFlag xmlns:ma14="http://schemas.microsoft.com/office/mac/drawingml/2011/main" xmlns:a14="http://schemas.microsoft.com/office/drawing/2010/main" xmlns:m="http://schemas.openxmlformats.org/officeDocument/2006/math" xmlns="" val="1"/>
             </a:ext>
           </a:extLst>
         </p:spPr>
@@ -6987,7 +6996,7 @@
           </a:ln>
           <a:extLst>
             <a:ext uri="{C572A759-6A51-4108-AA02-DFA0A04FC94B}">
-              <ma14:wrappingTextBoxFlag xmlns="" xmlns:m="http://schemas.openxmlformats.org/officeDocument/2006/math" xmlns:a14="http://schemas.microsoft.com/office/drawing/2010/main" xmlns:ma14="http://schemas.microsoft.com/office/mac/drawingml/2011/main" val="1"/>
+              <ma14:wrappingTextBoxFlag xmlns:ma14="http://schemas.microsoft.com/office/mac/drawingml/2011/main" xmlns:a14="http://schemas.microsoft.com/office/drawing/2010/main" xmlns:m="http://schemas.openxmlformats.org/officeDocument/2006/math" xmlns="" val="1"/>
             </a:ext>
           </a:extLst>
         </p:spPr>
@@ -7050,7 +7059,7 @@
           </a:ln>
           <a:extLst>
             <a:ext uri="{C572A759-6A51-4108-AA02-DFA0A04FC94B}">
-              <ma14:wrappingTextBoxFlag xmlns="" xmlns:m="http://schemas.openxmlformats.org/officeDocument/2006/math" xmlns:a14="http://schemas.microsoft.com/office/drawing/2010/main" xmlns:ma14="http://schemas.microsoft.com/office/mac/drawingml/2011/main" val="1"/>
+              <ma14:wrappingTextBoxFlag xmlns:ma14="http://schemas.microsoft.com/office/mac/drawingml/2011/main" xmlns:a14="http://schemas.microsoft.com/office/drawing/2010/main" xmlns:m="http://schemas.openxmlformats.org/officeDocument/2006/math" xmlns="" val="1"/>
             </a:ext>
           </a:extLst>
         </p:spPr>
@@ -7098,7 +7107,7 @@
           </a:ln>
           <a:extLst>
             <a:ext uri="{C572A759-6A51-4108-AA02-DFA0A04FC94B}">
-              <ma14:wrappingTextBoxFlag xmlns="" xmlns:m="http://schemas.openxmlformats.org/officeDocument/2006/math" xmlns:a14="http://schemas.microsoft.com/office/drawing/2010/main" xmlns:ma14="http://schemas.microsoft.com/office/mac/drawingml/2011/main" val="1"/>
+              <ma14:wrappingTextBoxFlag xmlns:ma14="http://schemas.microsoft.com/office/mac/drawingml/2011/main" xmlns:a14="http://schemas.microsoft.com/office/drawing/2010/main" xmlns:m="http://schemas.openxmlformats.org/officeDocument/2006/math" xmlns="" val="1"/>
             </a:ext>
           </a:extLst>
         </p:spPr>
@@ -7146,7 +7155,7 @@
           </a:ln>
           <a:extLst>
             <a:ext uri="{C572A759-6A51-4108-AA02-DFA0A04FC94B}">
-              <ma14:wrappingTextBoxFlag xmlns="" xmlns:m="http://schemas.openxmlformats.org/officeDocument/2006/math" xmlns:a14="http://schemas.microsoft.com/office/drawing/2010/main" xmlns:ma14="http://schemas.microsoft.com/office/mac/drawingml/2011/main" val="1"/>
+              <ma14:wrappingTextBoxFlag xmlns:ma14="http://schemas.microsoft.com/office/mac/drawingml/2011/main" xmlns:a14="http://schemas.microsoft.com/office/drawing/2010/main" xmlns:m="http://schemas.openxmlformats.org/officeDocument/2006/math" xmlns="" val="1"/>
             </a:ext>
           </a:extLst>
         </p:spPr>
@@ -8105,7 +8114,7 @@
           </a:ln>
           <a:extLst>
             <a:ext uri="{C572A759-6A51-4108-AA02-DFA0A04FC94B}">
-              <ma14:wrappingTextBoxFlag xmlns="" xmlns:m="http://schemas.openxmlformats.org/officeDocument/2006/math" xmlns:a14="http://schemas.microsoft.com/office/drawing/2010/main" xmlns:ma14="http://schemas.microsoft.com/office/mac/drawingml/2011/main" val="1"/>
+              <ma14:wrappingTextBoxFlag xmlns:ma14="http://schemas.microsoft.com/office/mac/drawingml/2011/main" xmlns:a14="http://schemas.microsoft.com/office/drawing/2010/main" xmlns:m="http://schemas.openxmlformats.org/officeDocument/2006/math" xmlns="" val="1"/>
             </a:ext>
           </a:extLst>
         </p:spPr>
@@ -8153,7 +8162,7 @@
           </a:ln>
           <a:extLst>
             <a:ext uri="{C572A759-6A51-4108-AA02-DFA0A04FC94B}">
-              <ma14:wrappingTextBoxFlag xmlns="" xmlns:m="http://schemas.openxmlformats.org/officeDocument/2006/math" xmlns:a14="http://schemas.microsoft.com/office/drawing/2010/main" xmlns:ma14="http://schemas.microsoft.com/office/mac/drawingml/2011/main" val="1"/>
+              <ma14:wrappingTextBoxFlag xmlns:ma14="http://schemas.microsoft.com/office/mac/drawingml/2011/main" xmlns:a14="http://schemas.microsoft.com/office/drawing/2010/main" xmlns:m="http://schemas.openxmlformats.org/officeDocument/2006/math" xmlns="" val="1"/>
             </a:ext>
           </a:extLst>
         </p:spPr>
@@ -8246,7 +8255,7 @@
           </a:ln>
           <a:extLst>
             <a:ext uri="{C572A759-6A51-4108-AA02-DFA0A04FC94B}">
-              <ma14:wrappingTextBoxFlag xmlns="" xmlns:m="http://schemas.openxmlformats.org/officeDocument/2006/math" xmlns:a14="http://schemas.microsoft.com/office/drawing/2010/main" xmlns:ma14="http://schemas.microsoft.com/office/mac/drawingml/2011/main" val="1"/>
+              <ma14:wrappingTextBoxFlag xmlns:ma14="http://schemas.microsoft.com/office/mac/drawingml/2011/main" xmlns:a14="http://schemas.microsoft.com/office/drawing/2010/main" xmlns:m="http://schemas.openxmlformats.org/officeDocument/2006/math" xmlns="" val="1"/>
             </a:ext>
           </a:extLst>
         </p:spPr>
@@ -8298,7 +8307,7 @@
           </a:ln>
           <a:extLst>
             <a:ext uri="{C572A759-6A51-4108-AA02-DFA0A04FC94B}">
-              <ma14:wrappingTextBoxFlag xmlns="" xmlns:m="http://schemas.openxmlformats.org/officeDocument/2006/math" xmlns:a14="http://schemas.microsoft.com/office/drawing/2010/main" xmlns:ma14="http://schemas.microsoft.com/office/mac/drawingml/2011/main" val="1"/>
+              <ma14:wrappingTextBoxFlag xmlns:ma14="http://schemas.microsoft.com/office/mac/drawingml/2011/main" xmlns:a14="http://schemas.microsoft.com/office/drawing/2010/main" xmlns:m="http://schemas.openxmlformats.org/officeDocument/2006/math" xmlns="" val="1"/>
             </a:ext>
           </a:extLst>
         </p:spPr>
@@ -8387,7 +8396,7 @@
           </a:ln>
           <a:extLst>
             <a:ext uri="{C572A759-6A51-4108-AA02-DFA0A04FC94B}">
-              <ma14:wrappingTextBoxFlag xmlns="" xmlns:m="http://schemas.openxmlformats.org/officeDocument/2006/math" xmlns:a14="http://schemas.microsoft.com/office/drawing/2010/main" xmlns:ma14="http://schemas.microsoft.com/office/mac/drawingml/2011/main" val="1"/>
+              <ma14:wrappingTextBoxFlag xmlns:ma14="http://schemas.microsoft.com/office/mac/drawingml/2011/main" xmlns:a14="http://schemas.microsoft.com/office/drawing/2010/main" xmlns:m="http://schemas.openxmlformats.org/officeDocument/2006/math" xmlns="" val="1"/>
             </a:ext>
           </a:extLst>
         </p:spPr>
@@ -8480,7 +8489,7 @@
           </a:ln>
           <a:extLst>
             <a:ext uri="{C572A759-6A51-4108-AA02-DFA0A04FC94B}">
-              <ma14:wrappingTextBoxFlag xmlns="" xmlns:m="http://schemas.openxmlformats.org/officeDocument/2006/math" xmlns:a14="http://schemas.microsoft.com/office/drawing/2010/main" xmlns:ma14="http://schemas.microsoft.com/office/mac/drawingml/2011/main" val="1"/>
+              <ma14:wrappingTextBoxFlag xmlns:ma14="http://schemas.microsoft.com/office/mac/drawingml/2011/main" xmlns:a14="http://schemas.microsoft.com/office/drawing/2010/main" xmlns:m="http://schemas.openxmlformats.org/officeDocument/2006/math" xmlns="" val="1"/>
             </a:ext>
           </a:extLst>
         </p:spPr>
@@ -8528,7 +8537,7 @@
           </a:ln>
           <a:extLst>
             <a:ext uri="{C572A759-6A51-4108-AA02-DFA0A04FC94B}">
-              <ma14:wrappingTextBoxFlag xmlns="" xmlns:m="http://schemas.openxmlformats.org/officeDocument/2006/math" xmlns:a14="http://schemas.microsoft.com/office/drawing/2010/main" xmlns:ma14="http://schemas.microsoft.com/office/mac/drawingml/2011/main" val="1"/>
+              <ma14:wrappingTextBoxFlag xmlns:ma14="http://schemas.microsoft.com/office/mac/drawingml/2011/main" xmlns:a14="http://schemas.microsoft.com/office/drawing/2010/main" xmlns:m="http://schemas.openxmlformats.org/officeDocument/2006/math" xmlns="" val="1"/>
             </a:ext>
           </a:extLst>
         </p:spPr>
@@ -8662,7 +8671,7 @@
           </a:ln>
           <a:extLst>
             <a:ext uri="{C572A759-6A51-4108-AA02-DFA0A04FC94B}">
-              <ma14:wrappingTextBoxFlag xmlns="" xmlns:m="http://schemas.openxmlformats.org/officeDocument/2006/math" xmlns:a14="http://schemas.microsoft.com/office/drawing/2010/main" xmlns:ma14="http://schemas.microsoft.com/office/mac/drawingml/2011/main" val="1"/>
+              <ma14:wrappingTextBoxFlag xmlns:ma14="http://schemas.microsoft.com/office/mac/drawingml/2011/main" xmlns:a14="http://schemas.microsoft.com/office/drawing/2010/main" xmlns:m="http://schemas.openxmlformats.org/officeDocument/2006/math" xmlns="" val="1"/>
             </a:ext>
           </a:extLst>
         </p:spPr>
@@ -8748,7 +8757,7 @@
           </a:ln>
           <a:extLst>
             <a:ext uri="{C572A759-6A51-4108-AA02-DFA0A04FC94B}">
-              <ma14:wrappingTextBoxFlag xmlns="" xmlns:m="http://schemas.openxmlformats.org/officeDocument/2006/math" xmlns:a14="http://schemas.microsoft.com/office/drawing/2010/main" xmlns:ma14="http://schemas.microsoft.com/office/mac/drawingml/2011/main" val="1"/>
+              <ma14:wrappingTextBoxFlag xmlns:ma14="http://schemas.microsoft.com/office/mac/drawingml/2011/main" xmlns:a14="http://schemas.microsoft.com/office/drawing/2010/main" xmlns:m="http://schemas.openxmlformats.org/officeDocument/2006/math" xmlns="" val="1"/>
             </a:ext>
           </a:extLst>
         </p:spPr>
@@ -8786,7 +8795,7 @@
           </a:ln>
           <a:extLst>
             <a:ext uri="{C572A759-6A51-4108-AA02-DFA0A04FC94B}">
-              <ma14:wrappingTextBoxFlag xmlns="" xmlns:m="http://schemas.openxmlformats.org/officeDocument/2006/math" xmlns:a14="http://schemas.microsoft.com/office/drawing/2010/main" xmlns:ma14="http://schemas.microsoft.com/office/mac/drawingml/2011/main" val="1"/>
+              <ma14:wrappingTextBoxFlag xmlns:ma14="http://schemas.microsoft.com/office/mac/drawingml/2011/main" xmlns:a14="http://schemas.microsoft.com/office/drawing/2010/main" xmlns:m="http://schemas.openxmlformats.org/officeDocument/2006/math" xmlns="" val="1"/>
             </a:ext>
           </a:extLst>
         </p:spPr>
@@ -8985,7 +8994,7 @@
           </a:ln>
           <a:extLst>
             <a:ext uri="{C572A759-6A51-4108-AA02-DFA0A04FC94B}">
-              <ma14:wrappingTextBoxFlag xmlns="" xmlns:m="http://schemas.openxmlformats.org/officeDocument/2006/math" xmlns:a14="http://schemas.microsoft.com/office/drawing/2010/main" xmlns:ma14="http://schemas.microsoft.com/office/mac/drawingml/2011/main" val="1"/>
+              <ma14:wrappingTextBoxFlag xmlns:ma14="http://schemas.microsoft.com/office/mac/drawingml/2011/main" xmlns:a14="http://schemas.microsoft.com/office/drawing/2010/main" xmlns:m="http://schemas.openxmlformats.org/officeDocument/2006/math" xmlns="" val="1"/>
             </a:ext>
           </a:extLst>
         </p:spPr>
@@ -9101,7 +9110,7 @@
           </a:ln>
           <a:extLst>
             <a:ext uri="{C572A759-6A51-4108-AA02-DFA0A04FC94B}">
-              <ma14:wrappingTextBoxFlag xmlns="" xmlns:m="http://schemas.openxmlformats.org/officeDocument/2006/math" xmlns:a14="http://schemas.microsoft.com/office/drawing/2010/main" xmlns:ma14="http://schemas.microsoft.com/office/mac/drawingml/2011/main" val="1"/>
+              <ma14:wrappingTextBoxFlag xmlns:ma14="http://schemas.microsoft.com/office/mac/drawingml/2011/main" xmlns:a14="http://schemas.microsoft.com/office/drawing/2010/main" xmlns:m="http://schemas.openxmlformats.org/officeDocument/2006/math" xmlns="" val="1"/>
             </a:ext>
           </a:extLst>
         </p:spPr>
@@ -9146,7 +9155,7 @@
           </a:ln>
           <a:extLst>
             <a:ext uri="{C572A759-6A51-4108-AA02-DFA0A04FC94B}">
-              <ma14:wrappingTextBoxFlag xmlns="" xmlns:m="http://schemas.openxmlformats.org/officeDocument/2006/math" xmlns:a14="http://schemas.microsoft.com/office/drawing/2010/main" xmlns:ma14="http://schemas.microsoft.com/office/mac/drawingml/2011/main" val="1"/>
+              <ma14:wrappingTextBoxFlag xmlns:ma14="http://schemas.microsoft.com/office/mac/drawingml/2011/main" xmlns:a14="http://schemas.microsoft.com/office/drawing/2010/main" xmlns:m="http://schemas.openxmlformats.org/officeDocument/2006/math" xmlns="" val="1"/>
             </a:ext>
           </a:extLst>
         </p:spPr>
@@ -9221,7 +9230,7 @@
           </a:ln>
           <a:extLst>
             <a:ext uri="{C572A759-6A51-4108-AA02-DFA0A04FC94B}">
-              <ma14:wrappingTextBoxFlag xmlns="" xmlns:m="http://schemas.openxmlformats.org/officeDocument/2006/math" xmlns:a14="http://schemas.microsoft.com/office/drawing/2010/main" xmlns:ma14="http://schemas.microsoft.com/office/mac/drawingml/2011/main" val="1"/>
+              <ma14:wrappingTextBoxFlag xmlns:ma14="http://schemas.microsoft.com/office/mac/drawingml/2011/main" xmlns:a14="http://schemas.microsoft.com/office/drawing/2010/main" xmlns:m="http://schemas.openxmlformats.org/officeDocument/2006/math" xmlns="" val="1"/>
             </a:ext>
           </a:extLst>
         </p:spPr>
@@ -9377,7 +9386,7 @@
           </a:ln>
           <a:extLst>
             <a:ext uri="{C572A759-6A51-4108-AA02-DFA0A04FC94B}">
-              <ma14:wrappingTextBoxFlag xmlns="" xmlns:m="http://schemas.openxmlformats.org/officeDocument/2006/math" xmlns:a14="http://schemas.microsoft.com/office/drawing/2010/main" xmlns:ma14="http://schemas.microsoft.com/office/mac/drawingml/2011/main" val="1"/>
+              <ma14:wrappingTextBoxFlag xmlns:ma14="http://schemas.microsoft.com/office/mac/drawingml/2011/main" xmlns:a14="http://schemas.microsoft.com/office/drawing/2010/main" xmlns:m="http://schemas.openxmlformats.org/officeDocument/2006/math" xmlns="" val="1"/>
             </a:ext>
           </a:extLst>
         </p:spPr>
@@ -9412,7 +9421,7 @@
           </a:ln>
           <a:extLst>
             <a:ext uri="{C572A759-6A51-4108-AA02-DFA0A04FC94B}">
-              <ma14:wrappingTextBoxFlag xmlns="" xmlns:m="http://schemas.openxmlformats.org/officeDocument/2006/math" xmlns:a14="http://schemas.microsoft.com/office/drawing/2010/main" xmlns:ma14="http://schemas.microsoft.com/office/mac/drawingml/2011/main" val="1"/>
+              <ma14:wrappingTextBoxFlag xmlns:ma14="http://schemas.microsoft.com/office/mac/drawingml/2011/main" xmlns:a14="http://schemas.microsoft.com/office/drawing/2010/main" xmlns:m="http://schemas.openxmlformats.org/officeDocument/2006/math" xmlns="" val="1"/>
             </a:ext>
           </a:extLst>
         </p:spPr>
@@ -9609,7 +9618,7 @@
           </a:ln>
           <a:extLst>
             <a:ext uri="{C572A759-6A51-4108-AA02-DFA0A04FC94B}">
-              <ma14:wrappingTextBoxFlag xmlns="" xmlns:m="http://schemas.openxmlformats.org/officeDocument/2006/math" xmlns:a14="http://schemas.microsoft.com/office/drawing/2010/main" xmlns:ma14="http://schemas.microsoft.com/office/mac/drawingml/2011/main" val="1"/>
+              <ma14:wrappingTextBoxFlag xmlns:ma14="http://schemas.microsoft.com/office/mac/drawingml/2011/main" xmlns:a14="http://schemas.microsoft.com/office/drawing/2010/main" xmlns:m="http://schemas.openxmlformats.org/officeDocument/2006/math" xmlns="" val="1"/>
             </a:ext>
           </a:extLst>
         </p:spPr>
@@ -9644,7 +9653,7 @@
           </a:ln>
           <a:extLst>
             <a:ext uri="{C572A759-6A51-4108-AA02-DFA0A04FC94B}">
-              <ma14:wrappingTextBoxFlag xmlns="" xmlns:m="http://schemas.openxmlformats.org/officeDocument/2006/math" xmlns:a14="http://schemas.microsoft.com/office/drawing/2010/main" xmlns:ma14="http://schemas.microsoft.com/office/mac/drawingml/2011/main" val="1"/>
+              <ma14:wrappingTextBoxFlag xmlns:ma14="http://schemas.microsoft.com/office/mac/drawingml/2011/main" xmlns:a14="http://schemas.microsoft.com/office/drawing/2010/main" xmlns:m="http://schemas.openxmlformats.org/officeDocument/2006/math" xmlns="" val="1"/>
             </a:ext>
           </a:extLst>
         </p:spPr>
@@ -9761,7 +9770,7 @@
           </a:ln>
           <a:extLst>
             <a:ext uri="{C572A759-6A51-4108-AA02-DFA0A04FC94B}">
-              <ma14:wrappingTextBoxFlag xmlns="" xmlns:m="http://schemas.openxmlformats.org/officeDocument/2006/math" xmlns:a14="http://schemas.microsoft.com/office/drawing/2010/main" xmlns:ma14="http://schemas.microsoft.com/office/mac/drawingml/2011/main" val="1"/>
+              <ma14:wrappingTextBoxFlag xmlns:ma14="http://schemas.microsoft.com/office/mac/drawingml/2011/main" xmlns:a14="http://schemas.microsoft.com/office/drawing/2010/main" xmlns:m="http://schemas.openxmlformats.org/officeDocument/2006/math" xmlns="" val="1"/>
             </a:ext>
           </a:extLst>
         </p:spPr>
@@ -9917,7 +9926,7 @@
           </a:ln>
           <a:extLst>
             <a:ext uri="{C572A759-6A51-4108-AA02-DFA0A04FC94B}">
-              <ma14:wrappingTextBoxFlag xmlns="" xmlns:m="http://schemas.openxmlformats.org/officeDocument/2006/math" xmlns:a14="http://schemas.microsoft.com/office/drawing/2010/main" xmlns:ma14="http://schemas.microsoft.com/office/mac/drawingml/2011/main" val="1"/>
+              <ma14:wrappingTextBoxFlag xmlns:ma14="http://schemas.microsoft.com/office/mac/drawingml/2011/main" xmlns:a14="http://schemas.microsoft.com/office/drawing/2010/main" xmlns:m="http://schemas.openxmlformats.org/officeDocument/2006/math" xmlns="" val="1"/>
             </a:ext>
           </a:extLst>
         </p:spPr>
@@ -9993,7 +10002,7 @@
           </a:ln>
           <a:extLst>
             <a:ext uri="{C572A759-6A51-4108-AA02-DFA0A04FC94B}">
-              <ma14:wrappingTextBoxFlag xmlns="" xmlns:m="http://schemas.openxmlformats.org/officeDocument/2006/math" xmlns:a14="http://schemas.microsoft.com/office/drawing/2010/main" xmlns:ma14="http://schemas.microsoft.com/office/mac/drawingml/2011/main" val="1"/>
+              <ma14:wrappingTextBoxFlag xmlns:ma14="http://schemas.microsoft.com/office/mac/drawingml/2011/main" xmlns:a14="http://schemas.microsoft.com/office/drawing/2010/main" xmlns:m="http://schemas.openxmlformats.org/officeDocument/2006/math" xmlns="" val="1"/>
             </a:ext>
           </a:extLst>
         </p:spPr>
@@ -10109,7 +10118,7 @@
           </a:ln>
           <a:extLst>
             <a:ext uri="{C572A759-6A51-4108-AA02-DFA0A04FC94B}">
-              <ma14:wrappingTextBoxFlag xmlns="" xmlns:m="http://schemas.openxmlformats.org/officeDocument/2006/math" xmlns:a14="http://schemas.microsoft.com/office/drawing/2010/main" xmlns:ma14="http://schemas.microsoft.com/office/mac/drawingml/2011/main" val="1"/>
+              <ma14:wrappingTextBoxFlag xmlns:ma14="http://schemas.microsoft.com/office/mac/drawingml/2011/main" xmlns:a14="http://schemas.microsoft.com/office/drawing/2010/main" xmlns:m="http://schemas.openxmlformats.org/officeDocument/2006/math" xmlns="" val="1"/>
             </a:ext>
           </a:extLst>
         </p:spPr>
@@ -10185,7 +10194,7 @@
           </a:ln>
           <a:extLst>
             <a:ext uri="{C572A759-6A51-4108-AA02-DFA0A04FC94B}">
-              <ma14:wrappingTextBoxFlag xmlns="" xmlns:m="http://schemas.openxmlformats.org/officeDocument/2006/math" xmlns:a14="http://schemas.microsoft.com/office/drawing/2010/main" xmlns:ma14="http://schemas.microsoft.com/office/mac/drawingml/2011/main" val="1"/>
+              <ma14:wrappingTextBoxFlag xmlns:ma14="http://schemas.microsoft.com/office/mac/drawingml/2011/main" xmlns:a14="http://schemas.microsoft.com/office/drawing/2010/main" xmlns:m="http://schemas.openxmlformats.org/officeDocument/2006/math" xmlns="" val="1"/>
             </a:ext>
           </a:extLst>
         </p:spPr>
@@ -10341,7 +10350,7 @@
           </a:ln>
           <a:extLst>
             <a:ext uri="{C572A759-6A51-4108-AA02-DFA0A04FC94B}">
-              <ma14:wrappingTextBoxFlag xmlns="" xmlns:m="http://schemas.openxmlformats.org/officeDocument/2006/math" xmlns:a14="http://schemas.microsoft.com/office/drawing/2010/main" xmlns:ma14="http://schemas.microsoft.com/office/mac/drawingml/2011/main" val="1"/>
+              <ma14:wrappingTextBoxFlag xmlns:ma14="http://schemas.microsoft.com/office/mac/drawingml/2011/main" xmlns:a14="http://schemas.microsoft.com/office/drawing/2010/main" xmlns:m="http://schemas.openxmlformats.org/officeDocument/2006/math" xmlns="" val="1"/>
             </a:ext>
           </a:extLst>
         </p:spPr>
@@ -10457,7 +10466,7 @@
           </a:ln>
           <a:extLst>
             <a:ext uri="{C572A759-6A51-4108-AA02-DFA0A04FC94B}">
-              <ma14:wrappingTextBoxFlag xmlns="" xmlns:m="http://schemas.openxmlformats.org/officeDocument/2006/math" xmlns:a14="http://schemas.microsoft.com/office/drawing/2010/main" xmlns:ma14="http://schemas.microsoft.com/office/mac/drawingml/2011/main" val="1"/>
+              <ma14:wrappingTextBoxFlag xmlns:ma14="http://schemas.microsoft.com/office/mac/drawingml/2011/main" xmlns:a14="http://schemas.microsoft.com/office/drawing/2010/main" xmlns:m="http://schemas.openxmlformats.org/officeDocument/2006/math" xmlns="" val="1"/>
             </a:ext>
           </a:extLst>
         </p:spPr>
@@ -10533,7 +10542,7 @@
           </a:ln>
           <a:extLst>
             <a:ext uri="{C572A759-6A51-4108-AA02-DFA0A04FC94B}">
-              <ma14:wrappingTextBoxFlag xmlns="" xmlns:m="http://schemas.openxmlformats.org/officeDocument/2006/math" xmlns:a14="http://schemas.microsoft.com/office/drawing/2010/main" xmlns:ma14="http://schemas.microsoft.com/office/mac/drawingml/2011/main" val="1"/>
+              <ma14:wrappingTextBoxFlag xmlns:ma14="http://schemas.microsoft.com/office/mac/drawingml/2011/main" xmlns:a14="http://schemas.microsoft.com/office/drawing/2010/main" xmlns:m="http://schemas.openxmlformats.org/officeDocument/2006/math" xmlns="" val="1"/>
             </a:ext>
           </a:extLst>
         </p:spPr>
@@ -10609,7 +10618,7 @@
           </a:ln>
           <a:extLst>
             <a:ext uri="{C572A759-6A51-4108-AA02-DFA0A04FC94B}">
-              <ma14:wrappingTextBoxFlag xmlns="" xmlns:m="http://schemas.openxmlformats.org/officeDocument/2006/math" xmlns:a14="http://schemas.microsoft.com/office/drawing/2010/main" xmlns:ma14="http://schemas.microsoft.com/office/mac/drawingml/2011/main" val="1"/>
+              <ma14:wrappingTextBoxFlag xmlns:ma14="http://schemas.microsoft.com/office/mac/drawingml/2011/main" xmlns:a14="http://schemas.microsoft.com/office/drawing/2010/main" xmlns:m="http://schemas.openxmlformats.org/officeDocument/2006/math" xmlns="" val="1"/>
             </a:ext>
           </a:extLst>
         </p:spPr>
@@ -10730,7 +10739,7 @@
           </a:ln>
           <a:extLst>
             <a:ext uri="{C572A759-6A51-4108-AA02-DFA0A04FC94B}">
-              <ma14:wrappingTextBoxFlag xmlns="" xmlns:m="http://schemas.openxmlformats.org/officeDocument/2006/math" xmlns:a14="http://schemas.microsoft.com/office/drawing/2010/main" xmlns:ma14="http://schemas.microsoft.com/office/mac/drawingml/2011/main" val="1"/>
+              <ma14:wrappingTextBoxFlag xmlns:ma14="http://schemas.microsoft.com/office/mac/drawingml/2011/main" xmlns:a14="http://schemas.microsoft.com/office/drawing/2010/main" xmlns:m="http://schemas.openxmlformats.org/officeDocument/2006/math" xmlns="" val="1"/>
             </a:ext>
           </a:extLst>
         </p:spPr>
@@ -10806,7 +10815,7 @@
           </a:ln>
           <a:extLst>
             <a:ext uri="{C572A759-6A51-4108-AA02-DFA0A04FC94B}">
-              <ma14:wrappingTextBoxFlag xmlns="" xmlns:m="http://schemas.openxmlformats.org/officeDocument/2006/math" xmlns:a14="http://schemas.microsoft.com/office/drawing/2010/main" xmlns:ma14="http://schemas.microsoft.com/office/mac/drawingml/2011/main" val="1"/>
+              <ma14:wrappingTextBoxFlag xmlns:ma14="http://schemas.microsoft.com/office/mac/drawingml/2011/main" xmlns:a14="http://schemas.microsoft.com/office/drawing/2010/main" xmlns:m="http://schemas.openxmlformats.org/officeDocument/2006/math" xmlns="" val="1"/>
             </a:ext>
           </a:extLst>
         </p:spPr>
@@ -10882,7 +10891,7 @@
           </a:ln>
           <a:extLst>
             <a:ext uri="{C572A759-6A51-4108-AA02-DFA0A04FC94B}">
-              <ma14:wrappingTextBoxFlag xmlns="" xmlns:m="http://schemas.openxmlformats.org/officeDocument/2006/math" xmlns:a14="http://schemas.microsoft.com/office/drawing/2010/main" xmlns:ma14="http://schemas.microsoft.com/office/mac/drawingml/2011/main" val="1"/>
+              <ma14:wrappingTextBoxFlag xmlns:ma14="http://schemas.microsoft.com/office/mac/drawingml/2011/main" xmlns:a14="http://schemas.microsoft.com/office/drawing/2010/main" xmlns:m="http://schemas.openxmlformats.org/officeDocument/2006/math" xmlns="" val="1"/>
             </a:ext>
           </a:extLst>
         </p:spPr>
@@ -10917,7 +10926,7 @@
           </a:ln>
           <a:extLst>
             <a:ext uri="{C572A759-6A51-4108-AA02-DFA0A04FC94B}">
-              <ma14:wrappingTextBoxFlag xmlns="" xmlns:m="http://schemas.openxmlformats.org/officeDocument/2006/math" xmlns:a14="http://schemas.microsoft.com/office/drawing/2010/main" xmlns:ma14="http://schemas.microsoft.com/office/mac/drawingml/2011/main" val="1"/>
+              <ma14:wrappingTextBoxFlag xmlns:ma14="http://schemas.microsoft.com/office/mac/drawingml/2011/main" xmlns:a14="http://schemas.microsoft.com/office/drawing/2010/main" xmlns:m="http://schemas.openxmlformats.org/officeDocument/2006/math" xmlns="" val="1"/>
             </a:ext>
           </a:extLst>
         </p:spPr>
@@ -13207,7 +13216,9 @@
           </a:prstGeom>
         </p:spPr>
         <p:txBody>
-          <a:bodyPr/>
+          <a:bodyPr>
+            <a:normAutofit lnSpcReduction="10000"/>
+          </a:bodyPr>
           <a:lstStyle/>
           <a:p>
             <a:pPr marL="328929" indent="-328929" defTabSz="432308">
@@ -13217,8 +13228,10 @@
               <a:defRPr sz="2368"/>
             </a:pPr>
             <a:r>
+              <a:rPr dirty="0" err="1"/>
               <a:t>在Unix中，新的进程由老的进程fork而来</a:t>
             </a:r>
+            <a:endParaRPr dirty="0"/>
           </a:p>
           <a:p>
             <a:pPr marL="657859" lvl="1" indent="-328929" defTabSz="432308">
@@ -13228,8 +13241,10 @@
               <a:defRPr sz="2368"/>
             </a:pPr>
             <a:r>
+              <a:rPr dirty="0" err="1"/>
               <a:t>新的进程继承父进程的全部资源</a:t>
             </a:r>
+            <a:endParaRPr dirty="0"/>
           </a:p>
           <a:p>
             <a:pPr marL="657859" lvl="1" indent="-328929" defTabSz="432308">
@@ -13239,8 +13254,23 @@
               <a:defRPr sz="2368"/>
             </a:pPr>
             <a:r>
+              <a:rPr dirty="0" err="1"/>
               <a:t>一种偷懒的设计</a:t>
             </a:r>
+            <a:endParaRPr lang="en-US" altLang="zh-CN" dirty="0"/>
+          </a:p>
+          <a:p>
+            <a:pPr marL="657859" lvl="1" indent="-328929" defTabSz="432308">
+              <a:spcBef>
+                <a:spcPts val="3100"/>
+              </a:spcBef>
+              <a:defRPr sz="2368"/>
+            </a:pPr>
+            <a:r>
+              <a:rPr lang="en-US" dirty="0"/>
+              <a:t>Andrew Baumann, A fork() in the road, ACM Hot Topics in OS, May 2019</a:t>
+            </a:r>
+            <a:endParaRPr dirty="0"/>
           </a:p>
           <a:p>
             <a:pPr marL="328929" indent="-328929" defTabSz="432308">
@@ -13250,8 +13280,10 @@
               <a:defRPr sz="2368"/>
             </a:pPr>
             <a:r>
+              <a:rPr dirty="0" err="1"/>
               <a:t>在Fuchsia中，新进程的创建需要从头开始</a:t>
             </a:r>
+            <a:endParaRPr dirty="0"/>
           </a:p>
           <a:p>
             <a:pPr marL="657859" lvl="1" indent="-328929" defTabSz="432308">
@@ -13261,7 +13293,12 @@
               <a:defRPr sz="2368"/>
             </a:pPr>
             <a:r>
-              <a:t>创建process, thread</a:t>
+              <a:rPr dirty="0" err="1"/>
+              <a:t>创建process</a:t>
+            </a:r>
+            <a:r>
+              <a:rPr dirty="0"/>
+              <a:t>, thread</a:t>
             </a:r>
           </a:p>
           <a:p>
@@ -13272,8 +13309,18 @@
               <a:defRPr sz="2368"/>
             </a:pPr>
             <a:r>
-              <a:t>父进程建立初始的namespace到资源channel handle的映射</a:t>
-            </a:r>
+              <a:rPr dirty="0" err="1"/>
+              <a:t>父进程建立初始的namespace到资源channel</a:t>
+            </a:r>
+            <a:r>
+              <a:rPr dirty="0"/>
+              <a:t> </a:t>
+            </a:r>
+            <a:r>
+              <a:rPr dirty="0" err="1"/>
+              <a:t>handle的映射</a:t>
+            </a:r>
+            <a:endParaRPr dirty="0"/>
           </a:p>
           <a:p>
             <a:pPr marL="657859" lvl="1" indent="-328929" defTabSz="432308">
@@ -13283,8 +13330,10 @@
               <a:defRPr sz="2368"/>
             </a:pPr>
             <a:r>
+              <a:rPr dirty="0" err="1"/>
               <a:t>调用process_start显式的告诉内核新的进程可以跑了</a:t>
             </a:r>
+            <a:endParaRPr dirty="0"/>
           </a:p>
           <a:p>
             <a:pPr marL="328929" indent="-328929" defTabSz="432308">
@@ -13294,8 +13343,10 @@
               <a:defRPr sz="2368"/>
             </a:pPr>
             <a:r>
+              <a:rPr dirty="0" err="1"/>
               <a:t>在Fuchsia内核的process数据结构里，没有file和uid</a:t>
             </a:r>
+            <a:endParaRPr dirty="0"/>
           </a:p>
         </p:txBody>
       </p:sp>

--- a/201806fuchsia.pptx
+++ b/201806fuchsia.pptx
@@ -5,55 +5,55 @@
     <p:sldMasterId id="2147483648" r:id="rId1"/>
   </p:sldMasterIdLst>
   <p:notesMasterIdLst>
-    <p:notesMasterId r:id="rId48"/>
+    <p:notesMasterId r:id="rId49"/>
   </p:notesMasterIdLst>
   <p:sldIdLst>
-    <p:sldId id="256" r:id="rId2"/>
-    <p:sldId id="257" r:id="rId3"/>
-    <p:sldId id="301" r:id="rId4"/>
-    <p:sldId id="258" r:id="rId5"/>
-    <p:sldId id="259" r:id="rId6"/>
-    <p:sldId id="260" r:id="rId7"/>
-    <p:sldId id="261" r:id="rId8"/>
-    <p:sldId id="262" r:id="rId9"/>
-    <p:sldId id="263" r:id="rId10"/>
-    <p:sldId id="297" r:id="rId11"/>
-    <p:sldId id="264" r:id="rId12"/>
-    <p:sldId id="299" r:id="rId13"/>
-    <p:sldId id="300" r:id="rId14"/>
-    <p:sldId id="298" r:id="rId15"/>
-    <p:sldId id="278" r:id="rId16"/>
-    <p:sldId id="283" r:id="rId17"/>
-    <p:sldId id="280" r:id="rId18"/>
-    <p:sldId id="281" r:id="rId19"/>
-    <p:sldId id="277" r:id="rId20"/>
-    <p:sldId id="295" r:id="rId21"/>
-    <p:sldId id="265" r:id="rId22"/>
-    <p:sldId id="266" r:id="rId23"/>
-    <p:sldId id="267" r:id="rId24"/>
-    <p:sldId id="268" r:id="rId25"/>
-    <p:sldId id="269" r:id="rId26"/>
-    <p:sldId id="270" r:id="rId27"/>
-    <p:sldId id="272" r:id="rId28"/>
-    <p:sldId id="292" r:id="rId29"/>
-    <p:sldId id="293" r:id="rId30"/>
-    <p:sldId id="273" r:id="rId31"/>
-    <p:sldId id="274" r:id="rId32"/>
-    <p:sldId id="275" r:id="rId33"/>
-    <p:sldId id="276" r:id="rId34"/>
-    <p:sldId id="279" r:id="rId35"/>
-    <p:sldId id="282" r:id="rId36"/>
-    <p:sldId id="284" r:id="rId37"/>
-    <p:sldId id="285" r:id="rId38"/>
-    <p:sldId id="286" r:id="rId39"/>
-    <p:sldId id="287" r:id="rId40"/>
-    <p:sldId id="288" r:id="rId41"/>
-    <p:sldId id="289" r:id="rId42"/>
-    <p:sldId id="290" r:id="rId43"/>
-    <p:sldId id="291" r:id="rId44"/>
-    <p:sldId id="296" r:id="rId45"/>
-    <p:sldId id="294" r:id="rId46"/>
-    <p:sldId id="271" r:id="rId47"/>
+    <p:sldId id="256" r:id="rId3"/>
+    <p:sldId id="257" r:id="rId4"/>
+    <p:sldId id="301" r:id="rId5"/>
+    <p:sldId id="258" r:id="rId6"/>
+    <p:sldId id="259" r:id="rId7"/>
+    <p:sldId id="260" r:id="rId8"/>
+    <p:sldId id="261" r:id="rId9"/>
+    <p:sldId id="262" r:id="rId10"/>
+    <p:sldId id="263" r:id="rId11"/>
+    <p:sldId id="297" r:id="rId12"/>
+    <p:sldId id="264" r:id="rId13"/>
+    <p:sldId id="299" r:id="rId14"/>
+    <p:sldId id="300" r:id="rId15"/>
+    <p:sldId id="298" r:id="rId16"/>
+    <p:sldId id="278" r:id="rId17"/>
+    <p:sldId id="283" r:id="rId18"/>
+    <p:sldId id="280" r:id="rId19"/>
+    <p:sldId id="281" r:id="rId20"/>
+    <p:sldId id="277" r:id="rId21"/>
+    <p:sldId id="295" r:id="rId22"/>
+    <p:sldId id="265" r:id="rId23"/>
+    <p:sldId id="266" r:id="rId24"/>
+    <p:sldId id="267" r:id="rId25"/>
+    <p:sldId id="268" r:id="rId26"/>
+    <p:sldId id="269" r:id="rId27"/>
+    <p:sldId id="270" r:id="rId28"/>
+    <p:sldId id="272" r:id="rId29"/>
+    <p:sldId id="292" r:id="rId30"/>
+    <p:sldId id="293" r:id="rId31"/>
+    <p:sldId id="273" r:id="rId32"/>
+    <p:sldId id="274" r:id="rId33"/>
+    <p:sldId id="275" r:id="rId34"/>
+    <p:sldId id="276" r:id="rId35"/>
+    <p:sldId id="279" r:id="rId36"/>
+    <p:sldId id="282" r:id="rId37"/>
+    <p:sldId id="284" r:id="rId38"/>
+    <p:sldId id="285" r:id="rId39"/>
+    <p:sldId id="286" r:id="rId40"/>
+    <p:sldId id="287" r:id="rId41"/>
+    <p:sldId id="288" r:id="rId42"/>
+    <p:sldId id="289" r:id="rId43"/>
+    <p:sldId id="290" r:id="rId44"/>
+    <p:sldId id="291" r:id="rId45"/>
+    <p:sldId id="296" r:id="rId46"/>
+    <p:sldId id="294" r:id="rId47"/>
+    <p:sldId id="271" r:id="rId48"/>
   </p:sldIdLst>
   <p:sldSz cx="13004800" cy="9753600"/>
   <p:notesSz cx="6858000" cy="9144000"/>
@@ -72,7 +72,6 @@
       <a:buSzTx/>
       <a:buFontTx/>
       <a:buNone/>
-      <a:tabLst/>
       <a:defRPr kumimoji="0" sz="1800" b="0" i="0" u="none" strike="noStrike" cap="none" spc="0" normalizeH="0" baseline="0">
         <a:ln>
           <a:noFill/>
@@ -98,7 +97,6 @@
       <a:buSzTx/>
       <a:buFontTx/>
       <a:buNone/>
-      <a:tabLst/>
       <a:defRPr kumimoji="0" sz="2400" b="1" i="0" u="none" strike="noStrike" cap="none" spc="0" normalizeH="0" baseline="0">
         <a:ln>
           <a:noFill/>
@@ -128,7 +126,6 @@
       <a:buSzTx/>
       <a:buFontTx/>
       <a:buNone/>
-      <a:tabLst/>
       <a:defRPr kumimoji="0" sz="2400" b="1" i="0" u="none" strike="noStrike" cap="none" spc="0" normalizeH="0" baseline="0">
         <a:ln>
           <a:noFill/>
@@ -158,7 +155,6 @@
       <a:buSzTx/>
       <a:buFontTx/>
       <a:buNone/>
-      <a:tabLst/>
       <a:defRPr kumimoji="0" sz="2400" b="1" i="0" u="none" strike="noStrike" cap="none" spc="0" normalizeH="0" baseline="0">
         <a:ln>
           <a:noFill/>
@@ -188,7 +184,6 @@
       <a:buSzTx/>
       <a:buFontTx/>
       <a:buNone/>
-      <a:tabLst/>
       <a:defRPr kumimoji="0" sz="2400" b="1" i="0" u="none" strike="noStrike" cap="none" spc="0" normalizeH="0" baseline="0">
         <a:ln>
           <a:noFill/>
@@ -218,7 +213,6 @@
       <a:buSzTx/>
       <a:buFontTx/>
       <a:buNone/>
-      <a:tabLst/>
       <a:defRPr kumimoji="0" sz="2400" b="1" i="0" u="none" strike="noStrike" cap="none" spc="0" normalizeH="0" baseline="0">
         <a:ln>
           <a:noFill/>
@@ -248,7 +242,6 @@
       <a:buSzTx/>
       <a:buFontTx/>
       <a:buNone/>
-      <a:tabLst/>
       <a:defRPr kumimoji="0" sz="2400" b="1" i="0" u="none" strike="noStrike" cap="none" spc="0" normalizeH="0" baseline="0">
         <a:ln>
           <a:noFill/>
@@ -278,7 +271,6 @@
       <a:buSzTx/>
       <a:buFontTx/>
       <a:buNone/>
-      <a:tabLst/>
       <a:defRPr kumimoji="0" sz="2400" b="1" i="0" u="none" strike="noStrike" cap="none" spc="0" normalizeH="0" baseline="0">
         <a:ln>
           <a:noFill/>
@@ -308,7 +300,6 @@
       <a:buSzTx/>
       <a:buFontTx/>
       <a:buNone/>
-      <a:tabLst/>
       <a:defRPr kumimoji="0" sz="2400" b="1" i="0" u="none" strike="noStrike" cap="none" spc="0" normalizeH="0" baseline="0">
         <a:ln>
           <a:noFill/>
@@ -338,7 +329,6 @@
       <a:buSzTx/>
       <a:buFontTx/>
       <a:buNone/>
-      <a:tabLst/>
       <a:defRPr kumimoji="0" sz="2400" b="1" i="0" u="none" strike="noStrike" cap="none" spc="0" normalizeH="0" baseline="0">
         <a:ln>
           <a:noFill/>
@@ -355,11 +345,6 @@
       </a:defRPr>
     </a:lvl9pPr>
   </p:defaultTextStyle>
-  <p:extLst>
-    <p:ext uri="{EFAFB233-063F-42B5-8137-9DF3F51BA10A}">
-      <p15:sldGuideLst xmlns:p15="http://schemas.microsoft.com/office/powerpoint/2012/main"/>
-    </p:ext>
-  </p:extLst>
 </p:presentation>
 </file>
 
@@ -407,9 +392,7 @@
         <p:txBody>
           <a:bodyPr/>
           <a:lstStyle/>
-          <a:p>
-            <a:endParaRPr/>
-          </a:p>
+          <a:p/>
         </p:txBody>
       </p:sp>
       <p:sp>
@@ -434,9 +417,7 @@
         <p:txBody>
           <a:bodyPr/>
           <a:lstStyle/>
-          <a:p>
-            <a:endParaRPr/>
-          </a:p>
+          <a:p/>
         </p:txBody>
       </p:sp>
     </p:spTree>
@@ -445,7 +426,7 @@
   <p:notesStyle>
     <a:lvl1pPr defTabSz="457200" latinLnBrk="0">
       <a:lnSpc>
-        <a:spcPct val="117999"/>
+        <a:spcPct val="118000"/>
       </a:lnSpc>
       <a:defRPr sz="2200">
         <a:latin typeface="Helvetica Neue"/>
@@ -456,7 +437,7 @@
     </a:lvl1pPr>
     <a:lvl2pPr indent="228600" defTabSz="457200" latinLnBrk="0">
       <a:lnSpc>
-        <a:spcPct val="117999"/>
+        <a:spcPct val="118000"/>
       </a:lnSpc>
       <a:defRPr sz="2200">
         <a:latin typeface="Helvetica Neue"/>
@@ -467,7 +448,7 @@
     </a:lvl2pPr>
     <a:lvl3pPr indent="457200" defTabSz="457200" latinLnBrk="0">
       <a:lnSpc>
-        <a:spcPct val="117999"/>
+        <a:spcPct val="118000"/>
       </a:lnSpc>
       <a:defRPr sz="2200">
         <a:latin typeface="Helvetica Neue"/>
@@ -478,7 +459,7 @@
     </a:lvl3pPr>
     <a:lvl4pPr indent="685800" defTabSz="457200" latinLnBrk="0">
       <a:lnSpc>
-        <a:spcPct val="117999"/>
+        <a:spcPct val="118000"/>
       </a:lnSpc>
       <a:defRPr sz="2200">
         <a:latin typeface="Helvetica Neue"/>
@@ -489,7 +470,7 @@
     </a:lvl4pPr>
     <a:lvl5pPr indent="914400" defTabSz="457200" latinLnBrk="0">
       <a:lnSpc>
-        <a:spcPct val="117999"/>
+        <a:spcPct val="118000"/>
       </a:lnSpc>
       <a:defRPr sz="2200">
         <a:latin typeface="Helvetica Neue"/>
@@ -500,7 +481,7 @@
     </a:lvl5pPr>
     <a:lvl6pPr indent="1143000" defTabSz="457200" latinLnBrk="0">
       <a:lnSpc>
-        <a:spcPct val="117999"/>
+        <a:spcPct val="118000"/>
       </a:lnSpc>
       <a:defRPr sz="2200">
         <a:latin typeface="Helvetica Neue"/>
@@ -511,7 +492,7 @@
     </a:lvl6pPr>
     <a:lvl7pPr indent="1371600" defTabSz="457200" latinLnBrk="0">
       <a:lnSpc>
-        <a:spcPct val="117999"/>
+        <a:spcPct val="118000"/>
       </a:lnSpc>
       <a:defRPr sz="2200">
         <a:latin typeface="Helvetica Neue"/>
@@ -522,7 +503,7 @@
     </a:lvl7pPr>
     <a:lvl8pPr indent="1600200" defTabSz="457200" latinLnBrk="0">
       <a:lnSpc>
-        <a:spcPct val="117999"/>
+        <a:spcPct val="118000"/>
       </a:lnSpc>
       <a:defRPr sz="2200">
         <a:latin typeface="Helvetica Neue"/>
@@ -533,7 +514,7 @@
     </a:lvl8pPr>
     <a:lvl9pPr indent="1828800" defTabSz="457200" latinLnBrk="0">
       <a:lnSpc>
-        <a:spcPct val="117999"/>
+        <a:spcPct val="118000"/>
       </a:lnSpc>
       <a:defRPr sz="2200">
         <a:latin typeface="Helvetica Neue"/>
@@ -570,7 +551,7 @@
             <a:spLocks noGrp="1"/>
           </p:cNvSpPr>
           <p:nvPr>
-            <p:ph type="title"/>
+            <p:ph type="title" hasCustomPrompt="1"/>
           </p:nvPr>
         </p:nvSpPr>
         <p:spPr>
@@ -599,7 +580,7 @@
             <a:spLocks noGrp="1"/>
           </p:cNvSpPr>
           <p:nvPr>
-            <p:ph type="body" sz="quarter" idx="1"/>
+            <p:ph type="body" sz="quarter" idx="1" hasCustomPrompt="1"/>
           </p:nvPr>
         </p:nvSpPr>
         <p:spPr>
@@ -715,7 +696,7 @@
           </a:lstStyle>
           <a:p>
             <a:fld id="{86CB4B4D-7CA3-9044-876B-883B54F8677D}" type="slidenum">
-              <a:t>‹#›</a:t>
+              <a:rPr/>
             </a:fld>
             <a:endParaRPr/>
           </a:p>
@@ -754,7 +735,7 @@
             <a:spLocks noGrp="1"/>
           </p:cNvSpPr>
           <p:nvPr>
-            <p:ph type="body" sz="quarter" idx="13"/>
+            <p:ph type="body" sz="quarter" idx="13" hasCustomPrompt="1"/>
           </p:nvPr>
         </p:nvSpPr>
         <p:spPr>
@@ -794,7 +775,7 @@
             <a:spLocks noGrp="1"/>
           </p:cNvSpPr>
           <p:nvPr>
-            <p:ph type="body" sz="quarter" idx="14"/>
+            <p:ph type="body" sz="quarter" idx="14" hasCustomPrompt="1"/>
           </p:nvPr>
         </p:nvSpPr>
         <p:spPr>
@@ -852,7 +833,7 @@
           <a:lstStyle/>
           <a:p>
             <a:fld id="{86CB4B4D-7CA3-9044-876B-883B54F8677D}" type="slidenum">
-              <a:t>‹#›</a:t>
+              <a:rPr/>
             </a:fld>
             <a:endParaRPr/>
           </a:p>
@@ -908,9 +889,7 @@
             <a:noAutofit/>
           </a:bodyPr>
           <a:lstStyle/>
-          <a:p>
-            <a:endParaRPr/>
-          </a:p>
+          <a:p/>
         </p:txBody>
       </p:sp>
       <p:sp>
@@ -933,7 +912,7 @@
           <a:lstStyle/>
           <a:p>
             <a:fld id="{86CB4B4D-7CA3-9044-876B-883B54F8677D}" type="slidenum">
-              <a:t>‹#›</a:t>
+              <a:rPr/>
             </a:fld>
             <a:endParaRPr/>
           </a:p>
@@ -985,7 +964,7 @@
           <a:lstStyle/>
           <a:p>
             <a:fld id="{86CB4B4D-7CA3-9044-876B-883B54F8677D}" type="slidenum">
-              <a:t>‹#›</a:t>
+              <a:rPr/>
             </a:fld>
             <a:endParaRPr/>
           </a:p>
@@ -1041,9 +1020,7 @@
             <a:noAutofit/>
           </a:bodyPr>
           <a:lstStyle/>
-          <a:p>
-            <a:endParaRPr/>
-          </a:p>
+          <a:p/>
         </p:txBody>
       </p:sp>
       <p:sp>
@@ -1053,7 +1030,7 @@
             <a:spLocks noGrp="1"/>
           </p:cNvSpPr>
           <p:nvPr>
-            <p:ph type="title"/>
+            <p:ph type="title" hasCustomPrompt="1"/>
           </p:nvPr>
         </p:nvSpPr>
         <p:spPr>
@@ -1082,7 +1059,7 @@
             <a:spLocks noGrp="1"/>
           </p:cNvSpPr>
           <p:nvPr>
-            <p:ph type="body" sz="quarter" idx="1"/>
+            <p:ph type="body" sz="quarter" idx="1" hasCustomPrompt="1"/>
           </p:nvPr>
         </p:nvSpPr>
         <p:spPr>
@@ -1189,7 +1166,7 @@
           <a:lstStyle/>
           <a:p>
             <a:fld id="{86CB4B4D-7CA3-9044-876B-883B54F8677D}" type="slidenum">
-              <a:t>‹#›</a:t>
+              <a:rPr/>
             </a:fld>
             <a:endParaRPr/>
           </a:p>
@@ -1228,7 +1205,7 @@
             <a:spLocks noGrp="1"/>
           </p:cNvSpPr>
           <p:nvPr>
-            <p:ph type="title"/>
+            <p:ph type="title" hasCustomPrompt="1"/>
           </p:nvPr>
         </p:nvSpPr>
         <p:spPr>
@@ -1270,7 +1247,7 @@
           <a:lstStyle/>
           <a:p>
             <a:fld id="{86CB4B4D-7CA3-9044-876B-883B54F8677D}" type="slidenum">
-              <a:t>‹#›</a:t>
+              <a:rPr/>
             </a:fld>
             <a:endParaRPr/>
           </a:p>
@@ -1326,9 +1303,7 @@
             <a:noAutofit/>
           </a:bodyPr>
           <a:lstStyle/>
-          <a:p>
-            <a:endParaRPr/>
-          </a:p>
+          <a:p/>
         </p:txBody>
       </p:sp>
       <p:sp>
@@ -1338,7 +1313,7 @@
             <a:spLocks noGrp="1"/>
           </p:cNvSpPr>
           <p:nvPr>
-            <p:ph type="title"/>
+            <p:ph type="title" hasCustomPrompt="1"/>
           </p:nvPr>
         </p:nvSpPr>
         <p:spPr>
@@ -1371,7 +1346,7 @@
             <a:spLocks noGrp="1"/>
           </p:cNvSpPr>
           <p:nvPr>
-            <p:ph type="body" sz="quarter" idx="1"/>
+            <p:ph type="body" sz="quarter" idx="1" hasCustomPrompt="1"/>
           </p:nvPr>
         </p:nvSpPr>
         <p:spPr>
@@ -1478,7 +1453,7 @@
           <a:lstStyle/>
           <a:p>
             <a:fld id="{86CB4B4D-7CA3-9044-876B-883B54F8677D}" type="slidenum">
-              <a:t>‹#›</a:t>
+              <a:rPr/>
             </a:fld>
             <a:endParaRPr/>
           </a:p>
@@ -1517,7 +1492,7 @@
             <a:spLocks noGrp="1"/>
           </p:cNvSpPr>
           <p:nvPr>
-            <p:ph type="title"/>
+            <p:ph type="title" hasCustomPrompt="1"/>
           </p:nvPr>
         </p:nvSpPr>
         <p:spPr>
@@ -1555,7 +1530,7 @@
           <a:lstStyle/>
           <a:p>
             <a:fld id="{86CB4B4D-7CA3-9044-876B-883B54F8677D}" type="slidenum">
-              <a:t>‹#›</a:t>
+              <a:rPr/>
             </a:fld>
             <a:endParaRPr/>
           </a:p>
@@ -1594,7 +1569,7 @@
             <a:spLocks noGrp="1"/>
           </p:cNvSpPr>
           <p:nvPr>
-            <p:ph type="title"/>
+            <p:ph type="title" hasCustomPrompt="1"/>
           </p:nvPr>
         </p:nvSpPr>
         <p:spPr>
@@ -1619,7 +1594,7 @@
             <a:spLocks noGrp="1"/>
           </p:cNvSpPr>
           <p:nvPr>
-            <p:ph type="body" idx="1"/>
+            <p:ph type="body" idx="1" hasCustomPrompt="1"/>
           </p:nvPr>
         </p:nvSpPr>
         <p:spPr>
@@ -1681,7 +1656,7 @@
           <a:lstStyle/>
           <a:p>
             <a:fld id="{86CB4B4D-7CA3-9044-876B-883B54F8677D}" type="slidenum">
-              <a:t>‹#›</a:t>
+              <a:rPr/>
             </a:fld>
             <a:endParaRPr/>
           </a:p>
@@ -1737,9 +1712,7 @@
             <a:noAutofit/>
           </a:bodyPr>
           <a:lstStyle/>
-          <a:p>
-            <a:endParaRPr/>
-          </a:p>
+          <a:p/>
         </p:txBody>
       </p:sp>
       <p:sp>
@@ -1749,7 +1722,7 @@
             <a:spLocks noGrp="1"/>
           </p:cNvSpPr>
           <p:nvPr>
-            <p:ph type="title"/>
+            <p:ph type="title" hasCustomPrompt="1"/>
           </p:nvPr>
         </p:nvSpPr>
         <p:spPr>
@@ -1774,7 +1747,7 @@
             <a:spLocks noGrp="1"/>
           </p:cNvSpPr>
           <p:nvPr>
-            <p:ph type="body" sz="half" idx="1"/>
+            <p:ph type="body" sz="half" idx="1" hasCustomPrompt="1"/>
           </p:nvPr>
         </p:nvSpPr>
         <p:spPr>
@@ -1884,7 +1857,7 @@
           </a:lstStyle>
           <a:p>
             <a:fld id="{86CB4B4D-7CA3-9044-876B-883B54F8677D}" type="slidenum">
-              <a:t>‹#›</a:t>
+              <a:rPr/>
             </a:fld>
             <a:endParaRPr/>
           </a:p>
@@ -1923,7 +1896,7 @@
             <a:spLocks noGrp="1"/>
           </p:cNvSpPr>
           <p:nvPr>
-            <p:ph type="body" idx="1"/>
+            <p:ph type="body" idx="1" hasCustomPrompt="1"/>
           </p:nvPr>
         </p:nvSpPr>
         <p:spPr>
@@ -1989,7 +1962,7 @@
           <a:lstStyle/>
           <a:p>
             <a:fld id="{86CB4B4D-7CA3-9044-876B-883B54F8677D}" type="slidenum">
-              <a:t>‹#›</a:t>
+              <a:rPr/>
             </a:fld>
             <a:endParaRPr/>
           </a:p>
@@ -2045,9 +2018,7 @@
             <a:noAutofit/>
           </a:bodyPr>
           <a:lstStyle/>
-          <a:p>
-            <a:endParaRPr/>
-          </a:p>
+          <a:p/>
         </p:txBody>
       </p:sp>
       <p:sp>
@@ -2074,9 +2045,7 @@
             <a:noAutofit/>
           </a:bodyPr>
           <a:lstStyle/>
-          <a:p>
-            <a:endParaRPr/>
-          </a:p>
+          <a:p/>
         </p:txBody>
       </p:sp>
       <p:sp>
@@ -2103,9 +2072,7 @@
             <a:noAutofit/>
           </a:bodyPr>
           <a:lstStyle/>
-          <a:p>
-            <a:endParaRPr/>
-          </a:p>
+          <a:p/>
         </p:txBody>
       </p:sp>
       <p:sp>
@@ -2128,7 +2095,7 @@
           <a:lstStyle/>
           <a:p>
             <a:fld id="{86CB4B4D-7CA3-9044-876B-883B54F8677D}" type="slidenum">
-              <a:t>‹#›</a:t>
+              <a:rPr/>
             </a:fld>
             <a:endParaRPr/>
           </a:p>
@@ -2189,11 +2156,6 @@
           <a:ln w="12700">
             <a:miter lim="400000"/>
           </a:ln>
-          <a:extLst>
-            <a:ext uri="{C572A759-6A51-4108-AA02-DFA0A04FC94B}">
-              <ma14:wrappingTextBoxFlag xmlns="" xmlns:m="http://schemas.openxmlformats.org/officeDocument/2006/math" xmlns:a14="http://schemas.microsoft.com/office/drawing/2010/main" xmlns:ma14="http://schemas.microsoft.com/office/mac/drawingml/2011/main" val="1"/>
-            </a:ext>
-          </a:extLst>
         </p:spPr>
         <p:txBody>
           <a:bodyPr lIns="50800" tIns="50800" rIns="50800" bIns="50800" anchor="ctr">
@@ -2228,11 +2190,6 @@
           <a:ln w="12700">
             <a:miter lim="400000"/>
           </a:ln>
-          <a:extLst>
-            <a:ext uri="{C572A759-6A51-4108-AA02-DFA0A04FC94B}">
-              <ma14:wrappingTextBoxFlag xmlns="" xmlns:m="http://schemas.openxmlformats.org/officeDocument/2006/math" xmlns:a14="http://schemas.microsoft.com/office/drawing/2010/main" xmlns:ma14="http://schemas.microsoft.com/office/mac/drawingml/2011/main" val="1"/>
-            </a:ext>
-          </a:extLst>
         </p:spPr>
         <p:txBody>
           <a:bodyPr lIns="50800" tIns="50800" rIns="50800" bIns="50800" anchor="ctr">
@@ -2308,7 +2265,7 @@
           </a:lstStyle>
           <a:p>
             <a:fld id="{86CB4B4D-7CA3-9044-876B-883B54F8677D}" type="slidenum">
-              <a:t>‹#›</a:t>
+              <a:rPr/>
             </a:fld>
             <a:endParaRPr/>
           </a:p>
@@ -2348,7 +2305,6 @@
         <a:buSzTx/>
         <a:buFontTx/>
         <a:buNone/>
-        <a:tabLst/>
         <a:defRPr sz="8000" b="0" i="0" u="none" strike="noStrike" cap="none" spc="0" baseline="0">
           <a:ln>
             <a:noFill/>
@@ -2377,7 +2333,6 @@
         <a:buSzTx/>
         <a:buFontTx/>
         <a:buNone/>
-        <a:tabLst/>
         <a:defRPr sz="8000" b="0" i="0" u="none" strike="noStrike" cap="none" spc="0" baseline="0">
           <a:ln>
             <a:noFill/>
@@ -2406,7 +2361,6 @@
         <a:buSzTx/>
         <a:buFontTx/>
         <a:buNone/>
-        <a:tabLst/>
         <a:defRPr sz="8000" b="0" i="0" u="none" strike="noStrike" cap="none" spc="0" baseline="0">
           <a:ln>
             <a:noFill/>
@@ -2435,7 +2389,6 @@
         <a:buSzTx/>
         <a:buFontTx/>
         <a:buNone/>
-        <a:tabLst/>
         <a:defRPr sz="8000" b="0" i="0" u="none" strike="noStrike" cap="none" spc="0" baseline="0">
           <a:ln>
             <a:noFill/>
@@ -2464,7 +2417,6 @@
         <a:buSzTx/>
         <a:buFontTx/>
         <a:buNone/>
-        <a:tabLst/>
         <a:defRPr sz="8000" b="0" i="0" u="none" strike="noStrike" cap="none" spc="0" baseline="0">
           <a:ln>
             <a:noFill/>
@@ -2493,7 +2445,6 @@
         <a:buSzTx/>
         <a:buFontTx/>
         <a:buNone/>
-        <a:tabLst/>
         <a:defRPr sz="8000" b="0" i="0" u="none" strike="noStrike" cap="none" spc="0" baseline="0">
           <a:ln>
             <a:noFill/>
@@ -2522,7 +2473,6 @@
         <a:buSzTx/>
         <a:buFontTx/>
         <a:buNone/>
-        <a:tabLst/>
         <a:defRPr sz="8000" b="0" i="0" u="none" strike="noStrike" cap="none" spc="0" baseline="0">
           <a:ln>
             <a:noFill/>
@@ -2551,7 +2501,6 @@
         <a:buSzTx/>
         <a:buFontTx/>
         <a:buNone/>
-        <a:tabLst/>
         <a:defRPr sz="8000" b="0" i="0" u="none" strike="noStrike" cap="none" spc="0" baseline="0">
           <a:ln>
             <a:noFill/>
@@ -2580,7 +2529,6 @@
         <a:buSzTx/>
         <a:buFontTx/>
         <a:buNone/>
-        <a:tabLst/>
         <a:defRPr sz="8000" b="0" i="0" u="none" strike="noStrike" cap="none" spc="0" baseline="0">
           <a:ln>
             <a:noFill/>
@@ -2611,7 +2559,6 @@
         <a:buSzPct val="145000"/>
         <a:buFontTx/>
         <a:buChar char="•"/>
-        <a:tabLst/>
         <a:defRPr sz="3200" b="0" i="0" u="none" strike="noStrike" cap="none" spc="0" baseline="0">
           <a:ln>
             <a:noFill/>
@@ -2640,7 +2587,6 @@
         <a:buSzPct val="145000"/>
         <a:buFontTx/>
         <a:buChar char="•"/>
-        <a:tabLst/>
         <a:defRPr sz="3200" b="0" i="0" u="none" strike="noStrike" cap="none" spc="0" baseline="0">
           <a:ln>
             <a:noFill/>
@@ -2669,7 +2615,6 @@
         <a:buSzPct val="145000"/>
         <a:buFontTx/>
         <a:buChar char="•"/>
-        <a:tabLst/>
         <a:defRPr sz="3200" b="0" i="0" u="none" strike="noStrike" cap="none" spc="0" baseline="0">
           <a:ln>
             <a:noFill/>
@@ -2698,7 +2643,6 @@
         <a:buSzPct val="145000"/>
         <a:buFontTx/>
         <a:buChar char="•"/>
-        <a:tabLst/>
         <a:defRPr sz="3200" b="0" i="0" u="none" strike="noStrike" cap="none" spc="0" baseline="0">
           <a:ln>
             <a:noFill/>
@@ -2727,7 +2671,6 @@
         <a:buSzPct val="145000"/>
         <a:buFontTx/>
         <a:buChar char="•"/>
-        <a:tabLst/>
         <a:defRPr sz="3200" b="0" i="0" u="none" strike="noStrike" cap="none" spc="0" baseline="0">
           <a:ln>
             <a:noFill/>
@@ -2756,7 +2699,6 @@
         <a:buSzPct val="145000"/>
         <a:buFontTx/>
         <a:buChar char="•"/>
-        <a:tabLst/>
         <a:defRPr sz="3200" b="0" i="0" u="none" strike="noStrike" cap="none" spc="0" baseline="0">
           <a:ln>
             <a:noFill/>
@@ -2785,7 +2727,6 @@
         <a:buSzPct val="145000"/>
         <a:buFontTx/>
         <a:buChar char="•"/>
-        <a:tabLst/>
         <a:defRPr sz="3200" b="0" i="0" u="none" strike="noStrike" cap="none" spc="0" baseline="0">
           <a:ln>
             <a:noFill/>
@@ -2814,7 +2755,6 @@
         <a:buSzPct val="145000"/>
         <a:buFontTx/>
         <a:buChar char="•"/>
-        <a:tabLst/>
         <a:defRPr sz="3200" b="0" i="0" u="none" strike="noStrike" cap="none" spc="0" baseline="0">
           <a:ln>
             <a:noFill/>
@@ -2843,7 +2783,6 @@
         <a:buSzPct val="145000"/>
         <a:buFontTx/>
         <a:buChar char="•"/>
-        <a:tabLst/>
         <a:defRPr sz="3200" b="0" i="0" u="none" strike="noStrike" cap="none" spc="0" baseline="0">
           <a:ln>
             <a:noFill/>
@@ -2874,7 +2813,6 @@
         <a:buSzTx/>
         <a:buFontTx/>
         <a:buNone/>
-        <a:tabLst/>
         <a:defRPr sz="1600" b="0" i="0" u="none" strike="noStrike" cap="none" spc="0" baseline="0">
           <a:ln>
             <a:noFill/>
@@ -2903,7 +2841,6 @@
         <a:buSzTx/>
         <a:buFontTx/>
         <a:buNone/>
-        <a:tabLst/>
         <a:defRPr sz="1600" b="0" i="0" u="none" strike="noStrike" cap="none" spc="0" baseline="0">
           <a:ln>
             <a:noFill/>
@@ -2932,7 +2869,6 @@
         <a:buSzTx/>
         <a:buFontTx/>
         <a:buNone/>
-        <a:tabLst/>
         <a:defRPr sz="1600" b="0" i="0" u="none" strike="noStrike" cap="none" spc="0" baseline="0">
           <a:ln>
             <a:noFill/>
@@ -2961,7 +2897,6 @@
         <a:buSzTx/>
         <a:buFontTx/>
         <a:buNone/>
-        <a:tabLst/>
         <a:defRPr sz="1600" b="0" i="0" u="none" strike="noStrike" cap="none" spc="0" baseline="0">
           <a:ln>
             <a:noFill/>
@@ -2990,7 +2925,6 @@
         <a:buSzTx/>
         <a:buFontTx/>
         <a:buNone/>
-        <a:tabLst/>
         <a:defRPr sz="1600" b="0" i="0" u="none" strike="noStrike" cap="none" spc="0" baseline="0">
           <a:ln>
             <a:noFill/>
@@ -3019,7 +2953,6 @@
         <a:buSzTx/>
         <a:buFontTx/>
         <a:buNone/>
-        <a:tabLst/>
         <a:defRPr sz="1600" b="0" i="0" u="none" strike="noStrike" cap="none" spc="0" baseline="0">
           <a:ln>
             <a:noFill/>
@@ -3048,7 +2981,6 @@
         <a:buSzTx/>
         <a:buFontTx/>
         <a:buNone/>
-        <a:tabLst/>
         <a:defRPr sz="1600" b="0" i="0" u="none" strike="noStrike" cap="none" spc="0" baseline="0">
           <a:ln>
             <a:noFill/>
@@ -3077,7 +3009,6 @@
         <a:buSzTx/>
         <a:buFontTx/>
         <a:buNone/>
-        <a:tabLst/>
         <a:defRPr sz="1600" b="0" i="0" u="none" strike="noStrike" cap="none" spc="0" baseline="0">
           <a:ln>
             <a:noFill/>
@@ -3106,7 +3037,6 @@
         <a:buSzTx/>
         <a:buFontTx/>
         <a:buNone/>
-        <a:tabLst/>
         <a:defRPr sz="1600" b="0" i="0" u="none" strike="noStrike" cap="none" spc="0" baseline="0">
           <a:ln>
             <a:noFill/>
@@ -3170,7 +3100,7 @@
               <a:rPr lang="zh-CN" altLang="en-US"/>
               <a:t>介绍</a:t>
             </a:r>
-            <a:endParaRPr/>
+            <a:endParaRPr lang="zh-CN" altLang="en-US"/>
           </a:p>
         </p:txBody>
       </p:sp>
@@ -3193,31 +3123,40 @@
           <a:bodyPr/>
           <a:lstStyle/>
           <a:p>
-            <a:pPr defTabSz="315468">
-              <a:defRPr sz="1998"/>
+            <a:pPr defTabSz="315595">
+              <a:defRPr sz="2000"/>
             </a:pPr>
             <a:r>
               <a:t>许中兴</a:t>
             </a:r>
           </a:p>
           <a:p>
-            <a:pPr defTabSz="315468">
-              <a:defRPr sz="1998"/>
-            </a:pPr>
-            <a:r>
-              <a:t>重德智能</a:t>
-            </a:r>
-          </a:p>
-          <a:p>
-            <a:pPr defTabSz="315468">
-              <a:defRPr sz="1998"/>
-            </a:pPr>
-            <a:r>
-              <a:rPr u="sng">
-                <a:hlinkClick r:id="rId2"/>
+            <a:pPr algn="ctr" defTabSz="315595">
+              <a:defRPr sz="2000"/>
+            </a:pPr>
+            <a:r>
+              <a:rPr>
+                <a:hlinkClick r:id="rId1"/>
               </a:rPr>
-              <a:t>xzx@droid.ac.cn</a:t>
-            </a:r>
+              <a:t>智能软件研究中心</a:t>
+            </a:r>
+            <a:endParaRPr>
+              <a:hlinkClick r:id="rId1"/>
+            </a:endParaRPr>
+          </a:p>
+          <a:p>
+            <a:pPr algn="ctr" defTabSz="315595">
+              <a:defRPr sz="2000"/>
+            </a:pPr>
+            <a:r>
+              <a:rPr>
+                <a:hlinkClick r:id="rId1"/>
+              </a:rPr>
+              <a:t>中国科学院软件研究所</a:t>
+            </a:r>
+            <a:endParaRPr>
+              <a:hlinkClick r:id="rId1"/>
+            </a:endParaRPr>
           </a:p>
         </p:txBody>
       </p:sp>
@@ -3249,13 +3188,7 @@
       </p:grpSpPr>
       <p:sp>
         <p:nvSpPr>
-          <p:cNvPr id="2" name="Title 1">
-            <a:extLst>
-              <a:ext uri="{FF2B5EF4-FFF2-40B4-BE49-F238E27FC236}">
-                <a16:creationId xmlns:a16="http://schemas.microsoft.com/office/drawing/2014/main" id="{E51F3635-A1A8-4FF4-BB88-160A431AD5A5}"/>
-              </a:ext>
-            </a:extLst>
-          </p:cNvPr>
+          <p:cNvPr id="2" name="Title 1"/>
           <p:cNvSpPr>
             <a:spLocks noGrp="1"/>
           </p:cNvSpPr>
@@ -3272,18 +3205,13 @@
               <a:rPr lang="zh-CN" altLang="en-US" dirty="0"/>
               <a:t>系统调用</a:t>
             </a:r>
-          </a:p>
-        </p:txBody>
-      </p:sp>
-      <p:sp>
-        <p:nvSpPr>
-          <p:cNvPr id="3" name="Text Placeholder 2">
-            <a:extLst>
-              <a:ext uri="{FF2B5EF4-FFF2-40B4-BE49-F238E27FC236}">
-                <a16:creationId xmlns:a16="http://schemas.microsoft.com/office/drawing/2014/main" id="{0EE5198C-3383-4765-8BE6-8CCE6B7F940E}"/>
-              </a:ext>
-            </a:extLst>
-          </p:cNvPr>
+            <a:endParaRPr lang="zh-CN" altLang="en-US" dirty="0"/>
+          </a:p>
+        </p:txBody>
+      </p:sp>
+      <p:sp>
+        <p:nvSpPr>
+          <p:cNvPr id="3" name="Text Placeholder 2"/>
           <p:cNvSpPr>
             <a:spLocks noGrp="1"/>
           </p:cNvSpPr>
@@ -3447,7 +3375,7 @@
             <a:pPr lvl="1"/>
             <a:r>
               <a:rPr lang="en-US" altLang="zh-CN" dirty="0">
-                <a:hlinkClick r:id="rId2"/>
+                <a:hlinkClick r:id="rId1"/>
               </a:rPr>
               <a:t>https://fuchsia.googlesource.com/zircon/+/master/docs/vdso.md</a:t>
             </a:r>
@@ -3456,11 +3384,6 @@
         </p:txBody>
       </p:sp>
     </p:spTree>
-    <p:extLst>
-      <p:ext uri="{BB962C8B-B14F-4D97-AF65-F5344CB8AC3E}">
-        <p14:creationId xmlns:p14="http://schemas.microsoft.com/office/powerpoint/2010/main" val="2638437148"/>
-      </p:ext>
-    </p:extLst>
   </p:cSld>
   <p:clrMapOvr>
     <a:masterClrMapping/>
@@ -3504,7 +3427,7 @@
         <p:txBody>
           <a:bodyPr/>
           <a:lstStyle>
-            <a:lvl1pPr defTabSz="420624">
+            <a:lvl1pPr defTabSz="420370">
               <a:defRPr sz="5760"/>
             </a:lvl1pPr>
           </a:lstStyle>
@@ -3536,11 +3459,11 @@
           </a:bodyPr>
           <a:lstStyle/>
           <a:p>
-            <a:pPr marL="262254" indent="-262254" defTabSz="344677">
+            <a:pPr marL="262255" indent="-262255" defTabSz="344805">
               <a:spcBef>
                 <a:spcPts val="2400"/>
               </a:spcBef>
-              <a:defRPr sz="1887"/>
+              <a:defRPr sz="1885"/>
             </a:pPr>
             <a:r>
               <a:rPr dirty="0" err="1"/>
@@ -3549,11 +3472,11 @@
             <a:endParaRPr dirty="0"/>
           </a:p>
           <a:p>
-            <a:pPr marL="524509" lvl="1" indent="-262254" defTabSz="344677">
+            <a:pPr marL="524510" lvl="1" indent="-262255" defTabSz="344805">
               <a:spcBef>
                 <a:spcPts val="2400"/>
               </a:spcBef>
-              <a:defRPr sz="1887"/>
+              <a:defRPr sz="1885"/>
             </a:pPr>
             <a:r>
               <a:rPr lang="zh-CN" altLang="en-US" dirty="0"/>
@@ -3574,11 +3497,11 @@
             <a:endParaRPr dirty="0"/>
           </a:p>
           <a:p>
-            <a:pPr marL="524509" lvl="1" indent="-262254" defTabSz="344677">
+            <a:pPr marL="524510" lvl="1" indent="-262255" defTabSz="344805">
               <a:spcBef>
                 <a:spcPts val="2400"/>
               </a:spcBef>
-              <a:defRPr sz="1887"/>
+              <a:defRPr sz="1885"/>
             </a:pPr>
             <a:r>
               <a:rPr dirty="0" err="1"/>
@@ -3611,11 +3534,11 @@
             <a:endParaRPr dirty="0"/>
           </a:p>
           <a:p>
-            <a:pPr marL="524509" lvl="1" indent="-262254" defTabSz="344677">
+            <a:pPr marL="524510" lvl="1" indent="-262255" defTabSz="344805">
               <a:spcBef>
                 <a:spcPts val="2400"/>
               </a:spcBef>
-              <a:defRPr sz="1887"/>
+              <a:defRPr sz="1885"/>
             </a:pPr>
             <a:r>
               <a:rPr dirty="0" err="1"/>
@@ -3624,11 +3547,11 @@
             <a:endParaRPr dirty="0"/>
           </a:p>
           <a:p>
-            <a:pPr marL="262254" indent="-262254" defTabSz="344677">
+            <a:pPr marL="262255" indent="-262255" defTabSz="344805">
               <a:spcBef>
                 <a:spcPts val="2400"/>
               </a:spcBef>
-              <a:defRPr sz="1887"/>
+              <a:defRPr sz="1885"/>
             </a:pPr>
             <a:r>
               <a:rPr dirty="0" err="1"/>
@@ -3637,11 +3560,11 @@
             <a:endParaRPr dirty="0"/>
           </a:p>
           <a:p>
-            <a:pPr marL="524509" lvl="1" indent="-262254" defTabSz="344677">
+            <a:pPr marL="524510" lvl="1" indent="-262255" defTabSz="344805">
               <a:spcBef>
                 <a:spcPts val="2400"/>
               </a:spcBef>
-              <a:defRPr sz="1887"/>
+              <a:defRPr sz="1885"/>
             </a:pPr>
             <a:r>
               <a:rPr lang="zh-CN" altLang="en-US" dirty="0"/>
@@ -3650,11 +3573,11 @@
             <a:endParaRPr lang="en-US" altLang="zh-CN" dirty="0"/>
           </a:p>
           <a:p>
-            <a:pPr marL="524509" lvl="1" indent="-262254" defTabSz="344677">
+            <a:pPr marL="524510" lvl="1" indent="-262255" defTabSz="344805">
               <a:spcBef>
                 <a:spcPts val="2400"/>
               </a:spcBef>
-              <a:defRPr sz="1887"/>
+              <a:defRPr sz="1885"/>
             </a:pPr>
             <a:r>
               <a:rPr dirty="0" err="1"/>
@@ -3664,13 +3587,14 @@
               <a:rPr dirty="0"/>
               <a:t> namespace</a:t>
             </a:r>
-          </a:p>
-          <a:p>
-            <a:pPr marL="524509" lvl="1" indent="-262254" defTabSz="344677">
+            <a:endParaRPr dirty="0"/>
+          </a:p>
+          <a:p>
+            <a:pPr marL="524510" lvl="1" indent="-262255" defTabSz="344805">
               <a:spcBef>
                 <a:spcPts val="2400"/>
               </a:spcBef>
-              <a:defRPr sz="1887"/>
+              <a:defRPr sz="1885"/>
             </a:pPr>
             <a:r>
               <a:rPr dirty="0" err="1"/>
@@ -3680,25 +3604,27 @@
               <a:rPr dirty="0"/>
               <a:t> authority (DAC/MAC)</a:t>
             </a:r>
-          </a:p>
-          <a:p>
-            <a:pPr marL="524509" lvl="1" indent="-262254" defTabSz="344677">
+            <a:endParaRPr dirty="0"/>
+          </a:p>
+          <a:p>
+            <a:pPr marL="524510" lvl="1" indent="-262255" defTabSz="344805">
               <a:spcBef>
                 <a:spcPts val="2400"/>
               </a:spcBef>
-              <a:defRPr sz="1887"/>
+              <a:defRPr sz="1885"/>
             </a:pPr>
             <a:r>
               <a:rPr dirty="0"/>
               <a:t>Capability-based access control</a:t>
             </a:r>
-          </a:p>
-          <a:p>
-            <a:pPr marL="786764" lvl="2" indent="-262254" defTabSz="344677">
+            <a:endParaRPr dirty="0"/>
+          </a:p>
+          <a:p>
+            <a:pPr marL="786765" lvl="2" indent="-262255" defTabSz="344805">
               <a:spcBef>
                 <a:spcPts val="2400"/>
               </a:spcBef>
-              <a:defRPr sz="1887"/>
+              <a:defRPr sz="1885"/>
             </a:pPr>
             <a:r>
               <a:rPr dirty="0" err="1"/>
@@ -3707,11 +3633,11 @@
             <a:endParaRPr dirty="0"/>
           </a:p>
           <a:p>
-            <a:pPr marL="786764" lvl="2" indent="-262254" defTabSz="344677">
+            <a:pPr marL="786765" lvl="2" indent="-262255" defTabSz="344805">
               <a:spcBef>
                 <a:spcPts val="2400"/>
               </a:spcBef>
-              <a:defRPr sz="1887"/>
+              <a:defRPr sz="1885"/>
             </a:pPr>
             <a:r>
               <a:rPr dirty="0" err="1"/>
@@ -3749,13 +3675,7 @@
       </p:grpSpPr>
       <p:sp>
         <p:nvSpPr>
-          <p:cNvPr id="2" name="Title 1">
-            <a:extLst>
-              <a:ext uri="{FF2B5EF4-FFF2-40B4-BE49-F238E27FC236}">
-                <a16:creationId xmlns:a16="http://schemas.microsoft.com/office/drawing/2014/main" id="{277C9C71-579E-407D-BE54-53CD6C8E5048}"/>
-              </a:ext>
-            </a:extLst>
-          </p:cNvPr>
+          <p:cNvPr id="2" name="Title 1"/>
           <p:cNvSpPr>
             <a:spLocks noGrp="1"/>
           </p:cNvSpPr>
@@ -3776,18 +3696,13 @@
               <a:rPr lang="zh-CN" altLang="en-US" dirty="0"/>
               <a:t>的本质是什么</a:t>
             </a:r>
-          </a:p>
-        </p:txBody>
-      </p:sp>
-      <p:sp>
-        <p:nvSpPr>
-          <p:cNvPr id="3" name="Text Placeholder 2">
-            <a:extLst>
-              <a:ext uri="{FF2B5EF4-FFF2-40B4-BE49-F238E27FC236}">
-                <a16:creationId xmlns:a16="http://schemas.microsoft.com/office/drawing/2014/main" id="{86FA3CBF-F36A-48DC-8D00-42C633FA0B37}"/>
-              </a:ext>
-            </a:extLst>
-          </p:cNvPr>
+            <a:endParaRPr lang="zh-CN" altLang="en-US" dirty="0"/>
+          </a:p>
+        </p:txBody>
+      </p:sp>
+      <p:sp>
+        <p:nvSpPr>
+          <p:cNvPr id="3" name="Text Placeholder 2"/>
           <p:cNvSpPr>
             <a:spLocks noGrp="1"/>
           </p:cNvSpPr>
@@ -3805,11 +3720,6 @@
         </p:txBody>
       </p:sp>
     </p:spTree>
-    <p:extLst>
-      <p:ext uri="{BB962C8B-B14F-4D97-AF65-F5344CB8AC3E}">
-        <p14:creationId xmlns:p14="http://schemas.microsoft.com/office/powerpoint/2010/main" val="244839936"/>
-      </p:ext>
-    </p:extLst>
   </p:cSld>
   <p:clrMapOvr>
     <a:masterClrMapping/>
@@ -3837,13 +3747,7 @@
       </p:grpSpPr>
       <p:sp>
         <p:nvSpPr>
-          <p:cNvPr id="2" name="Title 1">
-            <a:extLst>
-              <a:ext uri="{FF2B5EF4-FFF2-40B4-BE49-F238E27FC236}">
-                <a16:creationId xmlns:a16="http://schemas.microsoft.com/office/drawing/2014/main" id="{519F3868-DD25-46AC-A5F1-44DD93A608CB}"/>
-              </a:ext>
-            </a:extLst>
-          </p:cNvPr>
+          <p:cNvPr id="2" name="Title 1"/>
           <p:cNvSpPr>
             <a:spLocks noGrp="1"/>
           </p:cNvSpPr>
@@ -3864,18 +3768,13 @@
               <a:rPr lang="zh-CN" altLang="en-US" dirty="0"/>
               <a:t>的本质不是：</a:t>
             </a:r>
-          </a:p>
-        </p:txBody>
-      </p:sp>
-      <p:sp>
-        <p:nvSpPr>
-          <p:cNvPr id="3" name="Text Placeholder 2">
-            <a:extLst>
-              <a:ext uri="{FF2B5EF4-FFF2-40B4-BE49-F238E27FC236}">
-                <a16:creationId xmlns:a16="http://schemas.microsoft.com/office/drawing/2014/main" id="{445A4613-2D2D-4DD1-B711-AF4051C3FBC0}"/>
-              </a:ext>
-            </a:extLst>
-          </p:cNvPr>
+            <a:endParaRPr lang="zh-CN" altLang="en-US" dirty="0"/>
+          </a:p>
+        </p:txBody>
+      </p:sp>
+      <p:sp>
+        <p:nvSpPr>
+          <p:cNvPr id="3" name="Text Placeholder 2"/>
           <p:cNvSpPr>
             <a:spLocks noGrp="1"/>
           </p:cNvSpPr>
@@ -3913,15 +3812,11 @@
               <a:rPr lang="zh-CN" altLang="en-US" dirty="0"/>
               <a:t>处理中断</a:t>
             </a:r>
+            <a:endParaRPr lang="zh-CN" altLang="en-US" dirty="0"/>
           </a:p>
         </p:txBody>
       </p:sp>
     </p:spTree>
-    <p:extLst>
-      <p:ext uri="{BB962C8B-B14F-4D97-AF65-F5344CB8AC3E}">
-        <p14:creationId xmlns:p14="http://schemas.microsoft.com/office/powerpoint/2010/main" val="1062564610"/>
-      </p:ext>
-    </p:extLst>
   </p:cSld>
   <p:clrMapOvr>
     <a:masterClrMapping/>
@@ -3949,13 +3844,7 @@
       </p:grpSpPr>
       <p:sp>
         <p:nvSpPr>
-          <p:cNvPr id="2" name="Title 1">
-            <a:extLst>
-              <a:ext uri="{FF2B5EF4-FFF2-40B4-BE49-F238E27FC236}">
-                <a16:creationId xmlns:a16="http://schemas.microsoft.com/office/drawing/2014/main" id="{95AF5A42-B8BA-4D79-8A13-0837E143B66B}"/>
-              </a:ext>
-            </a:extLst>
-          </p:cNvPr>
+          <p:cNvPr id="2" name="Title 1"/>
           <p:cNvSpPr>
             <a:spLocks noGrp="1"/>
           </p:cNvSpPr>
@@ -3978,18 +3867,13 @@
               <a:rPr lang="zh-CN" altLang="en-US" dirty="0"/>
               <a:t>的本质是：地址空间切换</a:t>
             </a:r>
-          </a:p>
-        </p:txBody>
-      </p:sp>
-      <p:sp>
-        <p:nvSpPr>
-          <p:cNvPr id="3" name="Text Placeholder 2">
-            <a:extLst>
-              <a:ext uri="{FF2B5EF4-FFF2-40B4-BE49-F238E27FC236}">
-                <a16:creationId xmlns:a16="http://schemas.microsoft.com/office/drawing/2014/main" id="{F14398DC-F255-477A-B8E5-9ECC1DC4F2E1}"/>
-              </a:ext>
-            </a:extLst>
-          </p:cNvPr>
+            <a:endParaRPr lang="zh-CN" altLang="en-US" dirty="0"/>
+          </a:p>
+        </p:txBody>
+      </p:sp>
+      <p:sp>
+        <p:nvSpPr>
+          <p:cNvPr id="3" name="Text Placeholder 2"/>
           <p:cNvSpPr>
             <a:spLocks noGrp="1"/>
           </p:cNvSpPr>
@@ -4030,15 +3914,11 @@
               <a:rPr lang="zh-CN" altLang="en-US" dirty="0"/>
               <a:t>切换地址空间是切换进程的关键步骤</a:t>
             </a:r>
+            <a:endParaRPr lang="zh-CN" altLang="en-US" dirty="0"/>
           </a:p>
         </p:txBody>
       </p:sp>
     </p:spTree>
-    <p:extLst>
-      <p:ext uri="{BB962C8B-B14F-4D97-AF65-F5344CB8AC3E}">
-        <p14:creationId xmlns:p14="http://schemas.microsoft.com/office/powerpoint/2010/main" val="4288050613"/>
-      </p:ext>
-    </p:extLst>
   </p:cSld>
   <p:clrMapOvr>
     <a:masterClrMapping/>
@@ -4122,11 +4002,11 @@
           </a:bodyPr>
           <a:lstStyle/>
           <a:p>
-            <a:pPr marL="240030" indent="-240030" defTabSz="315468">
+            <a:pPr marL="240030" indent="-240030" defTabSz="315595">
               <a:spcBef>
                 <a:spcPts val="2200"/>
               </a:spcBef>
-              <a:defRPr sz="1728"/>
+              <a:defRPr sz="1730"/>
             </a:pPr>
             <a:r>
               <a:rPr sz="2800" dirty="0" err="1"/>
@@ -4135,11 +4015,11 @@
             <a:endParaRPr sz="2800" dirty="0"/>
           </a:p>
           <a:p>
-            <a:pPr marL="480060" lvl="1" indent="-240030" defTabSz="315468">
+            <a:pPr marL="480060" lvl="1" indent="-240030" defTabSz="315595">
               <a:spcBef>
                 <a:spcPts val="2200"/>
               </a:spcBef>
-              <a:defRPr sz="1728"/>
+              <a:defRPr sz="1730"/>
             </a:pPr>
             <a:r>
               <a:rPr sz="2800" dirty="0" err="1"/>
@@ -4156,11 +4036,11 @@
             <a:endParaRPr sz="2800" dirty="0"/>
           </a:p>
           <a:p>
-            <a:pPr marL="240030" indent="-240030" defTabSz="315468">
+            <a:pPr marL="240030" indent="-240030" defTabSz="315595">
               <a:spcBef>
                 <a:spcPts val="2200"/>
               </a:spcBef>
-              <a:defRPr sz="1728"/>
+              <a:defRPr sz="1730"/>
             </a:pPr>
             <a:r>
               <a:rPr sz="2800" dirty="0" err="1"/>
@@ -4169,11 +4049,11 @@
             <a:endParaRPr sz="2800" dirty="0"/>
           </a:p>
           <a:p>
-            <a:pPr marL="240030" indent="-240030" defTabSz="315468">
+            <a:pPr marL="240030" indent="-240030" defTabSz="315595">
               <a:spcBef>
                 <a:spcPts val="2200"/>
               </a:spcBef>
-              <a:defRPr sz="1728"/>
+              <a:defRPr sz="1730"/>
             </a:pPr>
             <a:r>
               <a:rPr sz="2800" dirty="0" err="1"/>
@@ -4182,25 +4062,21 @@
             <a:endParaRPr sz="2800" dirty="0"/>
           </a:p>
           <a:p>
-            <a:pPr marL="480060" lvl="1" indent="-240030" defTabSz="315468">
+            <a:pPr marL="480060" lvl="1" indent="-240030" defTabSz="315595">
               <a:spcBef>
                 <a:spcPts val="2200"/>
               </a:spcBef>
-              <a:defRPr sz="1728"/>
+              <a:defRPr sz="1730"/>
             </a:pPr>
             <a:r>
               <a:rPr sz="2800" dirty="0"/>
               <a:t>channel</a:t>
             </a:r>
+            <a:endParaRPr sz="2800" dirty="0"/>
           </a:p>
         </p:txBody>
       </p:sp>
     </p:spTree>
-    <p:extLst>
-      <p:ext uri="{BB962C8B-B14F-4D97-AF65-F5344CB8AC3E}">
-        <p14:creationId xmlns:p14="http://schemas.microsoft.com/office/powerpoint/2010/main" val="1384860991"/>
-      </p:ext>
-    </p:extLst>
   </p:cSld>
   <p:clrMapOvr>
     <a:masterClrMapping/>
@@ -4282,6 +4158,7 @@
               <a:rPr dirty="0"/>
               <a:t>)</a:t>
             </a:r>
+            <a:endParaRPr dirty="0"/>
           </a:p>
           <a:p>
             <a:pPr lvl="1"/>
@@ -4360,11 +4237,6 @@
         </p:txBody>
       </p:sp>
     </p:spTree>
-    <p:extLst>
-      <p:ext uri="{BB962C8B-B14F-4D97-AF65-F5344CB8AC3E}">
-        <p14:creationId xmlns:p14="http://schemas.microsoft.com/office/powerpoint/2010/main" val="3424962534"/>
-      </p:ext>
-    </p:extLst>
   </p:cSld>
   <p:clrMapOvr>
     <a:masterClrMapping/>
@@ -4520,11 +4392,6 @@
         </p:txBody>
       </p:sp>
     </p:spTree>
-    <p:extLst>
-      <p:ext uri="{BB962C8B-B14F-4D97-AF65-F5344CB8AC3E}">
-        <p14:creationId xmlns:p14="http://schemas.microsoft.com/office/powerpoint/2010/main" val="20438640"/>
-      </p:ext>
-    </p:extLst>
   </p:cSld>
   <p:clrMapOvr>
     <a:masterClrMapping/>
@@ -4595,11 +4462,6 @@
           <a:ln w="12700">
             <a:miter lim="400000"/>
           </a:ln>
-          <a:extLst>
-            <a:ext uri="{C572A759-6A51-4108-AA02-DFA0A04FC94B}">
-              <ma14:wrappingTextBoxFlag xmlns="" xmlns:m="http://schemas.openxmlformats.org/officeDocument/2006/math" xmlns:a14="http://schemas.microsoft.com/office/drawing/2010/main" xmlns:ma14="http://schemas.microsoft.com/office/mac/drawingml/2011/main" val="1"/>
-            </a:ext>
-          </a:extLst>
         </p:spPr>
         <p:txBody>
           <a:bodyPr lIns="50800" tIns="50800" rIns="50800" bIns="50800" anchor="ctr"/>
@@ -4643,11 +4505,6 @@
           <a:ln w="12700">
             <a:miter lim="400000"/>
           </a:ln>
-          <a:extLst>
-            <a:ext uri="{C572A759-6A51-4108-AA02-DFA0A04FC94B}">
-              <ma14:wrappingTextBoxFlag xmlns="" xmlns:m="http://schemas.openxmlformats.org/officeDocument/2006/math" xmlns:a14="http://schemas.microsoft.com/office/drawing/2010/main" xmlns:ma14="http://schemas.microsoft.com/office/mac/drawingml/2011/main" val="1"/>
-            </a:ext>
-          </a:extLst>
         </p:spPr>
         <p:txBody>
           <a:bodyPr lIns="50800" tIns="50800" rIns="50800" bIns="50800" anchor="ctr"/>
@@ -4691,11 +4548,6 @@
           <a:ln w="12700">
             <a:miter lim="400000"/>
           </a:ln>
-          <a:extLst>
-            <a:ext uri="{C572A759-6A51-4108-AA02-DFA0A04FC94B}">
-              <ma14:wrappingTextBoxFlag xmlns="" xmlns:m="http://schemas.openxmlformats.org/officeDocument/2006/math" xmlns:a14="http://schemas.microsoft.com/office/drawing/2010/main" xmlns:ma14="http://schemas.microsoft.com/office/mac/drawingml/2011/main" val="1"/>
-            </a:ext>
-          </a:extLst>
         </p:spPr>
         <p:txBody>
           <a:bodyPr lIns="50800" tIns="50800" rIns="50800" bIns="50800" anchor="ctr"/>
@@ -4739,11 +4591,6 @@
           <a:ln w="12700">
             <a:miter lim="400000"/>
           </a:ln>
-          <a:extLst>
-            <a:ext uri="{C572A759-6A51-4108-AA02-DFA0A04FC94B}">
-              <ma14:wrappingTextBoxFlag xmlns="" xmlns:m="http://schemas.openxmlformats.org/officeDocument/2006/math" xmlns:a14="http://schemas.microsoft.com/office/drawing/2010/main" xmlns:ma14="http://schemas.microsoft.com/office/mac/drawingml/2011/main" val="1"/>
-            </a:ext>
-          </a:extLst>
         </p:spPr>
         <p:txBody>
           <a:bodyPr lIns="50800" tIns="50800" rIns="50800" bIns="50800" anchor="ctr"/>
@@ -4835,7 +4682,6 @@
                 <a:sym typeface="Helvetica Neue Medium"/>
               </a:defRPr>
             </a:pPr>
-            <a:endParaRPr/>
           </a:p>
         </p:txBody>
       </p:sp>
@@ -4876,7 +4722,6 @@
                 <a:sym typeface="Helvetica Neue Medium"/>
               </a:defRPr>
             </a:pPr>
-            <a:endParaRPr/>
           </a:p>
         </p:txBody>
       </p:sp>
@@ -4900,11 +4745,6 @@
           <a:ln w="12700">
             <a:miter lim="400000"/>
           </a:ln>
-          <a:extLst>
-            <a:ext uri="{C572A759-6A51-4108-AA02-DFA0A04FC94B}">
-              <ma14:wrappingTextBoxFlag xmlns="" xmlns:m="http://schemas.openxmlformats.org/officeDocument/2006/math" xmlns:a14="http://schemas.microsoft.com/office/drawing/2010/main" xmlns:ma14="http://schemas.microsoft.com/office/mac/drawingml/2011/main" val="1"/>
-            </a:ext>
-          </a:extLst>
         </p:spPr>
         <p:txBody>
           <a:bodyPr lIns="50800" tIns="50800" rIns="50800" bIns="50800" anchor="ctr"/>
@@ -4948,11 +4788,6 @@
           <a:ln w="12700">
             <a:miter lim="400000"/>
           </a:ln>
-          <a:extLst>
-            <a:ext uri="{C572A759-6A51-4108-AA02-DFA0A04FC94B}">
-              <ma14:wrappingTextBoxFlag xmlns="" xmlns:m="http://schemas.openxmlformats.org/officeDocument/2006/math" xmlns:a14="http://schemas.microsoft.com/office/drawing/2010/main" xmlns:ma14="http://schemas.microsoft.com/office/mac/drawingml/2011/main" val="1"/>
-            </a:ext>
-          </a:extLst>
         </p:spPr>
         <p:txBody>
           <a:bodyPr lIns="50800" tIns="50800" rIns="50800" bIns="50800" anchor="ctr"/>
@@ -4996,11 +4831,6 @@
           <a:ln w="12700">
             <a:miter lim="400000"/>
           </a:ln>
-          <a:extLst>
-            <a:ext uri="{C572A759-6A51-4108-AA02-DFA0A04FC94B}">
-              <ma14:wrappingTextBoxFlag xmlns="" xmlns:m="http://schemas.openxmlformats.org/officeDocument/2006/math" xmlns:a14="http://schemas.microsoft.com/office/drawing/2010/main" xmlns:ma14="http://schemas.microsoft.com/office/mac/drawingml/2011/main" val="1"/>
-            </a:ext>
-          </a:extLst>
         </p:spPr>
         <p:txBody>
           <a:bodyPr lIns="50800" tIns="50800" rIns="50800" bIns="50800" anchor="ctr"/>
@@ -5092,7 +4922,6 @@
                 <a:sym typeface="Helvetica Neue Medium"/>
               </a:defRPr>
             </a:pPr>
-            <a:endParaRPr/>
           </a:p>
         </p:txBody>
       </p:sp>
@@ -5133,16 +4962,10 @@
                 <a:sym typeface="Helvetica Neue Medium"/>
               </a:defRPr>
             </a:pPr>
-            <a:endParaRPr/>
           </a:p>
         </p:txBody>
       </p:sp>
     </p:spTree>
-    <p:extLst>
-      <p:ext uri="{BB962C8B-B14F-4D97-AF65-F5344CB8AC3E}">
-        <p14:creationId xmlns:p14="http://schemas.microsoft.com/office/powerpoint/2010/main" val="989443879"/>
-      </p:ext>
-    </p:extLst>
   </p:cSld>
   <p:clrMapOvr>
     <a:masterClrMapping/>
@@ -5273,15 +5096,11 @@
               <a:rPr dirty="0"/>
               <a:t>。</a:t>
             </a:r>
+            <a:endParaRPr dirty="0"/>
           </a:p>
         </p:txBody>
       </p:sp>
     </p:spTree>
-    <p:extLst>
-      <p:ext uri="{BB962C8B-B14F-4D97-AF65-F5344CB8AC3E}">
-        <p14:creationId xmlns:p14="http://schemas.microsoft.com/office/powerpoint/2010/main" val="839742377"/>
-      </p:ext>
-    </p:extLst>
   </p:cSld>
   <p:clrMapOvr>
     <a:masterClrMapping/>
@@ -5359,44 +5178,44 @@
           <a:bodyPr/>
           <a:lstStyle/>
           <a:p>
-            <a:pPr marL="373379" indent="-373379" defTabSz="490727">
+            <a:pPr marL="373380" indent="-373380" defTabSz="490855">
               <a:spcBef>
                 <a:spcPts val="3500"/>
               </a:spcBef>
-              <a:defRPr sz="2688"/>
+              <a:defRPr sz="2690"/>
             </a:pPr>
             <a:r>
               <a:t>多年的Android, ChromeOS开发经验一方面让Google在操作系统方面积累了足够多的人才和组件，另一方面也充分认识到了Linux kernel很多的局限性</a:t>
             </a:r>
           </a:p>
           <a:p>
-            <a:pPr marL="373379" indent="-373379" defTabSz="490727">
+            <a:pPr marL="373380" indent="-373380" defTabSz="490855">
               <a:spcBef>
                 <a:spcPts val="3500"/>
               </a:spcBef>
-              <a:defRPr sz="2688"/>
+              <a:defRPr sz="2690"/>
             </a:pPr>
             <a:r>
               <a:t>Fuchsia是一个全新的操作系统的统称。Google挑选了一系列它认为合适的技术和组件进入这个操作系统，比如：微内核，基于能力的访问控制，Vulkan图形接口，3D桌面渲染Scenic，Flutter应用开发框架。目前支持的编程语言是：C/C++, Go, Rust, Dart</a:t>
             </a:r>
           </a:p>
           <a:p>
-            <a:pPr marL="373379" indent="-373379" defTabSz="490727">
+            <a:pPr marL="373380" indent="-373380" defTabSz="490855">
               <a:spcBef>
                 <a:spcPts val="3500"/>
               </a:spcBef>
-              <a:defRPr sz="2688"/>
+              <a:defRPr sz="2690"/>
             </a:pPr>
             <a:r>
               <a:t>Google2016年中放出了所有的代码，但是没有正式宣布这个项目的目标，开发社区目前有一个IRC频道进行交流</a:t>
             </a:r>
           </a:p>
           <a:p>
-            <a:pPr marL="373379" indent="-373379" defTabSz="490727">
+            <a:pPr marL="373380" indent="-373380" defTabSz="490855">
               <a:spcBef>
                 <a:spcPts val="3500"/>
               </a:spcBef>
-              <a:defRPr sz="2688"/>
+              <a:defRPr sz="2690"/>
             </a:pPr>
             <a:r>
               <a:t>支持的架构是X86-64和ARM 64，支持的设备从IoT到服务器</a:t>
@@ -5432,13 +5251,7 @@
       </p:grpSpPr>
       <p:sp>
         <p:nvSpPr>
-          <p:cNvPr id="2" name="Title 1">
-            <a:extLst>
-              <a:ext uri="{FF2B5EF4-FFF2-40B4-BE49-F238E27FC236}">
-                <a16:creationId xmlns:a16="http://schemas.microsoft.com/office/drawing/2014/main" id="{7E222837-09A3-4972-9113-49202DA0EC66}"/>
-              </a:ext>
-            </a:extLst>
-          </p:cNvPr>
+          <p:cNvPr id="2" name="Title 1"/>
           <p:cNvSpPr>
             <a:spLocks noGrp="1"/>
           </p:cNvSpPr>
@@ -5459,18 +5272,13 @@
               <a:rPr lang="zh-CN" altLang="en-US" dirty="0"/>
               <a:t>的好处</a:t>
             </a:r>
-          </a:p>
-        </p:txBody>
-      </p:sp>
-      <p:sp>
-        <p:nvSpPr>
-          <p:cNvPr id="4" name="TextBox 3">
-            <a:extLst>
-              <a:ext uri="{FF2B5EF4-FFF2-40B4-BE49-F238E27FC236}">
-                <a16:creationId xmlns:a16="http://schemas.microsoft.com/office/drawing/2014/main" id="{59DB367C-44A0-4C6B-BBA0-22B86EC826E1}"/>
-              </a:ext>
-            </a:extLst>
-          </p:cNvPr>
+            <a:endParaRPr lang="zh-CN" altLang="en-US" dirty="0"/>
+          </a:p>
+        </p:txBody>
+      </p:sp>
+      <p:sp>
+        <p:nvSpPr>
+          <p:cNvPr id="4" name="TextBox 3"/>
           <p:cNvSpPr txBox="1"/>
           <p:nvPr/>
         </p:nvSpPr>
@@ -5529,6 +5337,7 @@
               <a:rPr lang="zh-CN" altLang="en-US" b="0" dirty="0"/>
               <a:t>）兼容性的同时，不干扰升级系统调用的实现。</a:t>
             </a:r>
+            <a:endParaRPr lang="zh-CN" altLang="en-US" b="0" dirty="0"/>
           </a:p>
           <a:p>
             <a:pPr algn="l"/>
@@ -5548,6 +5357,7 @@
               <a:rPr lang="zh-CN" altLang="en-US" b="0" dirty="0"/>
               <a:t>是基于处理器中断的，每个系统调用都有自己的系统调用编号，这</a:t>
             </a:r>
+            <a:endParaRPr lang="zh-CN" altLang="en-US" b="0" dirty="0"/>
           </a:p>
           <a:p>
             <a:pPr algn="l"/>
@@ -5575,6 +5385,7 @@
               <a:rPr lang="zh-CN" altLang="en-US" b="0" dirty="0"/>
               <a:t>并没有本质上的升级。这是因为相当多的预编译好的程序</a:t>
             </a:r>
+            <a:endParaRPr lang="zh-CN" altLang="en-US" b="0" dirty="0"/>
           </a:p>
           <a:p>
             <a:pPr algn="l"/>
@@ -5590,6 +5401,7 @@
               <a:rPr lang="zh-CN" altLang="en-US" b="0" dirty="0"/>
               <a:t>不再支持基于中断的系统调用接口，那这些现</a:t>
             </a:r>
+            <a:endParaRPr lang="zh-CN" altLang="en-US" b="0" dirty="0"/>
           </a:p>
           <a:p>
             <a:pPr algn="l"/>
@@ -5613,6 +5425,7 @@
               <a:rPr lang="zh-CN" altLang="en-US" b="0" dirty="0"/>
               <a:t>兼容</a:t>
             </a:r>
+            <a:endParaRPr lang="zh-CN" altLang="en-US" b="0" dirty="0"/>
           </a:p>
           <a:p>
             <a:pPr algn="l"/>
@@ -5620,6 +5433,7 @@
               <a:rPr lang="zh-CN" altLang="en-US" b="0" dirty="0"/>
               <a:t>性，但同时也不希望放弃将来优化系统调用的机会。这类问题可以通过多加一层间接调用来</a:t>
             </a:r>
+            <a:endParaRPr lang="zh-CN" altLang="en-US" b="0" dirty="0"/>
           </a:p>
           <a:p>
             <a:pPr algn="l"/>
@@ -5843,15 +5657,11 @@
               <a:rPr lang="en-US" altLang="zh-CN" b="0" dirty="0"/>
               <a:t>)</a:t>
             </a:r>
+            <a:endParaRPr lang="en-US" altLang="zh-CN" b="0" dirty="0"/>
           </a:p>
         </p:txBody>
       </p:sp>
     </p:spTree>
-    <p:extLst>
-      <p:ext uri="{BB962C8B-B14F-4D97-AF65-F5344CB8AC3E}">
-        <p14:creationId xmlns:p14="http://schemas.microsoft.com/office/powerpoint/2010/main" val="70740844"/>
-      </p:ext>
-    </p:extLst>
   </p:cSld>
   <p:clrMapOvr>
     <a:masterClrMapping/>
@@ -5921,77 +5731,77 @@
           <a:bodyPr/>
           <a:lstStyle/>
           <a:p>
-            <a:pPr marL="315594" indent="-315594" defTabSz="414781">
+            <a:pPr marL="315595" indent="-315595" defTabSz="414655">
               <a:spcBef>
                 <a:spcPts val="2900"/>
               </a:spcBef>
-              <a:defRPr sz="2272"/>
+              <a:defRPr sz="2270"/>
             </a:pPr>
             <a:r>
               <a:t>Linus vs Tanenbaum的论战</a:t>
             </a:r>
           </a:p>
           <a:p>
-            <a:pPr marL="631189" lvl="1" indent="-315594" defTabSz="414781">
+            <a:pPr marL="631190" lvl="1" indent="-315595" defTabSz="414655">
               <a:spcBef>
                 <a:spcPts val="2900"/>
               </a:spcBef>
-              <a:defRPr sz="2272"/>
+              <a:defRPr sz="2270"/>
             </a:pPr>
             <a:r>
               <a:t>Tanenbaum: Linux是七十年代的技术。在1991年写宏内核是错误的。争论早就结束了，微内核已经赢了。我是教授，Minix只是我的hobby，所以别拿Minix说事。</a:t>
             </a:r>
           </a:p>
           <a:p>
-            <a:pPr marL="631189" lvl="1" indent="-315594" defTabSz="414781">
+            <a:pPr marL="631190" lvl="1" indent="-315595" defTabSz="414655">
               <a:spcBef>
                 <a:spcPts val="2900"/>
               </a:spcBef>
-              <a:defRPr sz="2272"/>
+              <a:defRPr sz="2270"/>
             </a:pPr>
             <a:r>
               <a:t>Linus: Linux比你写的Minix强多了。微内核只是你们学术界的玩具，我看过所有的关于微内核效率优化的论文，它们实际上只是在重复宏内核早就用过的技巧</a:t>
             </a:r>
           </a:p>
           <a:p>
-            <a:pPr marL="315594" indent="-315594" defTabSz="414781">
+            <a:pPr marL="315595" indent="-315595" defTabSz="414655">
               <a:spcBef>
                 <a:spcPts val="2900"/>
               </a:spcBef>
-              <a:defRPr sz="2272"/>
+              <a:defRPr sz="2270"/>
             </a:pPr>
             <a:r>
               <a:t>Mach, Hurd</a:t>
             </a:r>
           </a:p>
           <a:p>
-            <a:pPr marL="315594" indent="-315594" defTabSz="414781">
+            <a:pPr marL="315595" indent="-315595" defTabSz="414655">
               <a:spcBef>
                 <a:spcPts val="2900"/>
               </a:spcBef>
-              <a:defRPr sz="2272"/>
+              <a:defRPr sz="2270"/>
             </a:pPr>
             <a:r>
               <a:t>Performance overhead</a:t>
             </a:r>
           </a:p>
           <a:p>
-            <a:pPr marL="631189" lvl="1" indent="-315594" defTabSz="414781">
+            <a:pPr marL="631190" lvl="1" indent="-315595" defTabSz="414655">
               <a:spcBef>
                 <a:spcPts val="2900"/>
               </a:spcBef>
-              <a:defRPr sz="2272"/>
+              <a:defRPr sz="2270"/>
             </a:pPr>
             <a:r>
               <a:t>Context switching (user space &lt;=&gt; kernel space)</a:t>
             </a:r>
           </a:p>
           <a:p>
-            <a:pPr marL="631189" lvl="1" indent="-315594" defTabSz="414781">
+            <a:pPr marL="631190" lvl="1" indent="-315595" defTabSz="414655">
               <a:spcBef>
                 <a:spcPts val="2900"/>
               </a:spcBef>
-              <a:defRPr sz="2272"/>
+              <a:defRPr sz="2270"/>
             </a:pPr>
             <a:r>
               <a:t>Thread scheduling</a:t>
@@ -6034,9 +5844,7 @@
           <p:nvPr/>
         </p:nvPicPr>
         <p:blipFill>
-          <a:blip r:embed="rId2">
-            <a:extLst/>
-          </a:blip>
+          <a:blip r:embed="rId1"/>
           <a:stretch>
             <a:fillRect/>
           </a:stretch>
@@ -6051,6 +5859,8 @@
           </a:prstGeom>
           <a:ln w="12700">
             <a:miter lim="400000"/>
+            <a:headEnd/>
+            <a:tailEnd/>
           </a:ln>
         </p:spPr>
       </p:pic>
@@ -6098,7 +5908,7 @@
         <p:txBody>
           <a:bodyPr/>
           <a:lstStyle>
-            <a:lvl1pPr defTabSz="502412">
+            <a:lvl1pPr defTabSz="502285">
               <a:defRPr sz="6880"/>
             </a:lvl1pPr>
           </a:lstStyle>
@@ -6128,77 +5938,77 @@
           <a:bodyPr/>
           <a:lstStyle/>
           <a:p>
-            <a:pPr marL="413384" indent="-413384" defTabSz="543305">
+            <a:pPr marL="413385" indent="-413385" defTabSz="543560">
               <a:spcBef>
                 <a:spcPts val="3900"/>
               </a:spcBef>
-              <a:defRPr sz="2976"/>
+              <a:defRPr sz="2975"/>
             </a:pPr>
             <a:r>
               <a:t>Monolithic</a:t>
             </a:r>
           </a:p>
           <a:p>
-            <a:pPr marL="826769" lvl="1" indent="-413384" defTabSz="543305">
+            <a:pPr marL="826770" lvl="1" indent="-413385" defTabSz="543560">
               <a:spcBef>
                 <a:spcPts val="3900"/>
               </a:spcBef>
-              <a:defRPr sz="2976"/>
+              <a:defRPr sz="2975"/>
             </a:pPr>
             <a:r>
               <a:t>CPU0</a:t>
             </a:r>
           </a:p>
           <a:p>
-            <a:pPr marL="1240155" lvl="2" indent="-413384" defTabSz="543305">
+            <a:pPr marL="1240155" lvl="2" indent="-413385" defTabSz="543560">
               <a:spcBef>
                 <a:spcPts val="3900"/>
               </a:spcBef>
-              <a:defRPr sz="2976"/>
+              <a:defRPr sz="2975"/>
             </a:pPr>
             <a:r>
               <a:t>Context switching: 2</a:t>
             </a:r>
           </a:p>
           <a:p>
-            <a:pPr marL="413384" indent="-413384" defTabSz="543305">
+            <a:pPr marL="413385" indent="-413385" defTabSz="543560">
               <a:spcBef>
                 <a:spcPts val="3900"/>
               </a:spcBef>
-              <a:defRPr sz="2976"/>
+              <a:defRPr sz="2975"/>
             </a:pPr>
             <a:r>
               <a:t>Micro</a:t>
             </a:r>
           </a:p>
           <a:p>
-            <a:pPr marL="826769" lvl="1" indent="-413384" defTabSz="543305">
+            <a:pPr marL="826770" lvl="1" indent="-413385" defTabSz="543560">
               <a:spcBef>
                 <a:spcPts val="3900"/>
               </a:spcBef>
-              <a:defRPr sz="2976"/>
+              <a:defRPr sz="2975"/>
             </a:pPr>
             <a:r>
               <a:t>CPU0</a:t>
             </a:r>
           </a:p>
           <a:p>
-            <a:pPr marL="1240155" lvl="2" indent="-413384" defTabSz="543305">
+            <a:pPr marL="1240155" lvl="2" indent="-413385" defTabSz="543560">
               <a:spcBef>
                 <a:spcPts val="3900"/>
               </a:spcBef>
-              <a:defRPr sz="2976"/>
+              <a:defRPr sz="2975"/>
             </a:pPr>
             <a:r>
               <a:t>Context switching: 8</a:t>
             </a:r>
           </a:p>
           <a:p>
-            <a:pPr marL="1240155" lvl="2" indent="-413384" defTabSz="543305">
+            <a:pPr marL="1240155" lvl="2" indent="-413385" defTabSz="543560">
               <a:spcBef>
                 <a:spcPts val="3900"/>
               </a:spcBef>
-              <a:defRPr sz="2976"/>
+              <a:defRPr sz="2975"/>
             </a:pPr>
             <a:r>
               <a:t>Thread scheduling: 4</a:t>
@@ -6241,9 +6051,7 @@
           <p:nvPr/>
         </p:nvPicPr>
         <p:blipFill>
-          <a:blip r:embed="rId2">
-            <a:extLst/>
-          </a:blip>
+          <a:blip r:embed="rId1"/>
           <a:stretch>
             <a:fillRect/>
           </a:stretch>
@@ -6258,6 +6066,8 @@
           </a:prstGeom>
           <a:ln w="12700">
             <a:miter lim="400000"/>
+            <a:headEnd/>
+            <a:tailEnd/>
           </a:ln>
         </p:spPr>
       </p:pic>
@@ -6278,11 +6088,6 @@
           <a:ln w="12700">
             <a:miter lim="400000"/>
           </a:ln>
-          <a:extLst>
-            <a:ext uri="{C572A759-6A51-4108-AA02-DFA0A04FC94B}">
-              <ma14:wrappingTextBoxFlag xmlns="" xmlns:m="http://schemas.openxmlformats.org/officeDocument/2006/math" xmlns:a14="http://schemas.microsoft.com/office/drawing/2010/main" xmlns:ma14="http://schemas.microsoft.com/office/mac/drawingml/2011/main" val="1"/>
-            </a:ext>
-          </a:extLst>
         </p:spPr>
         <p:txBody>
           <a:bodyPr wrap="none" lIns="50800" tIns="50800" rIns="50800" bIns="50800" anchor="ctr">
@@ -6313,11 +6118,6 @@
           <a:ln w="12700">
             <a:miter lim="400000"/>
           </a:ln>
-          <a:extLst>
-            <a:ext uri="{C572A759-6A51-4108-AA02-DFA0A04FC94B}">
-              <ma14:wrappingTextBoxFlag xmlns="" xmlns:m="http://schemas.openxmlformats.org/officeDocument/2006/math" xmlns:a14="http://schemas.microsoft.com/office/drawing/2010/main" xmlns:ma14="http://schemas.microsoft.com/office/mac/drawingml/2011/main" val="1"/>
-            </a:ext>
-          </a:extLst>
         </p:spPr>
         <p:txBody>
           <a:bodyPr wrap="none" lIns="50800" tIns="50800" rIns="50800" bIns="50800" anchor="ctr">
@@ -6348,11 +6148,6 @@
           <a:ln w="12700">
             <a:miter lim="400000"/>
           </a:ln>
-          <a:extLst>
-            <a:ext uri="{C572A759-6A51-4108-AA02-DFA0A04FC94B}">
-              <ma14:wrappingTextBoxFlag xmlns="" xmlns:m="http://schemas.openxmlformats.org/officeDocument/2006/math" xmlns:a14="http://schemas.microsoft.com/office/drawing/2010/main" xmlns:ma14="http://schemas.microsoft.com/office/mac/drawingml/2011/main" val="1"/>
-            </a:ext>
-          </a:extLst>
         </p:spPr>
         <p:txBody>
           <a:bodyPr wrap="none" lIns="50800" tIns="50800" rIns="50800" bIns="50800" anchor="ctr">
@@ -6383,11 +6178,6 @@
           <a:ln w="12700">
             <a:miter lim="400000"/>
           </a:ln>
-          <a:extLst>
-            <a:ext uri="{C572A759-6A51-4108-AA02-DFA0A04FC94B}">
-              <ma14:wrappingTextBoxFlag xmlns="" xmlns:m="http://schemas.openxmlformats.org/officeDocument/2006/math" xmlns:a14="http://schemas.microsoft.com/office/drawing/2010/main" xmlns:ma14="http://schemas.microsoft.com/office/mac/drawingml/2011/main" val="1"/>
-            </a:ext>
-          </a:extLst>
         </p:spPr>
         <p:txBody>
           <a:bodyPr wrap="none" lIns="50800" tIns="50800" rIns="50800" bIns="50800" anchor="ctr">
@@ -6418,11 +6208,6 @@
           <a:ln w="12700">
             <a:miter lim="400000"/>
           </a:ln>
-          <a:extLst>
-            <a:ext uri="{C572A759-6A51-4108-AA02-DFA0A04FC94B}">
-              <ma14:wrappingTextBoxFlag xmlns="" xmlns:m="http://schemas.openxmlformats.org/officeDocument/2006/math" xmlns:a14="http://schemas.microsoft.com/office/drawing/2010/main" xmlns:ma14="http://schemas.microsoft.com/office/mac/drawingml/2011/main" val="1"/>
-            </a:ext>
-          </a:extLst>
         </p:spPr>
         <p:txBody>
           <a:bodyPr wrap="none" lIns="50800" tIns="50800" rIns="50800" bIns="50800" anchor="ctr">
@@ -6480,7 +6265,7 @@
         <p:txBody>
           <a:bodyPr/>
           <a:lstStyle>
-            <a:lvl1pPr defTabSz="531622">
+            <a:lvl1pPr defTabSz="531495">
               <a:defRPr sz="7280"/>
             </a:lvl1pPr>
           </a:lstStyle>
@@ -6510,7 +6295,7 @@
           <a:bodyPr/>
           <a:lstStyle/>
           <a:p>
-            <a:pPr marL="235584" indent="-235584" defTabSz="309625">
+            <a:pPr marL="235585" indent="-235585" defTabSz="309880">
               <a:spcBef>
                 <a:spcPts val="2200"/>
               </a:spcBef>
@@ -6521,7 +6306,7 @@
             </a:r>
           </a:p>
           <a:p>
-            <a:pPr marL="471169" lvl="1" indent="-235584" defTabSz="309625">
+            <a:pPr marL="471170" lvl="1" indent="-235585" defTabSz="309880">
               <a:spcBef>
                 <a:spcPts val="2200"/>
               </a:spcBef>
@@ -6532,7 +6317,7 @@
             </a:r>
           </a:p>
           <a:p>
-            <a:pPr marL="706754" lvl="2" indent="-235584" defTabSz="309625">
+            <a:pPr marL="706755" lvl="2" indent="-235585" defTabSz="309880">
               <a:spcBef>
                 <a:spcPts val="2200"/>
               </a:spcBef>
@@ -6543,7 +6328,7 @@
             </a:r>
           </a:p>
           <a:p>
-            <a:pPr marL="235584" indent="-235584" defTabSz="309625">
+            <a:pPr marL="235585" indent="-235585" defTabSz="309880">
               <a:spcBef>
                 <a:spcPts val="2200"/>
               </a:spcBef>
@@ -6554,7 +6339,7 @@
             </a:r>
           </a:p>
           <a:p>
-            <a:pPr marL="471169" lvl="1" indent="-235584" defTabSz="309625">
+            <a:pPr marL="471170" lvl="1" indent="-235585" defTabSz="309880">
               <a:spcBef>
                 <a:spcPts val="2200"/>
               </a:spcBef>
@@ -6565,7 +6350,7 @@
             </a:r>
           </a:p>
           <a:p>
-            <a:pPr marL="706754" lvl="2" indent="-235584" defTabSz="309625">
+            <a:pPr marL="706755" lvl="2" indent="-235585" defTabSz="309880">
               <a:spcBef>
                 <a:spcPts val="2200"/>
               </a:spcBef>
@@ -6576,7 +6361,7 @@
             </a:r>
           </a:p>
           <a:p>
-            <a:pPr marL="471169" lvl="1" indent="-235584" defTabSz="309625">
+            <a:pPr marL="471170" lvl="1" indent="-235585" defTabSz="309880">
               <a:spcBef>
                 <a:spcPts val="2200"/>
               </a:spcBef>
@@ -6587,7 +6372,7 @@
             </a:r>
           </a:p>
           <a:p>
-            <a:pPr marL="706754" lvl="2" indent="-235584" defTabSz="309625">
+            <a:pPr marL="706755" lvl="2" indent="-235585" defTabSz="309880">
               <a:spcBef>
                 <a:spcPts val="2200"/>
               </a:spcBef>
@@ -6598,7 +6383,7 @@
             </a:r>
           </a:p>
           <a:p>
-            <a:pPr marL="471169" lvl="1" indent="-235584" defTabSz="309625">
+            <a:pPr marL="471170" lvl="1" indent="-235585" defTabSz="309880">
               <a:spcBef>
                 <a:spcPts val="2200"/>
               </a:spcBef>
@@ -6609,7 +6394,7 @@
             </a:r>
           </a:p>
           <a:p>
-            <a:pPr marL="706754" lvl="2" indent="-235584" defTabSz="309625">
+            <a:pPr marL="706755" lvl="2" indent="-235585" defTabSz="309880">
               <a:spcBef>
                 <a:spcPts val="2200"/>
               </a:spcBef>
@@ -6620,7 +6405,7 @@
             </a:r>
           </a:p>
           <a:p>
-            <a:pPr marL="471169" lvl="1" indent="-235584" defTabSz="309625">
+            <a:pPr marL="471170" lvl="1" indent="-235585" defTabSz="309880">
               <a:spcBef>
                 <a:spcPts val="2200"/>
               </a:spcBef>
@@ -6631,7 +6416,7 @@
             </a:r>
           </a:p>
           <a:p>
-            <a:pPr marL="706754" lvl="2" indent="-235584" defTabSz="309625">
+            <a:pPr marL="706755" lvl="2" indent="-235585" defTabSz="309880">
               <a:spcBef>
                 <a:spcPts val="2200"/>
               </a:spcBef>
@@ -6714,11 +6499,6 @@
           <a:ln w="12700">
             <a:miter lim="400000"/>
           </a:ln>
-          <a:extLst>
-            <a:ext uri="{C572A759-6A51-4108-AA02-DFA0A04FC94B}">
-              <ma14:wrappingTextBoxFlag xmlns="" xmlns:m="http://schemas.openxmlformats.org/officeDocument/2006/math" xmlns:a14="http://schemas.microsoft.com/office/drawing/2010/main" xmlns:ma14="http://schemas.microsoft.com/office/mac/drawingml/2011/main" val="1"/>
-            </a:ext>
-          </a:extLst>
         </p:spPr>
         <p:txBody>
           <a:bodyPr lIns="50800" tIns="50800" rIns="50800" bIns="50800" anchor="ctr"/>
@@ -6762,11 +6542,6 @@
           <a:ln w="12700">
             <a:miter lim="400000"/>
           </a:ln>
-          <a:extLst>
-            <a:ext uri="{C572A759-6A51-4108-AA02-DFA0A04FC94B}">
-              <ma14:wrappingTextBoxFlag xmlns="" xmlns:m="http://schemas.openxmlformats.org/officeDocument/2006/math" xmlns:a14="http://schemas.microsoft.com/office/drawing/2010/main" xmlns:ma14="http://schemas.microsoft.com/office/mac/drawingml/2011/main" val="1"/>
-            </a:ext>
-          </a:extLst>
         </p:spPr>
         <p:txBody>
           <a:bodyPr lIns="50800" tIns="50800" rIns="50800" bIns="50800" anchor="ctr"/>
@@ -6857,11 +6632,6 @@
           <a:ln w="12700">
             <a:miter lim="400000"/>
           </a:ln>
-          <a:extLst>
-            <a:ext uri="{C572A759-6A51-4108-AA02-DFA0A04FC94B}">
-              <ma14:wrappingTextBoxFlag xmlns="" xmlns:m="http://schemas.openxmlformats.org/officeDocument/2006/math" xmlns:a14="http://schemas.microsoft.com/office/drawing/2010/main" xmlns:ma14="http://schemas.microsoft.com/office/mac/drawingml/2011/main" val="1"/>
-            </a:ext>
-          </a:extLst>
         </p:spPr>
         <p:txBody>
           <a:bodyPr lIns="50800" tIns="50800" rIns="50800" bIns="50800" anchor="ctr"/>
@@ -6905,11 +6675,6 @@
           <a:ln w="12700">
             <a:miter lim="400000"/>
           </a:ln>
-          <a:extLst>
-            <a:ext uri="{C572A759-6A51-4108-AA02-DFA0A04FC94B}">
-              <ma14:wrappingTextBoxFlag xmlns="" xmlns:m="http://schemas.openxmlformats.org/officeDocument/2006/math" xmlns:a14="http://schemas.microsoft.com/office/drawing/2010/main" xmlns:ma14="http://schemas.microsoft.com/office/mac/drawingml/2011/main" val="1"/>
-            </a:ext>
-          </a:extLst>
         </p:spPr>
         <p:txBody>
           <a:bodyPr lIns="50800" tIns="50800" rIns="50800" bIns="50800" anchor="ctr"/>
@@ -6953,11 +6718,6 @@
           <a:ln w="12700">
             <a:miter lim="400000"/>
           </a:ln>
-          <a:extLst>
-            <a:ext uri="{C572A759-6A51-4108-AA02-DFA0A04FC94B}">
-              <ma14:wrappingTextBoxFlag xmlns="" xmlns:m="http://schemas.openxmlformats.org/officeDocument/2006/math" xmlns:a14="http://schemas.microsoft.com/office/drawing/2010/main" xmlns:ma14="http://schemas.microsoft.com/office/mac/drawingml/2011/main" val="1"/>
-            </a:ext>
-          </a:extLst>
         </p:spPr>
         <p:txBody>
           <a:bodyPr lIns="50800" tIns="50800" rIns="50800" bIns="50800" anchor="ctr"/>
@@ -7001,11 +6761,6 @@
           <a:ln w="12700">
             <a:miter lim="400000"/>
           </a:ln>
-          <a:extLst>
-            <a:ext uri="{C572A759-6A51-4108-AA02-DFA0A04FC94B}">
-              <ma14:wrappingTextBoxFlag xmlns="" xmlns:m="http://schemas.openxmlformats.org/officeDocument/2006/math" xmlns:a14="http://schemas.microsoft.com/office/drawing/2010/main" xmlns:ma14="http://schemas.microsoft.com/office/mac/drawingml/2011/main" val="1"/>
-            </a:ext>
-          </a:extLst>
         </p:spPr>
         <p:txBody>
           <a:bodyPr lIns="50800" tIns="50800" rIns="50800" bIns="50800" anchor="ctr"/>
@@ -7049,11 +6804,6 @@
           <a:ln w="12700">
             <a:miter lim="400000"/>
           </a:ln>
-          <a:extLst>
-            <a:ext uri="{C572A759-6A51-4108-AA02-DFA0A04FC94B}">
-              <ma14:wrappingTextBoxFlag xmlns="" xmlns:m="http://schemas.openxmlformats.org/officeDocument/2006/math" xmlns:a14="http://schemas.microsoft.com/office/drawing/2010/main" xmlns:ma14="http://schemas.microsoft.com/office/mac/drawingml/2011/main" val="1"/>
-            </a:ext>
-          </a:extLst>
         </p:spPr>
         <p:txBody>
           <a:bodyPr lIns="50800" tIns="50800" rIns="50800" bIns="50800" anchor="ctr"/>
@@ -7097,11 +6847,6 @@
           <a:ln w="12700">
             <a:miter lim="400000"/>
           </a:ln>
-          <a:extLst>
-            <a:ext uri="{C572A759-6A51-4108-AA02-DFA0A04FC94B}">
-              <ma14:wrappingTextBoxFlag xmlns="" xmlns:m="http://schemas.openxmlformats.org/officeDocument/2006/math" xmlns:a14="http://schemas.microsoft.com/office/drawing/2010/main" xmlns:ma14="http://schemas.microsoft.com/office/mac/drawingml/2011/main" val="1"/>
-            </a:ext>
-          </a:extLst>
         </p:spPr>
         <p:txBody>
           <a:bodyPr lIns="50800" tIns="50800" rIns="50800" bIns="50800" anchor="ctr"/>
@@ -7145,11 +6890,6 @@
           <a:ln w="12700">
             <a:miter lim="400000"/>
           </a:ln>
-          <a:extLst>
-            <a:ext uri="{C572A759-6A51-4108-AA02-DFA0A04FC94B}">
-              <ma14:wrappingTextBoxFlag xmlns="" xmlns:m="http://schemas.openxmlformats.org/officeDocument/2006/math" xmlns:a14="http://schemas.microsoft.com/office/drawing/2010/main" xmlns:ma14="http://schemas.microsoft.com/office/mac/drawingml/2011/main" val="1"/>
-            </a:ext>
-          </a:extLst>
         </p:spPr>
         <p:txBody>
           <a:bodyPr lIns="50800" tIns="50800" rIns="50800" bIns="50800" anchor="ctr"/>
@@ -7193,11 +6933,6 @@
           <a:ln w="12700">
             <a:miter lim="400000"/>
           </a:ln>
-          <a:extLst>
-            <a:ext uri="{C572A759-6A51-4108-AA02-DFA0A04FC94B}">
-              <ma14:wrappingTextBoxFlag xmlns="" xmlns:m="http://schemas.openxmlformats.org/officeDocument/2006/math" xmlns:a14="http://schemas.microsoft.com/office/drawing/2010/main" xmlns:ma14="http://schemas.microsoft.com/office/mac/drawingml/2011/main" val="1"/>
-            </a:ext>
-          </a:extLst>
         </p:spPr>
         <p:txBody>
           <a:bodyPr lIns="50800" tIns="50800" rIns="50800" bIns="50800" anchor="ctr"/>
@@ -7241,11 +6976,6 @@
           <a:ln w="12700">
             <a:miter lim="400000"/>
           </a:ln>
-          <a:extLst>
-            <a:ext uri="{C572A759-6A51-4108-AA02-DFA0A04FC94B}">
-              <ma14:wrappingTextBoxFlag xmlns="" xmlns:m="http://schemas.openxmlformats.org/officeDocument/2006/math" xmlns:a14="http://schemas.microsoft.com/office/drawing/2010/main" xmlns:ma14="http://schemas.microsoft.com/office/mac/drawingml/2011/main" val="1"/>
-            </a:ext>
-          </a:extLst>
         </p:spPr>
         <p:txBody>
           <a:bodyPr lIns="50800" tIns="50800" rIns="50800" bIns="50800" anchor="ctr"/>
@@ -7304,11 +7034,6 @@
           <a:ln w="12700">
             <a:miter lim="400000"/>
           </a:ln>
-          <a:extLst>
-            <a:ext uri="{C572A759-6A51-4108-AA02-DFA0A04FC94B}">
-              <ma14:wrappingTextBoxFlag xmlns="" xmlns:m="http://schemas.openxmlformats.org/officeDocument/2006/math" xmlns:a14="http://schemas.microsoft.com/office/drawing/2010/main" xmlns:ma14="http://schemas.microsoft.com/office/mac/drawingml/2011/main" val="1"/>
-            </a:ext>
-          </a:extLst>
         </p:spPr>
         <p:txBody>
           <a:bodyPr lIns="50800" tIns="50800" rIns="50800" bIns="50800" anchor="ctr"/>
@@ -7352,11 +7077,6 @@
           <a:ln w="12700">
             <a:miter lim="400000"/>
           </a:ln>
-          <a:extLst>
-            <a:ext uri="{C572A759-6A51-4108-AA02-DFA0A04FC94B}">
-              <ma14:wrappingTextBoxFlag xmlns="" xmlns:m="http://schemas.openxmlformats.org/officeDocument/2006/math" xmlns:a14="http://schemas.microsoft.com/office/drawing/2010/main" xmlns:ma14="http://schemas.microsoft.com/office/mac/drawingml/2011/main" val="1"/>
-            </a:ext>
-          </a:extLst>
         </p:spPr>
         <p:txBody>
           <a:bodyPr lIns="50800" tIns="50800" rIns="50800" bIns="50800" anchor="ctr"/>
@@ -7400,11 +7120,6 @@
           <a:ln w="12700">
             <a:miter lim="400000"/>
           </a:ln>
-          <a:extLst>
-            <a:ext uri="{C572A759-6A51-4108-AA02-DFA0A04FC94B}">
-              <ma14:wrappingTextBoxFlag xmlns="" xmlns:m="http://schemas.openxmlformats.org/officeDocument/2006/math" xmlns:a14="http://schemas.microsoft.com/office/drawing/2010/main" xmlns:ma14="http://schemas.microsoft.com/office/mac/drawingml/2011/main" val="1"/>
-            </a:ext>
-          </a:extLst>
         </p:spPr>
         <p:txBody>
           <a:bodyPr lIns="50800" tIns="50800" rIns="50800" bIns="50800" anchor="ctr"/>
@@ -7472,7 +7187,7 @@
         <p:txBody>
           <a:bodyPr/>
           <a:lstStyle>
-            <a:lvl1pPr defTabSz="414781">
+            <a:lvl1pPr defTabSz="414655">
               <a:defRPr sz="5680"/>
             </a:lvl1pPr>
           </a:lstStyle>
@@ -7546,13 +7261,7 @@
       </p:grpSpPr>
       <p:sp>
         <p:nvSpPr>
-          <p:cNvPr id="2" name="Title 1">
-            <a:extLst>
-              <a:ext uri="{FF2B5EF4-FFF2-40B4-BE49-F238E27FC236}">
-                <a16:creationId xmlns:a16="http://schemas.microsoft.com/office/drawing/2014/main" id="{64DDDF73-AFC0-477B-980E-C775A22CC2AE}"/>
-              </a:ext>
-            </a:extLst>
-          </p:cNvPr>
+          <p:cNvPr id="2" name="Title 1"/>
           <p:cNvSpPr>
             <a:spLocks noGrp="1"/>
           </p:cNvSpPr>
@@ -7573,18 +7282,13 @@
               <a:rPr lang="zh-CN" altLang="en-US" dirty="0"/>
               <a:t>桌面的现状</a:t>
             </a:r>
-          </a:p>
-        </p:txBody>
-      </p:sp>
-      <p:sp>
-        <p:nvSpPr>
-          <p:cNvPr id="3" name="Text Placeholder 2">
-            <a:extLst>
-              <a:ext uri="{FF2B5EF4-FFF2-40B4-BE49-F238E27FC236}">
-                <a16:creationId xmlns:a16="http://schemas.microsoft.com/office/drawing/2014/main" id="{9221FB05-9D3A-48E7-AF0A-DEB5191551AB}"/>
-              </a:ext>
-            </a:extLst>
-          </p:cNvPr>
+            <a:endParaRPr lang="zh-CN" altLang="en-US" dirty="0"/>
+          </a:p>
+        </p:txBody>
+      </p:sp>
+      <p:sp>
+        <p:nvSpPr>
+          <p:cNvPr id="3" name="Text Placeholder 2"/>
           <p:cNvSpPr>
             <a:spLocks noGrp="1"/>
           </p:cNvSpPr>
@@ -7822,6 +7526,7 @@
               <a:rPr lang="en-US" altLang="zh-CN" dirty="0"/>
               <a:t> </a:t>
             </a:r>
+            <a:endParaRPr lang="en-US" altLang="zh-CN" dirty="0"/>
           </a:p>
           <a:p>
             <a:r>
@@ -7868,15 +7573,11 @@
               <a:rPr lang="zh-CN" altLang="en-US" dirty="0"/>
               <a:t>的</a:t>
             </a:r>
+            <a:endParaRPr lang="zh-CN" altLang="en-US" dirty="0"/>
           </a:p>
         </p:txBody>
       </p:sp>
     </p:spTree>
-    <p:extLst>
-      <p:ext uri="{BB962C8B-B14F-4D97-AF65-F5344CB8AC3E}">
-        <p14:creationId xmlns:p14="http://schemas.microsoft.com/office/powerpoint/2010/main" val="3870634475"/>
-      </p:ext>
-    </p:extLst>
   </p:cSld>
   <p:clrMapOvr>
     <a:masterClrMapping/>
@@ -7904,13 +7605,7 @@
       </p:grpSpPr>
       <p:sp>
         <p:nvSpPr>
-          <p:cNvPr id="2" name="Title 1">
-            <a:extLst>
-              <a:ext uri="{FF2B5EF4-FFF2-40B4-BE49-F238E27FC236}">
-                <a16:creationId xmlns:a16="http://schemas.microsoft.com/office/drawing/2014/main" id="{857FCD79-26C1-46EF-AC22-DC2307E08100}"/>
-              </a:ext>
-            </a:extLst>
-          </p:cNvPr>
+          <p:cNvPr id="2" name="Title 1"/>
           <p:cNvSpPr>
             <a:spLocks noGrp="1"/>
           </p:cNvSpPr>
@@ -7929,13 +7624,7 @@
       </p:sp>
       <p:sp>
         <p:nvSpPr>
-          <p:cNvPr id="3" name="Text Placeholder 2">
-            <a:extLst>
-              <a:ext uri="{FF2B5EF4-FFF2-40B4-BE49-F238E27FC236}">
-                <a16:creationId xmlns:a16="http://schemas.microsoft.com/office/drawing/2014/main" id="{318A0887-1291-44CA-ADA4-A3C20081C837}"/>
-              </a:ext>
-            </a:extLst>
-          </p:cNvPr>
+          <p:cNvPr id="3" name="Text Placeholder 2"/>
           <p:cNvSpPr>
             <a:spLocks noGrp="1"/>
           </p:cNvSpPr>
@@ -7954,13 +7643,37 @@
       </p:sp>
       <p:pic>
         <p:nvPicPr>
-          <p:cNvPr id="5" name="Picture 4">
+          <p:cNvPr id="5" name="Picture 4"/>
+          <p:cNvPicPr>
+            <a:picLocks noChangeAspect="1"/>
+          </p:cNvPicPr>
+          <p:nvPr/>
+        </p:nvPicPr>
+        <p:blipFill>
+          <a:blip r:embed="rId1">
             <a:extLst>
-              <a:ext uri="{FF2B5EF4-FFF2-40B4-BE49-F238E27FC236}">
-                <a16:creationId xmlns:a16="http://schemas.microsoft.com/office/drawing/2014/main" id="{915A1BAD-B2F6-4F9E-86F1-63BB7C42B276}"/>
+              <a:ext uri="{28A0092B-C50C-407E-A947-70E740481C1C}">
+                <a14:useLocalDpi xmlns:a14="http://schemas.microsoft.com/office/drawing/2010/main" val="0"/>
               </a:ext>
             </a:extLst>
-          </p:cNvPr>
+          </a:blip>
+          <a:stretch>
+            <a:fillRect/>
+          </a:stretch>
+        </p:blipFill>
+        <p:spPr>
+          <a:xfrm>
+            <a:off x="228303" y="2534549"/>
+            <a:ext cx="6727156" cy="6399002"/>
+          </a:xfrm>
+          <a:prstGeom prst="rect">
+            <a:avLst/>
+          </a:prstGeom>
+        </p:spPr>
+      </p:pic>
+      <p:pic>
+        <p:nvPicPr>
+          <p:cNvPr id="7" name="Picture 6"/>
           <p:cNvPicPr>
             <a:picLocks noChangeAspect="1"/>
           </p:cNvPicPr>
@@ -7980,42 +7693,6 @@
         </p:blipFill>
         <p:spPr>
           <a:xfrm>
-            <a:off x="228303" y="2534549"/>
-            <a:ext cx="6727156" cy="6399002"/>
-          </a:xfrm>
-          <a:prstGeom prst="rect">
-            <a:avLst/>
-          </a:prstGeom>
-        </p:spPr>
-      </p:pic>
-      <p:pic>
-        <p:nvPicPr>
-          <p:cNvPr id="7" name="Picture 6">
-            <a:extLst>
-              <a:ext uri="{FF2B5EF4-FFF2-40B4-BE49-F238E27FC236}">
-                <a16:creationId xmlns:a16="http://schemas.microsoft.com/office/drawing/2014/main" id="{9342A85C-38C4-4E99-896C-36C649E3534E}"/>
-              </a:ext>
-            </a:extLst>
-          </p:cNvPr>
-          <p:cNvPicPr>
-            <a:picLocks noChangeAspect="1"/>
-          </p:cNvPicPr>
-          <p:nvPr/>
-        </p:nvPicPr>
-        <p:blipFill>
-          <a:blip r:embed="rId3">
-            <a:extLst>
-              <a:ext uri="{28A0092B-C50C-407E-A947-70E740481C1C}">
-                <a14:useLocalDpi xmlns:a14="http://schemas.microsoft.com/office/drawing/2010/main" val="0"/>
-              </a:ext>
-            </a:extLst>
-          </a:blip>
-          <a:stretch>
-            <a:fillRect/>
-          </a:stretch>
-        </p:blipFill>
-        <p:spPr>
-          <a:xfrm>
             <a:off x="7679656" y="2469251"/>
             <a:ext cx="4082564" cy="6399002"/>
           </a:xfrm>
@@ -8025,11 +7702,6 @@
         </p:spPr>
       </p:pic>
     </p:spTree>
-    <p:extLst>
-      <p:ext uri="{BB962C8B-B14F-4D97-AF65-F5344CB8AC3E}">
-        <p14:creationId xmlns:p14="http://schemas.microsoft.com/office/powerpoint/2010/main" val="1162675149"/>
-      </p:ext>
-    </p:extLst>
   </p:cSld>
   <p:clrMapOvr>
     <a:masterClrMapping/>
@@ -8057,13 +7729,7 @@
       </p:grpSpPr>
       <p:sp>
         <p:nvSpPr>
-          <p:cNvPr id="2" name="Title 1">
-            <a:extLst>
-              <a:ext uri="{FF2B5EF4-FFF2-40B4-BE49-F238E27FC236}">
-                <a16:creationId xmlns:a16="http://schemas.microsoft.com/office/drawing/2014/main" id="{FF308770-3CAC-4C98-BED8-607A10ED6A6C}"/>
-              </a:ext>
-            </a:extLst>
-          </p:cNvPr>
+          <p:cNvPr id="2" name="Title 1"/>
           <p:cNvSpPr>
             <a:spLocks noGrp="1"/>
           </p:cNvSpPr>
@@ -8086,18 +7752,13 @@
               <a:rPr lang="zh-CN" altLang="en-US" dirty="0"/>
               <a:t>为什么要从头设计全新的操作系统</a:t>
             </a:r>
-          </a:p>
-        </p:txBody>
-      </p:sp>
-      <p:sp>
-        <p:nvSpPr>
-          <p:cNvPr id="3" name="Text Placeholder 2">
-            <a:extLst>
-              <a:ext uri="{FF2B5EF4-FFF2-40B4-BE49-F238E27FC236}">
-                <a16:creationId xmlns:a16="http://schemas.microsoft.com/office/drawing/2014/main" id="{40E07231-7814-475F-8CCE-87E4C7727CB0}"/>
-              </a:ext>
-            </a:extLst>
-          </p:cNvPr>
+            <a:endParaRPr lang="zh-CN" altLang="en-US" dirty="0"/>
+          </a:p>
+        </p:txBody>
+      </p:sp>
+      <p:sp>
+        <p:nvSpPr>
+          <p:cNvPr id="3" name="Text Placeholder 2"/>
           <p:cNvSpPr>
             <a:spLocks noGrp="1"/>
           </p:cNvSpPr>
@@ -8129,7 +7790,7 @@
           <a:p>
             <a:r>
               <a:rPr lang="en-US" altLang="zh-CN" dirty="0">
-                <a:hlinkClick r:id="rId2"/>
+                <a:hlinkClick r:id="rId1"/>
               </a:rPr>
               <a:t>https://spectrum.ieee.org/aerospace/aviation/how-the-boeing-737-max-disaster-looks-to-a-software-developer</a:t>
             </a:r>
@@ -8169,15 +7830,11 @@
               <a:rPr lang="zh-CN" altLang="en-US" dirty="0"/>
               <a:t>当总体设计出现问题的时候，用再多的技巧去弥补，也只会造成最终的灾难</a:t>
             </a:r>
+            <a:endParaRPr lang="zh-CN" altLang="en-US" dirty="0"/>
           </a:p>
         </p:txBody>
       </p:sp>
     </p:spTree>
-    <p:extLst>
-      <p:ext uri="{BB962C8B-B14F-4D97-AF65-F5344CB8AC3E}">
-        <p14:creationId xmlns:p14="http://schemas.microsoft.com/office/powerpoint/2010/main" val="3896490138"/>
-      </p:ext>
-    </p:extLst>
   </p:cSld>
   <p:clrMapOvr>
     <a:masterClrMapping/>
@@ -8247,88 +7904,88 @@
           <a:bodyPr/>
           <a:lstStyle/>
           <a:p>
-            <a:pPr marL="297815" indent="-297815" defTabSz="391414">
+            <a:pPr marL="297815" indent="-297815" defTabSz="391160">
               <a:spcBef>
                 <a:spcPts val="2800"/>
               </a:spcBef>
-              <a:defRPr sz="2144"/>
+              <a:defRPr sz="2145"/>
             </a:pPr>
             <a:r>
               <a:t>Fuchsia是一个像Lego玩具一样组装起来的操作系统</a:t>
             </a:r>
           </a:p>
           <a:p>
-            <a:pPr marL="595630" lvl="1" indent="-297815" defTabSz="391414">
+            <a:pPr marL="595630" lvl="1" indent="-297815" defTabSz="391160">
               <a:spcBef>
                 <a:spcPts val="2800"/>
               </a:spcBef>
-              <a:defRPr sz="2144"/>
+              <a:defRPr sz="2145"/>
             </a:pPr>
             <a:r>
               <a:t>谷歌在设计时已经考虑了其他厂商可能会深度定制适配自己产品的操作系统，所以模块化做得比Android彻底很多</a:t>
             </a:r>
           </a:p>
           <a:p>
-            <a:pPr marL="595630" lvl="1" indent="-297815" defTabSz="391414">
+            <a:pPr marL="595630" lvl="1" indent="-297815" defTabSz="391160">
               <a:spcBef>
                 <a:spcPts val="2800"/>
               </a:spcBef>
-              <a:defRPr sz="2144"/>
+              <a:defRPr sz="2145"/>
             </a:pPr>
             <a:r>
               <a:t>厂商的深度定制可以从以下任意一层开始</a:t>
             </a:r>
           </a:p>
           <a:p>
-            <a:pPr marL="297815" indent="-297815" defTabSz="391414">
+            <a:pPr marL="297815" indent="-297815" defTabSz="391160">
               <a:spcBef>
                 <a:spcPts val="2800"/>
               </a:spcBef>
-              <a:defRPr sz="2144"/>
+              <a:defRPr sz="2145"/>
             </a:pPr>
             <a:r>
               <a:t>Zircon: 微内核，基础服务进程（设备管理器，核心设备驱动，libc, 进程间通信接口库fidl)</a:t>
             </a:r>
           </a:p>
           <a:p>
-            <a:pPr marL="297815" indent="-297815" defTabSz="391414">
+            <a:pPr marL="297815" indent="-297815" defTabSz="391160">
               <a:spcBef>
                 <a:spcPts val="2800"/>
               </a:spcBef>
-              <a:defRPr sz="2144"/>
+              <a:defRPr sz="2145"/>
             </a:pPr>
             <a:r>
               <a:t>Garnet: 设备层面的系统服务：软件安装，通信，媒体，图形，包管理，更新系统等</a:t>
             </a:r>
           </a:p>
           <a:p>
-            <a:pPr marL="297815" indent="-297815" defTabSz="391414">
+            <a:pPr marL="297815" indent="-297815" defTabSz="391160">
               <a:spcBef>
                 <a:spcPts val="2800"/>
               </a:spcBef>
-              <a:defRPr sz="2144"/>
+              <a:defRPr sz="2145"/>
             </a:pPr>
             <a:r>
               <a:t>Peridot: 用户体验的基础设施层：模块，用户，存储服务，等等</a:t>
             </a:r>
           </a:p>
           <a:p>
-            <a:pPr marL="297815" indent="-297815" defTabSz="391414">
+            <a:pPr marL="297815" indent="-297815" defTabSz="391160">
               <a:spcBef>
                 <a:spcPts val="2800"/>
               </a:spcBef>
-              <a:defRPr sz="2144"/>
+              <a:defRPr sz="2145"/>
             </a:pPr>
             <a:r>
               <a:t>Topaz: 系统的基础应用，Web, Dart, Flutter</a:t>
             </a:r>
           </a:p>
           <a:p>
-            <a:pPr marL="297815" indent="-297815" defTabSz="391414">
+            <a:pPr marL="297815" indent="-297815" defTabSz="391160">
               <a:spcBef>
                 <a:spcPts val="2800"/>
               </a:spcBef>
-              <a:defRPr sz="2144"/>
+              <a:defRPr sz="2145"/>
             </a:pPr>
             <a:r>
               <a:t>这些名字来自于Steven Universe</a:t>
@@ -8407,11 +8064,6 @@
           <a:ln w="12700">
             <a:miter lim="400000"/>
           </a:ln>
-          <a:extLst>
-            <a:ext uri="{C572A759-6A51-4108-AA02-DFA0A04FC94B}">
-              <ma14:wrappingTextBoxFlag xmlns="" xmlns:m="http://schemas.openxmlformats.org/officeDocument/2006/math" xmlns:a14="http://schemas.microsoft.com/office/drawing/2010/main" xmlns:ma14="http://schemas.microsoft.com/office/mac/drawingml/2011/main" val="1"/>
-            </a:ext>
-          </a:extLst>
         </p:spPr>
         <p:txBody>
           <a:bodyPr lIns="50800" tIns="50800" rIns="50800" bIns="50800" anchor="ctr"/>
@@ -8455,11 +8107,6 @@
           <a:ln w="12700">
             <a:miter lim="400000"/>
           </a:ln>
-          <a:extLst>
-            <a:ext uri="{C572A759-6A51-4108-AA02-DFA0A04FC94B}">
-              <ma14:wrappingTextBoxFlag xmlns="" xmlns:m="http://schemas.openxmlformats.org/officeDocument/2006/math" xmlns:a14="http://schemas.microsoft.com/office/drawing/2010/main" xmlns:ma14="http://schemas.microsoft.com/office/mac/drawingml/2011/main" val="1"/>
-            </a:ext>
-          </a:extLst>
         </p:spPr>
         <p:txBody>
           <a:bodyPr lIns="50800" tIns="50800" rIns="50800" bIns="50800" anchor="ctr"/>
@@ -8484,6 +8131,7 @@
               <a:rPr sz="1700"/>
               <a:t>设置内核页表，打开虚拟内存</a:t>
             </a:r>
+            <a:endParaRPr sz="1700"/>
           </a:p>
         </p:txBody>
       </p:sp>
@@ -8524,7 +8172,6 @@
                 <a:sym typeface="Helvetica Neue Medium"/>
               </a:defRPr>
             </a:pPr>
-            <a:endParaRPr/>
           </a:p>
         </p:txBody>
       </p:sp>
@@ -8548,11 +8195,6 @@
           <a:ln w="12700">
             <a:miter lim="400000"/>
           </a:ln>
-          <a:extLst>
-            <a:ext uri="{C572A759-6A51-4108-AA02-DFA0A04FC94B}">
-              <ma14:wrappingTextBoxFlag xmlns="" xmlns:m="http://schemas.openxmlformats.org/officeDocument/2006/math" xmlns:a14="http://schemas.microsoft.com/office/drawing/2010/main" xmlns:ma14="http://schemas.microsoft.com/office/mac/drawingml/2011/main" val="1"/>
-            </a:ext>
-          </a:extLst>
         </p:spPr>
         <p:txBody>
           <a:bodyPr lIns="50800" tIns="50800" rIns="50800" bIns="50800" anchor="ctr"/>
@@ -8577,6 +8219,7 @@
               <a:rPr sz="1600"/>
               <a:t>为当前执行轨迹初始化为线程结构</a:t>
             </a:r>
+            <a:endParaRPr sz="1600"/>
           </a:p>
         </p:txBody>
       </p:sp>
@@ -8600,11 +8243,6 @@
           <a:ln w="12700">
             <a:miter lim="400000"/>
           </a:ln>
-          <a:extLst>
-            <a:ext uri="{C572A759-6A51-4108-AA02-DFA0A04FC94B}">
-              <ma14:wrappingTextBoxFlag xmlns="" xmlns:m="http://schemas.openxmlformats.org/officeDocument/2006/math" xmlns:a14="http://schemas.microsoft.com/office/drawing/2010/main" xmlns:ma14="http://schemas.microsoft.com/office/mac/drawingml/2011/main" val="1"/>
-            </a:ext>
-          </a:extLst>
         </p:spPr>
         <p:txBody>
           <a:bodyPr lIns="50800" tIns="50800" rIns="50800" bIns="50800" anchor="ctr"/>
@@ -8665,7 +8303,6 @@
                 <a:sym typeface="Helvetica Neue Medium"/>
               </a:defRPr>
             </a:pPr>
-            <a:endParaRPr/>
           </a:p>
         </p:txBody>
       </p:sp>
@@ -8689,11 +8326,6 @@
           <a:ln w="12700">
             <a:miter lim="400000"/>
           </a:ln>
-          <a:extLst>
-            <a:ext uri="{C572A759-6A51-4108-AA02-DFA0A04FC94B}">
-              <ma14:wrappingTextBoxFlag xmlns="" xmlns:m="http://schemas.openxmlformats.org/officeDocument/2006/math" xmlns:a14="http://schemas.microsoft.com/office/drawing/2010/main" xmlns:ma14="http://schemas.microsoft.com/office/mac/drawingml/2011/main" val="1"/>
-            </a:ext>
-          </a:extLst>
         </p:spPr>
         <p:txBody>
           <a:bodyPr lIns="50800" tIns="50800" rIns="50800" bIns="50800" anchor="ctr"/>
@@ -8718,6 +8350,7 @@
               <a:rPr sz="1800"/>
               <a:t>cpu</a:t>
             </a:r>
+            <a:endParaRPr sz="1800"/>
           </a:p>
         </p:txBody>
       </p:sp>
@@ -8758,7 +8391,6 @@
                 <a:sym typeface="Helvetica Neue Medium"/>
               </a:defRPr>
             </a:pPr>
-            <a:endParaRPr/>
           </a:p>
         </p:txBody>
       </p:sp>
@@ -8782,11 +8414,6 @@
           <a:ln w="12700">
             <a:miter lim="400000"/>
           </a:ln>
-          <a:extLst>
-            <a:ext uri="{C572A759-6A51-4108-AA02-DFA0A04FC94B}">
-              <ma14:wrappingTextBoxFlag xmlns="" xmlns:m="http://schemas.openxmlformats.org/officeDocument/2006/math" xmlns:a14="http://schemas.microsoft.com/office/drawing/2010/main" xmlns:ma14="http://schemas.microsoft.com/office/mac/drawingml/2011/main" val="1"/>
-            </a:ext>
-          </a:extLst>
         </p:spPr>
         <p:txBody>
           <a:bodyPr lIns="50800" tIns="50800" rIns="50800" bIns="50800" anchor="ctr"/>
@@ -8830,11 +8457,6 @@
           <a:ln w="12700">
             <a:miter lim="400000"/>
           </a:ln>
-          <a:extLst>
-            <a:ext uri="{C572A759-6A51-4108-AA02-DFA0A04FC94B}">
-              <ma14:wrappingTextBoxFlag xmlns="" xmlns:m="http://schemas.openxmlformats.org/officeDocument/2006/math" xmlns:a14="http://schemas.microsoft.com/office/drawing/2010/main" xmlns:ma14="http://schemas.microsoft.com/office/mac/drawingml/2011/main" val="1"/>
-            </a:ext>
-          </a:extLst>
         </p:spPr>
         <p:txBody>
           <a:bodyPr lIns="50800" tIns="50800" rIns="50800" bIns="50800" anchor="ctr"/>
@@ -8859,6 +8481,7 @@
               <a:rPr sz="1300"/>
               <a:t>构造第一个用户态线程userboot,内核线程进入idle</a:t>
             </a:r>
+            <a:endParaRPr sz="1300"/>
           </a:p>
         </p:txBody>
       </p:sp>
@@ -8899,7 +8522,6 @@
                 <a:sym typeface="Helvetica Neue Medium"/>
               </a:defRPr>
             </a:pPr>
-            <a:endParaRPr/>
           </a:p>
         </p:txBody>
       </p:sp>
@@ -8940,7 +8562,6 @@
                 <a:sym typeface="Helvetica Neue Medium"/>
               </a:defRPr>
             </a:pPr>
-            <a:endParaRPr/>
           </a:p>
         </p:txBody>
       </p:sp>
@@ -8964,11 +8585,6 @@
           <a:ln w="12700">
             <a:miter lim="400000"/>
           </a:ln>
-          <a:extLst>
-            <a:ext uri="{C572A759-6A51-4108-AA02-DFA0A04FC94B}">
-              <ma14:wrappingTextBoxFlag xmlns="" xmlns:m="http://schemas.openxmlformats.org/officeDocument/2006/math" xmlns:a14="http://schemas.microsoft.com/office/drawing/2010/main" xmlns:ma14="http://schemas.microsoft.com/office/mac/drawingml/2011/main" val="1"/>
-            </a:ext>
-          </a:extLst>
         </p:spPr>
         <p:txBody>
           <a:bodyPr lIns="50800" tIns="50800" rIns="50800" bIns="50800" anchor="ctr"/>
@@ -9029,7 +8645,6 @@
                 <a:sym typeface="Helvetica Neue Medium"/>
               </a:defRPr>
             </a:pPr>
-            <a:endParaRPr/>
           </a:p>
         </p:txBody>
       </p:sp>
@@ -9050,11 +8665,6 @@
           <a:ln w="12700">
             <a:miter lim="400000"/>
           </a:ln>
-          <a:extLst>
-            <a:ext uri="{C572A759-6A51-4108-AA02-DFA0A04FC94B}">
-              <ma14:wrappingTextBoxFlag xmlns="" xmlns:m="http://schemas.openxmlformats.org/officeDocument/2006/math" xmlns:a14="http://schemas.microsoft.com/office/drawing/2010/main" xmlns:ma14="http://schemas.microsoft.com/office/mac/drawingml/2011/main" val="1"/>
-            </a:ext>
-          </a:extLst>
         </p:spPr>
         <p:txBody>
           <a:bodyPr wrap="none" lIns="50800" tIns="50800" rIns="50800" bIns="50800" anchor="ctr">
@@ -9088,11 +8698,6 @@
           <a:ln w="12700">
             <a:miter lim="400000"/>
           </a:ln>
-          <a:extLst>
-            <a:ext uri="{C572A759-6A51-4108-AA02-DFA0A04FC94B}">
-              <ma14:wrappingTextBoxFlag xmlns="" xmlns:m="http://schemas.openxmlformats.org/officeDocument/2006/math" xmlns:a14="http://schemas.microsoft.com/office/drawing/2010/main" xmlns:ma14="http://schemas.microsoft.com/office/mac/drawingml/2011/main" val="1"/>
-            </a:ext>
-          </a:extLst>
         </p:spPr>
         <p:txBody>
           <a:bodyPr lIns="50800" tIns="50800" rIns="50800" bIns="50800" anchor="ctr"/>
@@ -9200,7 +8805,6 @@
                 <a:sym typeface="Helvetica Neue Medium"/>
               </a:defRPr>
             </a:pPr>
-            <a:endParaRPr/>
           </a:p>
         </p:txBody>
       </p:sp>
@@ -9266,7 +8870,6 @@
                 <a:sym typeface="Helvetica Neue Medium"/>
               </a:defRPr>
             </a:pPr>
-            <a:endParaRPr/>
           </a:p>
         </p:txBody>
       </p:sp>
@@ -9287,11 +8890,6 @@
           <a:ln w="12700">
             <a:miter lim="400000"/>
           </a:ln>
-          <a:extLst>
-            <a:ext uri="{C572A759-6A51-4108-AA02-DFA0A04FC94B}">
-              <ma14:wrappingTextBoxFlag xmlns="" xmlns:m="http://schemas.openxmlformats.org/officeDocument/2006/math" xmlns:a14="http://schemas.microsoft.com/office/drawing/2010/main" xmlns:ma14="http://schemas.microsoft.com/office/mac/drawingml/2011/main" val="1"/>
-            </a:ext>
-          </a:extLst>
         </p:spPr>
         <p:txBody>
           <a:bodyPr wrap="none" lIns="50800" tIns="50800" rIns="50800" bIns="50800" anchor="ctr">
@@ -9341,7 +8939,6 @@
                 <a:sym typeface="Helvetica Neue Medium"/>
               </a:defRPr>
             </a:pPr>
-            <a:endParaRPr/>
           </a:p>
         </p:txBody>
       </p:sp>
@@ -9382,7 +8979,6 @@
                 <a:sym typeface="Helvetica Neue Medium"/>
               </a:defRPr>
             </a:pPr>
-            <a:endParaRPr/>
           </a:p>
         </p:txBody>
       </p:sp>
@@ -9403,11 +8999,6 @@
           <a:ln w="12700">
             <a:miter lim="400000"/>
           </a:ln>
-          <a:extLst>
-            <a:ext uri="{C572A759-6A51-4108-AA02-DFA0A04FC94B}">
-              <ma14:wrappingTextBoxFlag xmlns="" xmlns:m="http://schemas.openxmlformats.org/officeDocument/2006/math" xmlns:a14="http://schemas.microsoft.com/office/drawing/2010/main" xmlns:ma14="http://schemas.microsoft.com/office/mac/drawingml/2011/main" val="1"/>
-            </a:ext>
-          </a:extLst>
         </p:spPr>
         <p:txBody>
           <a:bodyPr wrap="none" lIns="50800" tIns="50800" rIns="50800" bIns="50800" anchor="ctr">
@@ -9448,11 +9039,6 @@
           <a:ln w="12700">
             <a:miter lim="400000"/>
           </a:ln>
-          <a:extLst>
-            <a:ext uri="{C572A759-6A51-4108-AA02-DFA0A04FC94B}">
-              <ma14:wrappingTextBoxFlag xmlns="" xmlns:m="http://schemas.openxmlformats.org/officeDocument/2006/math" xmlns:a14="http://schemas.microsoft.com/office/drawing/2010/main" xmlns:ma14="http://schemas.microsoft.com/office/mac/drawingml/2011/main" val="1"/>
-            </a:ext>
-          </a:extLst>
         </p:spPr>
         <p:txBody>
           <a:bodyPr wrap="none" lIns="50800" tIns="50800" rIns="50800" bIns="50800" anchor="ctr">
@@ -9502,7 +9088,6 @@
                 <a:sym typeface="Helvetica Neue Medium"/>
               </a:defRPr>
             </a:pPr>
-            <a:endParaRPr/>
           </a:p>
         </p:txBody>
       </p:sp>
@@ -9523,11 +9108,6 @@
           <a:ln w="12700">
             <a:miter lim="400000"/>
           </a:ln>
-          <a:extLst>
-            <a:ext uri="{C572A759-6A51-4108-AA02-DFA0A04FC94B}">
-              <ma14:wrappingTextBoxFlag xmlns="" xmlns:m="http://schemas.openxmlformats.org/officeDocument/2006/math" xmlns:a14="http://schemas.microsoft.com/office/drawing/2010/main" xmlns:ma14="http://schemas.microsoft.com/office/mac/drawingml/2011/main" val="1"/>
-            </a:ext>
-          </a:extLst>
         </p:spPr>
         <p:txBody>
           <a:bodyPr wrap="none" lIns="50800" tIns="50800" rIns="50800" bIns="50800" anchor="ctr">
@@ -9578,7 +9158,6 @@
                 <a:sym typeface="Helvetica Neue Medium"/>
               </a:defRPr>
             </a:pPr>
-            <a:endParaRPr/>
           </a:p>
         </p:txBody>
       </p:sp>
@@ -9618,7 +9197,6 @@
                 <a:sym typeface="Helvetica Neue Medium"/>
               </a:defRPr>
             </a:pPr>
-            <a:endParaRPr/>
           </a:p>
         </p:txBody>
       </p:sp>
@@ -9658,7 +9236,6 @@
                 <a:sym typeface="Helvetica Neue Medium"/>
               </a:defRPr>
             </a:pPr>
-            <a:endParaRPr/>
           </a:p>
         </p:txBody>
       </p:sp>
@@ -9679,11 +9256,6 @@
           <a:ln w="12700">
             <a:miter lim="400000"/>
           </a:ln>
-          <a:extLst>
-            <a:ext uri="{C572A759-6A51-4108-AA02-DFA0A04FC94B}">
-              <ma14:wrappingTextBoxFlag xmlns="" xmlns:m="http://schemas.openxmlformats.org/officeDocument/2006/math" xmlns:a14="http://schemas.microsoft.com/office/drawing/2010/main" xmlns:ma14="http://schemas.microsoft.com/office/mac/drawingml/2011/main" val="1"/>
-            </a:ext>
-          </a:extLst>
         </p:spPr>
         <p:txBody>
           <a:bodyPr wrap="none" lIns="50800" tIns="50800" rIns="50800" bIns="50800" anchor="ctr">
@@ -9714,11 +9286,6 @@
           <a:ln w="12700">
             <a:miter lim="400000"/>
           </a:ln>
-          <a:extLst>
-            <a:ext uri="{C572A759-6A51-4108-AA02-DFA0A04FC94B}">
-              <ma14:wrappingTextBoxFlag xmlns="" xmlns:m="http://schemas.openxmlformats.org/officeDocument/2006/math" xmlns:a14="http://schemas.microsoft.com/office/drawing/2010/main" xmlns:ma14="http://schemas.microsoft.com/office/mac/drawingml/2011/main" val="1"/>
-            </a:ext>
-          </a:extLst>
         </p:spPr>
         <p:txBody>
           <a:bodyPr wrap="none" lIns="50800" tIns="50800" rIns="50800" bIns="50800" anchor="ctr">
@@ -9769,7 +9336,6 @@
                 <a:sym typeface="Helvetica Neue Medium"/>
               </a:defRPr>
             </a:pPr>
-            <a:endParaRPr/>
           </a:p>
         </p:txBody>
       </p:sp>
@@ -9810,7 +9376,6 @@
                 <a:sym typeface="Helvetica Neue Medium"/>
               </a:defRPr>
             </a:pPr>
-            <a:endParaRPr/>
           </a:p>
         </p:txBody>
       </p:sp>
@@ -9850,7 +9415,6 @@
                 <a:sym typeface="Helvetica Neue Medium"/>
               </a:defRPr>
             </a:pPr>
-            <a:endParaRPr/>
           </a:p>
         </p:txBody>
       </p:sp>
@@ -9890,7 +9454,6 @@
                 <a:sym typeface="Helvetica Neue Medium"/>
               </a:defRPr>
             </a:pPr>
-            <a:endParaRPr/>
           </a:p>
         </p:txBody>
       </p:sp>
@@ -9911,11 +9474,6 @@
           <a:ln w="12700">
             <a:miter lim="400000"/>
           </a:ln>
-          <a:extLst>
-            <a:ext uri="{C572A759-6A51-4108-AA02-DFA0A04FC94B}">
-              <ma14:wrappingTextBoxFlag xmlns="" xmlns:m="http://schemas.openxmlformats.org/officeDocument/2006/math" xmlns:a14="http://schemas.microsoft.com/office/drawing/2010/main" xmlns:ma14="http://schemas.microsoft.com/office/mac/drawingml/2011/main" val="1"/>
-            </a:ext>
-          </a:extLst>
         </p:spPr>
         <p:txBody>
           <a:bodyPr wrap="none" lIns="50800" tIns="50800" rIns="50800" bIns="50800" anchor="ctr">
@@ -9946,11 +9504,6 @@
           <a:ln w="12700">
             <a:miter lim="400000"/>
           </a:ln>
-          <a:extLst>
-            <a:ext uri="{C572A759-6A51-4108-AA02-DFA0A04FC94B}">
-              <ma14:wrappingTextBoxFlag xmlns="" xmlns:m="http://schemas.openxmlformats.org/officeDocument/2006/math" xmlns:a14="http://schemas.microsoft.com/office/drawing/2010/main" xmlns:ma14="http://schemas.microsoft.com/office/mac/drawingml/2011/main" val="1"/>
-            </a:ext>
-          </a:extLst>
         </p:spPr>
         <p:txBody>
           <a:bodyPr wrap="none" lIns="50800" tIns="50800" rIns="50800" bIns="50800" anchor="ctr">
@@ -10001,7 +9554,6 @@
                 <a:sym typeface="Helvetica Neue Medium"/>
               </a:defRPr>
             </a:pPr>
-            <a:endParaRPr/>
           </a:p>
         </p:txBody>
       </p:sp>
@@ -10042,7 +9594,6 @@
                 <a:sym typeface="Helvetica Neue Medium"/>
               </a:defRPr>
             </a:pPr>
-            <a:endParaRPr/>
           </a:p>
         </p:txBody>
       </p:sp>
@@ -10063,11 +9614,6 @@
           <a:ln w="12700">
             <a:miter lim="400000"/>
           </a:ln>
-          <a:extLst>
-            <a:ext uri="{C572A759-6A51-4108-AA02-DFA0A04FC94B}">
-              <ma14:wrappingTextBoxFlag xmlns="" xmlns:m="http://schemas.openxmlformats.org/officeDocument/2006/math" xmlns:a14="http://schemas.microsoft.com/office/drawing/2010/main" xmlns:ma14="http://schemas.microsoft.com/office/mac/drawingml/2011/main" val="1"/>
-            </a:ext>
-          </a:extLst>
         </p:spPr>
         <p:txBody>
           <a:bodyPr wrap="none" lIns="50800" tIns="50800" rIns="50800" bIns="50800" anchor="ctr">
@@ -10118,7 +9664,6 @@
                 <a:sym typeface="Helvetica Neue Medium"/>
               </a:defRPr>
             </a:pPr>
-            <a:endParaRPr/>
           </a:p>
         </p:txBody>
       </p:sp>
@@ -10158,7 +9703,6 @@
                 <a:sym typeface="Helvetica Neue Medium"/>
               </a:defRPr>
             </a:pPr>
-            <a:endParaRPr/>
           </a:p>
         </p:txBody>
       </p:sp>
@@ -10198,7 +9742,6 @@
                 <a:sym typeface="Helvetica Neue Medium"/>
               </a:defRPr>
             </a:pPr>
-            <a:endParaRPr/>
           </a:p>
         </p:txBody>
       </p:sp>
@@ -10219,11 +9762,6 @@
           <a:ln w="12700">
             <a:miter lim="400000"/>
           </a:ln>
-          <a:extLst>
-            <a:ext uri="{C572A759-6A51-4108-AA02-DFA0A04FC94B}">
-              <ma14:wrappingTextBoxFlag xmlns="" xmlns:m="http://schemas.openxmlformats.org/officeDocument/2006/math" xmlns:a14="http://schemas.microsoft.com/office/drawing/2010/main" xmlns:ma14="http://schemas.microsoft.com/office/mac/drawingml/2011/main" val="1"/>
-            </a:ext>
-          </a:extLst>
         </p:spPr>
         <p:txBody>
           <a:bodyPr wrap="none" lIns="50800" tIns="50800" rIns="50800" bIns="50800" anchor="ctr">
@@ -10274,7 +9812,6 @@
                 <a:sym typeface="Helvetica Neue Medium"/>
               </a:defRPr>
             </a:pPr>
-            <a:endParaRPr/>
           </a:p>
         </p:txBody>
       </p:sp>
@@ -10295,11 +9832,6 @@
           <a:ln w="12700">
             <a:miter lim="400000"/>
           </a:ln>
-          <a:extLst>
-            <a:ext uri="{C572A759-6A51-4108-AA02-DFA0A04FC94B}">
-              <ma14:wrappingTextBoxFlag xmlns="" xmlns:m="http://schemas.openxmlformats.org/officeDocument/2006/math" xmlns:a14="http://schemas.microsoft.com/office/drawing/2010/main" xmlns:ma14="http://schemas.microsoft.com/office/mac/drawingml/2011/main" val="1"/>
-            </a:ext>
-          </a:extLst>
         </p:spPr>
         <p:txBody>
           <a:bodyPr wrap="none" lIns="50800" tIns="50800" rIns="50800" bIns="50800" anchor="ctr">
@@ -10349,7 +9881,6 @@
                 <a:sym typeface="Helvetica Neue Medium"/>
               </a:defRPr>
             </a:pPr>
-            <a:endParaRPr/>
           </a:p>
         </p:txBody>
       </p:sp>
@@ -10390,7 +9921,6 @@
                 <a:sym typeface="Helvetica Neue Medium"/>
               </a:defRPr>
             </a:pPr>
-            <a:endParaRPr/>
           </a:p>
         </p:txBody>
       </p:sp>
@@ -10411,11 +9941,6 @@
           <a:ln w="12700">
             <a:miter lim="400000"/>
           </a:ln>
-          <a:extLst>
-            <a:ext uri="{C572A759-6A51-4108-AA02-DFA0A04FC94B}">
-              <ma14:wrappingTextBoxFlag xmlns="" xmlns:m="http://schemas.openxmlformats.org/officeDocument/2006/math" xmlns:a14="http://schemas.microsoft.com/office/drawing/2010/main" xmlns:ma14="http://schemas.microsoft.com/office/mac/drawingml/2011/main" val="1"/>
-            </a:ext>
-          </a:extLst>
         </p:spPr>
         <p:txBody>
           <a:bodyPr wrap="none" lIns="50800" tIns="50800" rIns="50800" bIns="50800" anchor="ctr">
@@ -10466,7 +9991,6 @@
                 <a:sym typeface="Helvetica Neue Medium"/>
               </a:defRPr>
             </a:pPr>
-            <a:endParaRPr/>
           </a:p>
         </p:txBody>
       </p:sp>
@@ -10487,11 +10011,6 @@
           <a:ln w="12700">
             <a:miter lim="400000"/>
           </a:ln>
-          <a:extLst>
-            <a:ext uri="{C572A759-6A51-4108-AA02-DFA0A04FC94B}">
-              <ma14:wrappingTextBoxFlag xmlns="" xmlns:m="http://schemas.openxmlformats.org/officeDocument/2006/math" xmlns:a14="http://schemas.microsoft.com/office/drawing/2010/main" xmlns:ma14="http://schemas.microsoft.com/office/mac/drawingml/2011/main" val="1"/>
-            </a:ext>
-          </a:extLst>
         </p:spPr>
         <p:txBody>
           <a:bodyPr wrap="none" lIns="50800" tIns="50800" rIns="50800" bIns="50800" anchor="ctr">
@@ -10541,7 +10060,6 @@
                 <a:sym typeface="Helvetica Neue Medium"/>
               </a:defRPr>
             </a:pPr>
-            <a:endParaRPr/>
           </a:p>
         </p:txBody>
       </p:sp>
@@ -10582,7 +10100,6 @@
                 <a:sym typeface="Helvetica Neue Medium"/>
               </a:defRPr>
             </a:pPr>
-            <a:endParaRPr/>
           </a:p>
         </p:txBody>
       </p:sp>
@@ -10622,7 +10139,6 @@
                 <a:sym typeface="Helvetica Neue Medium"/>
               </a:defRPr>
             </a:pPr>
-            <a:endParaRPr/>
           </a:p>
         </p:txBody>
       </p:sp>
@@ -10643,11 +10159,6 @@
           <a:ln w="12700">
             <a:miter lim="400000"/>
           </a:ln>
-          <a:extLst>
-            <a:ext uri="{C572A759-6A51-4108-AA02-DFA0A04FC94B}">
-              <ma14:wrappingTextBoxFlag xmlns="" xmlns:m="http://schemas.openxmlformats.org/officeDocument/2006/math" xmlns:a14="http://schemas.microsoft.com/office/drawing/2010/main" xmlns:ma14="http://schemas.microsoft.com/office/mac/drawingml/2011/main" val="1"/>
-            </a:ext>
-          </a:extLst>
         </p:spPr>
         <p:txBody>
           <a:bodyPr wrap="none" lIns="50800" tIns="50800" rIns="50800" bIns="50800" anchor="ctr">
@@ -10698,7 +10209,6 @@
                 <a:sym typeface="Helvetica Neue Medium"/>
               </a:defRPr>
             </a:pPr>
-            <a:endParaRPr/>
           </a:p>
         </p:txBody>
       </p:sp>
@@ -10738,7 +10248,6 @@
                 <a:sym typeface="Helvetica Neue Medium"/>
               </a:defRPr>
             </a:pPr>
-            <a:endParaRPr/>
           </a:p>
         </p:txBody>
       </p:sp>
@@ -10759,11 +10268,6 @@
           <a:ln w="12700">
             <a:miter lim="400000"/>
           </a:ln>
-          <a:extLst>
-            <a:ext uri="{C572A759-6A51-4108-AA02-DFA0A04FC94B}">
-              <ma14:wrappingTextBoxFlag xmlns="" xmlns:m="http://schemas.openxmlformats.org/officeDocument/2006/math" xmlns:a14="http://schemas.microsoft.com/office/drawing/2010/main" xmlns:ma14="http://schemas.microsoft.com/office/mac/drawingml/2011/main" val="1"/>
-            </a:ext>
-          </a:extLst>
         </p:spPr>
         <p:txBody>
           <a:bodyPr wrap="none" lIns="50800" tIns="50800" rIns="50800" bIns="50800" anchor="ctr">
@@ -10814,7 +10318,6 @@
                 <a:sym typeface="Helvetica Neue Medium"/>
               </a:defRPr>
             </a:pPr>
-            <a:endParaRPr/>
           </a:p>
         </p:txBody>
       </p:sp>
@@ -10835,11 +10338,6 @@
           <a:ln w="12700">
             <a:miter lim="400000"/>
           </a:ln>
-          <a:extLst>
-            <a:ext uri="{C572A759-6A51-4108-AA02-DFA0A04FC94B}">
-              <ma14:wrappingTextBoxFlag xmlns="" xmlns:m="http://schemas.openxmlformats.org/officeDocument/2006/math" xmlns:a14="http://schemas.microsoft.com/office/drawing/2010/main" xmlns:ma14="http://schemas.microsoft.com/office/mac/drawingml/2011/main" val="1"/>
-            </a:ext>
-          </a:extLst>
         </p:spPr>
         <p:txBody>
           <a:bodyPr wrap="none" lIns="50800" tIns="50800" rIns="50800" bIns="50800" anchor="ctr">
@@ -10890,7 +10388,6 @@
                 <a:sym typeface="Helvetica Neue Medium"/>
               </a:defRPr>
             </a:pPr>
-            <a:endParaRPr/>
           </a:p>
         </p:txBody>
       </p:sp>
@@ -10911,11 +10408,6 @@
           <a:ln w="12700">
             <a:miter lim="400000"/>
           </a:ln>
-          <a:extLst>
-            <a:ext uri="{C572A759-6A51-4108-AA02-DFA0A04FC94B}">
-              <ma14:wrappingTextBoxFlag xmlns="" xmlns:m="http://schemas.openxmlformats.org/officeDocument/2006/math" xmlns:a14="http://schemas.microsoft.com/office/drawing/2010/main" xmlns:ma14="http://schemas.microsoft.com/office/mac/drawingml/2011/main" val="1"/>
-            </a:ext>
-          </a:extLst>
         </p:spPr>
         <p:txBody>
           <a:bodyPr wrap="none" lIns="50800" tIns="50800" rIns="50800" bIns="50800" anchor="ctr">
@@ -10971,7 +10463,6 @@
                 <a:sym typeface="Helvetica Neue Medium"/>
               </a:defRPr>
             </a:pPr>
-            <a:endParaRPr/>
           </a:p>
         </p:txBody>
       </p:sp>
@@ -11011,7 +10502,6 @@
                 <a:sym typeface="Helvetica Neue Medium"/>
               </a:defRPr>
             </a:pPr>
-            <a:endParaRPr/>
           </a:p>
         </p:txBody>
       </p:sp>
@@ -11032,11 +10522,6 @@
           <a:ln w="12700">
             <a:miter lim="400000"/>
           </a:ln>
-          <a:extLst>
-            <a:ext uri="{C572A759-6A51-4108-AA02-DFA0A04FC94B}">
-              <ma14:wrappingTextBoxFlag xmlns="" xmlns:m="http://schemas.openxmlformats.org/officeDocument/2006/math" xmlns:a14="http://schemas.microsoft.com/office/drawing/2010/main" xmlns:ma14="http://schemas.microsoft.com/office/mac/drawingml/2011/main" val="1"/>
-            </a:ext>
-          </a:extLst>
         </p:spPr>
         <p:txBody>
           <a:bodyPr wrap="none" lIns="50800" tIns="50800" rIns="50800" bIns="50800" anchor="ctr">
@@ -11087,7 +10572,6 @@
                 <a:sym typeface="Helvetica Neue Medium"/>
               </a:defRPr>
             </a:pPr>
-            <a:endParaRPr/>
           </a:p>
         </p:txBody>
       </p:sp>
@@ -11108,11 +10592,6 @@
           <a:ln w="12700">
             <a:miter lim="400000"/>
           </a:ln>
-          <a:extLst>
-            <a:ext uri="{C572A759-6A51-4108-AA02-DFA0A04FC94B}">
-              <ma14:wrappingTextBoxFlag xmlns="" xmlns:m="http://schemas.openxmlformats.org/officeDocument/2006/math" xmlns:a14="http://schemas.microsoft.com/office/drawing/2010/main" xmlns:ma14="http://schemas.microsoft.com/office/mac/drawingml/2011/main" val="1"/>
-            </a:ext>
-          </a:extLst>
         </p:spPr>
         <p:txBody>
           <a:bodyPr wrap="none" lIns="50800" tIns="50800" rIns="50800" bIns="50800" anchor="ctr">
@@ -11163,7 +10642,6 @@
                 <a:sym typeface="Helvetica Neue Medium"/>
               </a:defRPr>
             </a:pPr>
-            <a:endParaRPr/>
           </a:p>
         </p:txBody>
       </p:sp>
@@ -11184,11 +10662,6 @@
           <a:ln w="12700">
             <a:miter lim="400000"/>
           </a:ln>
-          <a:extLst>
-            <a:ext uri="{C572A759-6A51-4108-AA02-DFA0A04FC94B}">
-              <ma14:wrappingTextBoxFlag xmlns="" xmlns:m="http://schemas.openxmlformats.org/officeDocument/2006/math" xmlns:a14="http://schemas.microsoft.com/office/drawing/2010/main" xmlns:ma14="http://schemas.microsoft.com/office/mac/drawingml/2011/main" val="1"/>
-            </a:ext>
-          </a:extLst>
         </p:spPr>
         <p:txBody>
           <a:bodyPr wrap="none" lIns="50800" tIns="50800" rIns="50800" bIns="50800" anchor="ctr">
@@ -11219,11 +10692,6 @@
           <a:ln w="12700">
             <a:miter lim="400000"/>
           </a:ln>
-          <a:extLst>
-            <a:ext uri="{C572A759-6A51-4108-AA02-DFA0A04FC94B}">
-              <ma14:wrappingTextBoxFlag xmlns="" xmlns:m="http://schemas.openxmlformats.org/officeDocument/2006/math" xmlns:a14="http://schemas.microsoft.com/office/drawing/2010/main" xmlns:ma14="http://schemas.microsoft.com/office/mac/drawingml/2011/main" val="1"/>
-            </a:ext>
-          </a:extLst>
         </p:spPr>
         <p:txBody>
           <a:bodyPr wrap="none" lIns="50800" tIns="50800" rIns="50800" bIns="50800" anchor="ctr">
@@ -11273,7 +10741,6 @@
                 <a:sym typeface="Helvetica Neue Medium"/>
               </a:defRPr>
             </a:pPr>
-            <a:endParaRPr/>
           </a:p>
         </p:txBody>
       </p:sp>
@@ -11321,7 +10788,7 @@
         <p:txBody>
           <a:bodyPr/>
           <a:lstStyle>
-            <a:lvl1pPr defTabSz="572516">
+            <a:lvl1pPr defTabSz="572770">
               <a:defRPr sz="7840"/>
             </a:lvl1pPr>
           </a:lstStyle>
@@ -11532,7 +10999,7 @@
         <p:txBody>
           <a:bodyPr/>
           <a:lstStyle>
-            <a:lvl1pPr defTabSz="484886">
+            <a:lvl1pPr defTabSz="485140">
               <a:defRPr sz="6640"/>
             </a:lvl1pPr>
           </a:lstStyle>
@@ -12005,7 +11472,7 @@
         <p:txBody>
           <a:bodyPr/>
           <a:lstStyle>
-            <a:lvl1pPr defTabSz="414781">
+            <a:lvl1pPr defTabSz="414655">
               <a:defRPr sz="5680"/>
             </a:lvl1pPr>
           </a:lstStyle>
@@ -12131,84 +11598,87 @@
           <a:bodyPr/>
           <a:lstStyle/>
           <a:p>
-            <a:pPr marL="391159" indent="-391159" defTabSz="514095">
+            <a:pPr marL="391160" indent="-391160" defTabSz="514350">
               <a:spcBef>
                 <a:spcPts val="3600"/>
               </a:spcBef>
-              <a:defRPr sz="2816"/>
+              <a:defRPr sz="2815"/>
             </a:pPr>
             <a:r>
               <a:t>Arm Trusted Firmware:</a:t>
             </a:r>
           </a:p>
           <a:p>
-            <a:pPr marL="782319" lvl="1" indent="-391159" defTabSz="514095">
+            <a:pPr marL="782320" lvl="1" indent="-391160" defTabSz="514350">
               <a:spcBef>
                 <a:spcPts val="3600"/>
               </a:spcBef>
-              <a:defRPr sz="2816"/>
+              <a:defRPr sz="2815"/>
             </a:pPr>
             <a:r>
               <a:t>BL1 in ROM</a:t>
             </a:r>
           </a:p>
           <a:p>
-            <a:pPr marL="782319" lvl="1" indent="-391159" defTabSz="514095">
+            <a:pPr marL="782320" lvl="1" indent="-391160" defTabSz="514350">
               <a:spcBef>
                 <a:spcPts val="3600"/>
               </a:spcBef>
-              <a:defRPr sz="2816"/>
+              <a:defRPr sz="2815"/>
             </a:pPr>
             <a:r>
               <a:t>Custom u-boot: BL2 + BL30 +BL31 + BL32 + u-boot(BL33)</a:t>
             </a:r>
           </a:p>
           <a:p>
-            <a:pPr marL="1173480" lvl="2" indent="-391159" defTabSz="514095">
+            <a:pPr marL="1173480" lvl="2" indent="-391160" defTabSz="514350">
               <a:spcBef>
                 <a:spcPts val="3600"/>
               </a:spcBef>
-              <a:defRPr sz="2816"/>
+              <a:defRPr sz="2815"/>
             </a:pPr>
             <a:r>
               <a:t>其中bl2,bl30,bl31,bl32都是amlogic提供的binary</a:t>
             </a:r>
           </a:p>
           <a:p>
-            <a:pPr marL="782319" lvl="1" indent="-391159" defTabSz="514095">
+            <a:pPr marL="782320" lvl="1" indent="-391160" defTabSz="514350">
               <a:spcBef>
                 <a:spcPts val="3600"/>
               </a:spcBef>
-              <a:defRPr sz="2816"/>
+              <a:defRPr sz="2815"/>
             </a:pPr>
             <a:r>
               <a:t>bl33从emmc offset 0x50200处开始，加载到内存16MB处执行。</a:t>
             </a:r>
           </a:p>
           <a:p>
-            <a:pPr marL="782319" lvl="1" indent="-391159" defTabSz="514095">
+            <a:pPr marL="782320" lvl="1" indent="-391160" defTabSz="514350">
               <a:spcBef>
                 <a:spcPts val="3600"/>
               </a:spcBef>
-              <a:defRPr sz="2816"/>
+              <a:defRPr sz="2815"/>
             </a:pPr>
             <a:r>
               <a:t>使用fastboot协议可以用usb-c将zircon kernel写入boot分区</a:t>
             </a:r>
           </a:p>
           <a:p>
-            <a:pPr marL="782319" lvl="1" indent="-391159" defTabSz="514095">
+            <a:pPr marL="782320" lvl="1" indent="-391160" defTabSz="514350">
               <a:spcBef>
                 <a:spcPts val="3600"/>
               </a:spcBef>
-              <a:defRPr sz="2816"/>
+              <a:defRPr sz="2815"/>
             </a:pPr>
             <a:r>
               <a:rPr u="sng">
-                <a:hlinkClick r:id="rId2"/>
+                <a:hlinkClick r:id="rId1"/>
               </a:rPr>
               <a:t>https://github.com/mikevoydanoff/u-boot</a:t>
             </a:r>
+            <a:endParaRPr u="sng">
+              <a:hlinkClick r:id="rId1"/>
+            </a:endParaRPr>
           </a:p>
         </p:txBody>
       </p:sp>
@@ -12256,7 +11726,7 @@
         <p:txBody>
           <a:bodyPr/>
           <a:lstStyle>
-            <a:lvl1pPr defTabSz="572516">
+            <a:lvl1pPr defTabSz="572770">
               <a:defRPr sz="7840"/>
             </a:lvl1pPr>
           </a:lstStyle>
@@ -12286,132 +11756,132 @@
           <a:bodyPr/>
           <a:lstStyle/>
           <a:p>
-            <a:pPr marL="213359" indent="-213359" defTabSz="280415">
+            <a:pPr marL="213360" indent="-213360" defTabSz="280670">
               <a:spcBef>
                 <a:spcPts val="2000"/>
               </a:spcBef>
-              <a:defRPr sz="1536"/>
+              <a:defRPr sz="1535"/>
             </a:pPr>
             <a:r>
               <a:t>系统软件与应用软件不同</a:t>
             </a:r>
           </a:p>
           <a:p>
-            <a:pPr marL="426719" lvl="1" indent="-213359" defTabSz="280415">
+            <a:pPr marL="426720" lvl="1" indent="-213360" defTabSz="280670">
               <a:spcBef>
                 <a:spcPts val="2000"/>
               </a:spcBef>
-              <a:defRPr sz="1536"/>
+              <a:defRPr sz="1535"/>
             </a:pPr>
             <a:r>
               <a:t>有大量的缄默知识，长期积累的know-how</a:t>
             </a:r>
           </a:p>
           <a:p>
-            <a:pPr marL="426719" lvl="1" indent="-213359" defTabSz="280415">
+            <a:pPr marL="426720" lvl="1" indent="-213360" defTabSz="280670">
               <a:spcBef>
                 <a:spcPts val="2000"/>
               </a:spcBef>
-              <a:defRPr sz="1536"/>
+              <a:defRPr sz="1535"/>
             </a:pPr>
             <a:r>
               <a:t>工具链：gcc, ld, as, clang, ELF, </a:t>
             </a:r>
           </a:p>
           <a:p>
-            <a:pPr marL="426719" lvl="1" indent="-213359" defTabSz="280415">
+            <a:pPr marL="426720" lvl="1" indent="-213360" defTabSz="280670">
               <a:spcBef>
                 <a:spcPts val="2000"/>
               </a:spcBef>
-              <a:defRPr sz="1536"/>
+              <a:defRPr sz="1535"/>
             </a:pPr>
             <a:r>
               <a:t>微处理器：X86, ARM, </a:t>
             </a:r>
           </a:p>
           <a:p>
-            <a:pPr marL="426719" lvl="1" indent="-213359" defTabSz="280415">
+            <a:pPr marL="426720" lvl="1" indent="-213360" defTabSz="280670">
               <a:spcBef>
                 <a:spcPts val="2000"/>
               </a:spcBef>
-              <a:defRPr sz="1536"/>
+              <a:defRPr sz="1535"/>
             </a:pPr>
             <a:r>
               <a:t>周边设备：UEFI, ACPI, APIC, PCIE, USB, SATA, AHCI, GPU …</a:t>
             </a:r>
           </a:p>
           <a:p>
-            <a:pPr marL="426719" lvl="1" indent="-213359" defTabSz="280415">
+            <a:pPr marL="426720" lvl="1" indent="-213360" defTabSz="280670">
               <a:spcBef>
                 <a:spcPts val="2000"/>
               </a:spcBef>
-              <a:defRPr sz="1536"/>
+              <a:defRPr sz="1535"/>
             </a:pPr>
             <a:r>
               <a:t>知识存在于代码中，没有系统化的know-how文档，硬件标准文档一般都是1000+页</a:t>
             </a:r>
           </a:p>
           <a:p>
-            <a:pPr marL="426719" lvl="1" indent="-213359" defTabSz="280415">
+            <a:pPr marL="426720" lvl="1" indent="-213360" defTabSz="280670">
               <a:spcBef>
                 <a:spcPts val="2000"/>
               </a:spcBef>
-              <a:defRPr sz="1536"/>
+              <a:defRPr sz="1535"/>
             </a:pPr>
             <a:r>
               <a:t>写玩具系统容易，产品级的设计非常困难：支持海量的设备，应用，负载</a:t>
             </a:r>
           </a:p>
           <a:p>
-            <a:pPr marL="213359" indent="-213359" defTabSz="280415">
+            <a:pPr marL="213360" indent="-213360" defTabSz="280670">
               <a:spcBef>
                 <a:spcPts val="2000"/>
               </a:spcBef>
-              <a:defRPr sz="1536"/>
+              <a:defRPr sz="1535"/>
             </a:pPr>
             <a:r>
               <a:t>要经过以下四个阶段</a:t>
             </a:r>
           </a:p>
           <a:p>
-            <a:pPr marL="426719" lvl="1" indent="-213359" defTabSz="280415">
+            <a:pPr marL="426720" lvl="1" indent="-213360" defTabSz="280670">
               <a:spcBef>
                 <a:spcPts val="2000"/>
               </a:spcBef>
-              <a:defRPr sz="1536"/>
+              <a:defRPr sz="1535"/>
             </a:pPr>
             <a:r>
               <a:t>模仿</a:t>
             </a:r>
           </a:p>
           <a:p>
-            <a:pPr marL="426719" lvl="1" indent="-213359" defTabSz="280415">
+            <a:pPr marL="426720" lvl="1" indent="-213360" defTabSz="280670">
               <a:spcBef>
                 <a:spcPts val="2000"/>
               </a:spcBef>
-              <a:defRPr sz="1536"/>
+              <a:defRPr sz="1535"/>
             </a:pPr>
             <a:r>
               <a:t>理解</a:t>
             </a:r>
           </a:p>
           <a:p>
-            <a:pPr marL="426719" lvl="1" indent="-213359" defTabSz="280415">
+            <a:pPr marL="426720" lvl="1" indent="-213360" defTabSz="280670">
               <a:spcBef>
                 <a:spcPts val="2000"/>
               </a:spcBef>
-              <a:defRPr sz="1536"/>
+              <a:defRPr sz="1535"/>
             </a:pPr>
             <a:r>
               <a:t>掌握</a:t>
             </a:r>
           </a:p>
           <a:p>
-            <a:pPr marL="426719" lvl="1" indent="-213359" defTabSz="280415">
+            <a:pPr marL="426720" lvl="1" indent="-213360" defTabSz="280670">
               <a:spcBef>
                 <a:spcPts val="2000"/>
               </a:spcBef>
-              <a:defRPr sz="1536"/>
+              <a:defRPr sz="1535"/>
             </a:pPr>
             <a:r>
               <a:t>创新</a:t>
@@ -12588,7 +12058,7 @@
           <a:p>
             <a:r>
               <a:rPr lang="en-US" altLang="zh-CN" dirty="0">
-                <a:hlinkClick r:id="rId2"/>
+                <a:hlinkClick r:id="rId1"/>
               </a:rPr>
               <a:t>https://news.ycombinator.com/item?id=19485121</a:t>
             </a:r>
@@ -12624,13 +12094,7 @@
       </p:grpSpPr>
       <p:sp>
         <p:nvSpPr>
-          <p:cNvPr id="2" name="Title 1">
-            <a:extLst>
-              <a:ext uri="{FF2B5EF4-FFF2-40B4-BE49-F238E27FC236}">
-                <a16:creationId xmlns:a16="http://schemas.microsoft.com/office/drawing/2014/main" id="{0FD59458-B506-462B-82FC-CF77DE40F171}"/>
-              </a:ext>
-            </a:extLst>
-          </p:cNvPr>
+          <p:cNvPr id="2" name="Title 1"/>
           <p:cNvSpPr>
             <a:spLocks noGrp="1"/>
           </p:cNvSpPr>
@@ -12661,25 +12125,20 @@
               <a:rPr lang="zh-CN" altLang="en-US" dirty="0"/>
               <a:t>开发者的反馈</a:t>
             </a:r>
+            <a:endParaRPr lang="zh-CN" altLang="en-US" dirty="0"/>
           </a:p>
         </p:txBody>
       </p:sp>
       <p:pic>
         <p:nvPicPr>
-          <p:cNvPr id="6" name="Picture 5">
-            <a:extLst>
-              <a:ext uri="{FF2B5EF4-FFF2-40B4-BE49-F238E27FC236}">
-                <a16:creationId xmlns:a16="http://schemas.microsoft.com/office/drawing/2014/main" id="{1E0A736F-DFF9-4C41-AC4A-FA5CB9FFC1D9}"/>
-              </a:ext>
-            </a:extLst>
-          </p:cNvPr>
+          <p:cNvPr id="6" name="Picture 5"/>
           <p:cNvPicPr>
             <a:picLocks noChangeAspect="1"/>
           </p:cNvPicPr>
           <p:nvPr/>
         </p:nvPicPr>
         <p:blipFill>
-          <a:blip r:embed="rId2"/>
+          <a:blip r:embed="rId1"/>
           <a:stretch>
             <a:fillRect/>
           </a:stretch>
@@ -12695,11 +12154,6 @@
         </p:spPr>
       </p:pic>
     </p:spTree>
-    <p:extLst>
-      <p:ext uri="{BB962C8B-B14F-4D97-AF65-F5344CB8AC3E}">
-        <p14:creationId xmlns:p14="http://schemas.microsoft.com/office/powerpoint/2010/main" val="2331826177"/>
-      </p:ext>
-    </p:extLst>
   </p:cSld>
   <p:clrMapOvr>
     <a:masterClrMapping/>
@@ -12727,13 +12181,7 @@
       </p:grpSpPr>
       <p:sp>
         <p:nvSpPr>
-          <p:cNvPr id="2" name="Title 1">
-            <a:extLst>
-              <a:ext uri="{FF2B5EF4-FFF2-40B4-BE49-F238E27FC236}">
-                <a16:creationId xmlns:a16="http://schemas.microsoft.com/office/drawing/2014/main" id="{3D28F6E8-1FBC-47DF-88C2-FE54A1F42A67}"/>
-              </a:ext>
-            </a:extLst>
-          </p:cNvPr>
+          <p:cNvPr id="2" name="Title 1"/>
           <p:cNvSpPr>
             <a:spLocks noGrp="1"/>
           </p:cNvSpPr>
@@ -12750,18 +12198,13 @@
               <a:rPr lang="zh-CN" altLang="en-US" dirty="0"/>
               <a:t>笔记</a:t>
             </a:r>
-          </a:p>
-        </p:txBody>
-      </p:sp>
-      <p:sp>
-        <p:nvSpPr>
-          <p:cNvPr id="3" name="Text Placeholder 2">
-            <a:extLst>
-              <a:ext uri="{FF2B5EF4-FFF2-40B4-BE49-F238E27FC236}">
-                <a16:creationId xmlns:a16="http://schemas.microsoft.com/office/drawing/2014/main" id="{B42F2542-614F-44B7-94EC-4A244F473352}"/>
-              </a:ext>
-            </a:extLst>
-          </p:cNvPr>
+            <a:endParaRPr lang="zh-CN" altLang="en-US" dirty="0"/>
+          </a:p>
+        </p:txBody>
+      </p:sp>
+      <p:sp>
+        <p:nvSpPr>
+          <p:cNvPr id="3" name="Text Placeholder 2"/>
           <p:cNvSpPr>
             <a:spLocks noGrp="1"/>
           </p:cNvSpPr>
@@ -12776,7 +12219,7 @@
           <a:p>
             <a:r>
               <a:rPr lang="en-US" altLang="zh-CN" dirty="0">
-                <a:hlinkClick r:id="rId2"/>
+                <a:hlinkClick r:id="rId1"/>
               </a:rPr>
               <a:t>https://github.com/xuzhongxing/fuchsia-notes</a:t>
             </a:r>
@@ -12785,11 +12228,6 @@
         </p:txBody>
       </p:sp>
     </p:spTree>
-    <p:extLst>
-      <p:ext uri="{BB962C8B-B14F-4D97-AF65-F5344CB8AC3E}">
-        <p14:creationId xmlns:p14="http://schemas.microsoft.com/office/powerpoint/2010/main" val="22905153"/>
-      </p:ext>
-    </p:extLst>
   </p:cSld>
   <p:clrMapOvr>
     <a:masterClrMapping/>
@@ -12859,11 +12297,11 @@
           <a:bodyPr/>
           <a:lstStyle/>
           <a:p>
-            <a:pPr marL="328929" indent="-328929" defTabSz="432308">
+            <a:pPr marL="328930" indent="-328930" defTabSz="432435">
               <a:spcBef>
                 <a:spcPts val="3100"/>
               </a:spcBef>
-              <a:defRPr sz="2368"/>
+              <a:defRPr sz="2370"/>
             </a:pPr>
             <a:r>
               <a:rPr lang="zh-CN" altLang="en-US" dirty="0"/>
@@ -12872,23 +12310,24 @@
             <a:endParaRPr lang="en-US" altLang="zh-CN" dirty="0"/>
           </a:p>
           <a:p>
-            <a:pPr marL="328929" indent="-328929" defTabSz="432308">
+            <a:pPr marL="328930" indent="-328930" defTabSz="432435">
               <a:spcBef>
                 <a:spcPts val="3100"/>
               </a:spcBef>
-              <a:defRPr sz="2368"/>
+              <a:defRPr sz="2370"/>
             </a:pPr>
             <a:r>
               <a:rPr dirty="0"/>
               <a:t>Windows老迈龙钟，历史负担太重，微软自己的创新Midori胎死腹中，因为无法承受在新的框架中重新实现一遍Windows的全部功能，只能在原地进行重构</a:t>
             </a:r>
-          </a:p>
-          <a:p>
-            <a:pPr marL="328929" indent="-328929" defTabSz="432308">
+            <a:endParaRPr dirty="0"/>
+          </a:p>
+          <a:p>
+            <a:pPr marL="328930" indent="-328930" defTabSz="432435">
               <a:spcBef>
                 <a:spcPts val="3100"/>
               </a:spcBef>
-              <a:defRPr sz="2368"/>
+              <a:defRPr sz="2370"/>
             </a:pPr>
             <a:r>
               <a:rPr dirty="0"/>
@@ -12905,11 +12344,11 @@
             <a:endParaRPr dirty="0"/>
           </a:p>
           <a:p>
-            <a:pPr marL="328929" indent="-328929" defTabSz="432308">
+            <a:pPr marL="328930" indent="-328930" defTabSz="432435">
               <a:spcBef>
                 <a:spcPts val="3100"/>
               </a:spcBef>
-              <a:defRPr sz="2368"/>
+              <a:defRPr sz="2370"/>
             </a:pPr>
             <a:r>
               <a:rPr dirty="0"/>
@@ -12922,11 +12361,11 @@
             <a:endParaRPr dirty="0"/>
           </a:p>
           <a:p>
-            <a:pPr marL="328929" indent="-328929" defTabSz="432308">
+            <a:pPr marL="328930" indent="-328930" defTabSz="432435">
               <a:spcBef>
                 <a:spcPts val="3100"/>
               </a:spcBef>
-              <a:defRPr sz="2368"/>
+              <a:defRPr sz="2370"/>
             </a:pPr>
             <a:r>
               <a:rPr dirty="0" err="1"/>
@@ -12935,11 +12374,11 @@
             <a:endParaRPr dirty="0"/>
           </a:p>
           <a:p>
-            <a:pPr marL="328929" indent="-328929" defTabSz="432308">
+            <a:pPr marL="328930" indent="-328930" defTabSz="432435">
               <a:spcBef>
                 <a:spcPts val="3100"/>
               </a:spcBef>
-              <a:defRPr sz="2368"/>
+              <a:defRPr sz="2370"/>
             </a:pPr>
             <a:r>
               <a:rPr dirty="0"/>
@@ -12953,13 +12392,14 @@
               <a:rPr dirty="0"/>
               <a:t>”？</a:t>
             </a:r>
-          </a:p>
-          <a:p>
-            <a:pPr marL="328929" indent="-328929" defTabSz="432308">
+            <a:endParaRPr dirty="0"/>
+          </a:p>
+          <a:p>
+            <a:pPr marL="328930" indent="-328930" defTabSz="432435">
               <a:spcBef>
                 <a:spcPts val="3100"/>
               </a:spcBef>
-              <a:defRPr sz="2368"/>
+              <a:defRPr sz="2370"/>
             </a:pPr>
             <a:r>
               <a:rPr dirty="0" err="1"/>
@@ -12969,6 +12409,7 @@
               <a:rPr dirty="0"/>
               <a:t> 9于2002年发布了最后一个版本，它的余热随着作者融入了Go</a:t>
             </a:r>
+            <a:endParaRPr dirty="0"/>
           </a:p>
         </p:txBody>
       </p:sp>
@@ -13016,7 +12457,7 @@
         <p:txBody>
           <a:bodyPr/>
           <a:lstStyle>
-            <a:lvl1pPr defTabSz="572516">
+            <a:lvl1pPr defTabSz="572770">
               <a:defRPr sz="7840"/>
             </a:lvl1pPr>
           </a:lstStyle>
@@ -13046,66 +12487,66 @@
           <a:bodyPr/>
           <a:lstStyle/>
           <a:p>
-            <a:pPr marL="426719" indent="-426719" defTabSz="560831">
+            <a:pPr marL="426720" indent="-426720" defTabSz="560705">
               <a:spcBef>
                 <a:spcPts val="4000"/>
               </a:spcBef>
-              <a:defRPr sz="3072" b="1"/>
+              <a:defRPr sz="3070" b="1"/>
             </a:pPr>
             <a:r>
               <a:t>原生进程沙箱，解决应用安全和分发问题（黑客）</a:t>
             </a:r>
           </a:p>
           <a:p>
-            <a:pPr marL="853439" lvl="1" indent="-426719" defTabSz="560831">
+            <a:pPr marL="853440" lvl="1" indent="-426720" defTabSz="560705">
               <a:spcBef>
                 <a:spcPts val="4000"/>
               </a:spcBef>
-              <a:defRPr sz="3072"/>
+              <a:defRPr sz="3070"/>
             </a:pPr>
             <a:r>
               <a:t>Linux: namespace, control group, unionfs =&gt; docker</a:t>
             </a:r>
           </a:p>
           <a:p>
-            <a:pPr marL="426719" indent="-426719" defTabSz="560831">
+            <a:pPr marL="426720" indent="-426720" defTabSz="560705">
               <a:spcBef>
                 <a:spcPts val="4000"/>
               </a:spcBef>
-              <a:defRPr sz="3072"/>
+              <a:defRPr sz="3070"/>
             </a:pPr>
             <a:r>
               <a:t>稳定的驱动接口，硬件厂商可独立维护硬件驱动（硬件）</a:t>
             </a:r>
           </a:p>
           <a:p>
-            <a:pPr marL="426719" indent="-426719" defTabSz="560831">
+            <a:pPr marL="426720" indent="-426720" defTabSz="560705">
               <a:spcBef>
                 <a:spcPts val="4000"/>
               </a:spcBef>
-              <a:defRPr sz="3072"/>
+              <a:defRPr sz="3070"/>
             </a:pPr>
             <a:r>
               <a:t>系统模块化，分层，设备厂商可以灵活定制专有系统（友商）</a:t>
             </a:r>
           </a:p>
           <a:p>
-            <a:pPr marL="426719" indent="-426719" defTabSz="560831">
+            <a:pPr marL="426720" indent="-426720" defTabSz="560705">
               <a:spcBef>
                 <a:spcPts val="4000"/>
               </a:spcBef>
-              <a:defRPr sz="3072"/>
+              <a:defRPr sz="3070"/>
             </a:pPr>
             <a:r>
               <a:t>基于Vulkan和物理渲染的纯3D UI，全局光照（用户）</a:t>
             </a:r>
           </a:p>
           <a:p>
-            <a:pPr marL="426719" indent="-426719" defTabSz="560831">
+            <a:pPr marL="426720" indent="-426720" defTabSz="560705">
               <a:spcBef>
                 <a:spcPts val="4000"/>
               </a:spcBef>
-              <a:defRPr sz="3072"/>
+              <a:defRPr sz="3070"/>
             </a:pPr>
             <a:r>
               <a:t>Flutter应用开发框架（开发者）</a:t>
@@ -13157,7 +12598,7 @@
         <p:txBody>
           <a:bodyPr/>
           <a:lstStyle>
-            <a:lvl1pPr defTabSz="414781">
+            <a:lvl1pPr defTabSz="414655">
               <a:defRPr sz="5680"/>
             </a:lvl1pPr>
           </a:lstStyle>
@@ -13296,99 +12737,99 @@
           <a:bodyPr/>
           <a:lstStyle/>
           <a:p>
-            <a:pPr marL="262254" indent="-262254" defTabSz="344677">
+            <a:pPr marL="262255" indent="-262255" defTabSz="344805">
               <a:spcBef>
                 <a:spcPts val="2400"/>
               </a:spcBef>
-              <a:defRPr sz="1887"/>
+              <a:defRPr sz="1885"/>
             </a:pPr>
             <a:r>
               <a:t>在Unix里，存在一个全局的根文件系统</a:t>
             </a:r>
           </a:p>
           <a:p>
-            <a:pPr marL="524509" lvl="1" indent="-262254" defTabSz="344677">
+            <a:pPr marL="524510" lvl="1" indent="-262255" defTabSz="344805">
               <a:spcBef>
                 <a:spcPts val="2400"/>
               </a:spcBef>
-              <a:defRPr sz="1887"/>
+              <a:defRPr sz="1885"/>
             </a:pPr>
             <a:r>
               <a:t>它是每个进程共享的基础资源</a:t>
             </a:r>
           </a:p>
           <a:p>
-            <a:pPr marL="524509" lvl="1" indent="-262254" defTabSz="344677">
+            <a:pPr marL="524510" lvl="1" indent="-262255" defTabSz="344805">
               <a:spcBef>
                 <a:spcPts val="2400"/>
               </a:spcBef>
-              <a:defRPr sz="1887"/>
+              <a:defRPr sz="1885"/>
             </a:pPr>
             <a:r>
               <a:t>文件系统涵盖了非文件资源：/proc, /sys, ..</a:t>
             </a:r>
           </a:p>
           <a:p>
-            <a:pPr marL="524509" lvl="1" indent="-262254" defTabSz="344677">
+            <a:pPr marL="524510" lvl="1" indent="-262255" defTabSz="344805">
               <a:spcBef>
                 <a:spcPts val="2400"/>
               </a:spcBef>
-              <a:defRPr sz="1887"/>
+              <a:defRPr sz="1885"/>
             </a:pPr>
             <a:r>
               <a:t>网络是例外</a:t>
             </a:r>
           </a:p>
           <a:p>
-            <a:pPr marL="262254" indent="-262254" defTabSz="344677">
+            <a:pPr marL="262255" indent="-262255" defTabSz="344805">
               <a:spcBef>
                 <a:spcPts val="2400"/>
               </a:spcBef>
-              <a:defRPr sz="1887"/>
+              <a:defRPr sz="1885"/>
             </a:pPr>
             <a:r>
               <a:t>在Fuchsia里，没有全局根文件系统</a:t>
             </a:r>
           </a:p>
           <a:p>
-            <a:pPr marL="524509" lvl="1" indent="-262254" defTabSz="344677">
+            <a:pPr marL="524510" lvl="1" indent="-262255" defTabSz="344805">
               <a:spcBef>
                 <a:spcPts val="2400"/>
               </a:spcBef>
-              <a:defRPr sz="1887"/>
+              <a:defRPr sz="1885"/>
             </a:pPr>
             <a:r>
               <a:t>文件和文件系统成为一个局部概念（局限在每个文件系统进程里），从而在进程内核数据结构里没有file</a:t>
             </a:r>
           </a:p>
           <a:p>
-            <a:pPr marL="524509" lvl="1" indent="-262254" defTabSz="344677">
+            <a:pPr marL="524510" lvl="1" indent="-262255" defTabSz="344805">
               <a:spcBef>
                 <a:spcPts val="2400"/>
               </a:spcBef>
-              <a:defRPr sz="1887"/>
+              <a:defRPr sz="1885"/>
             </a:pPr>
             <a:r>
               <a:t>用namespace来定义一个进程能够访问的资源</a:t>
             </a:r>
           </a:p>
           <a:p>
-            <a:pPr marL="786764" lvl="2" indent="-262254" defTabSz="344677">
+            <a:pPr marL="786765" lvl="2" indent="-262255" defTabSz="344805">
               <a:spcBef>
                 <a:spcPts val="2400"/>
               </a:spcBef>
-              <a:defRPr sz="1887"/>
+              <a:defRPr sz="1885"/>
             </a:pPr>
             <a:r>
               <a:t>每个name（路径）对应一个资源进程channel 的handle</a:t>
             </a:r>
           </a:p>
           <a:p>
-            <a:pPr marL="524509" lvl="1" indent="-262254" defTabSz="344677">
+            <a:pPr marL="524510" lvl="1" indent="-262255" defTabSz="344805">
               <a:spcBef>
                 <a:spcPts val="2400"/>
               </a:spcBef>
-              <a:defRPr sz="1887"/>
+              <a:defRPr sz="1885"/>
             </a:pPr>
             <a:r>
               <a:t>“/“ -&gt; root vfs service handle, “/dev” -&gt; dev fs service handle, “/net/dns” -&gt; DNS service handle</a:t>
@@ -13466,77 +12907,77 @@
           <a:bodyPr/>
           <a:lstStyle/>
           <a:p>
-            <a:pPr marL="382270" indent="-382270" defTabSz="502412">
+            <a:pPr marL="382270" indent="-382270" defTabSz="502285">
               <a:spcBef>
                 <a:spcPts val="3600"/>
               </a:spcBef>
-              <a:defRPr sz="2752"/>
+              <a:defRPr sz="2750"/>
             </a:pPr>
             <a:r>
               <a:t>在Unix中，user本来是用作不同的用户登录共享服务器的机制</a:t>
             </a:r>
           </a:p>
           <a:p>
-            <a:pPr marL="764540" lvl="1" indent="-382270" defTabSz="502412">
+            <a:pPr marL="764540" lvl="1" indent="-382270" defTabSz="502285">
               <a:spcBef>
                 <a:spcPts val="3600"/>
               </a:spcBef>
-              <a:defRPr sz="2752"/>
+              <a:defRPr sz="2750"/>
             </a:pPr>
             <a:r>
               <a:t>user是真正的用户</a:t>
             </a:r>
           </a:p>
           <a:p>
-            <a:pPr marL="764540" lvl="1" indent="-382270" defTabSz="502412">
+            <a:pPr marL="764540" lvl="1" indent="-382270" defTabSz="502285">
               <a:spcBef>
                 <a:spcPts val="3600"/>
               </a:spcBef>
-              <a:defRPr sz="2752"/>
+              <a:defRPr sz="2750"/>
             </a:pPr>
             <a:r>
               <a:t>后来主要用作权限控制，弱化的沙箱机制</a:t>
             </a:r>
           </a:p>
           <a:p>
-            <a:pPr marL="382270" indent="-382270" defTabSz="502412">
+            <a:pPr marL="382270" indent="-382270" defTabSz="502285">
               <a:spcBef>
                 <a:spcPts val="3600"/>
               </a:spcBef>
-              <a:defRPr sz="2752"/>
+              <a:defRPr sz="2750"/>
             </a:pPr>
             <a:r>
               <a:t>在Fuchsia中，在底层(Zircon, Garnet)没有用户的概念</a:t>
             </a:r>
           </a:p>
           <a:p>
-            <a:pPr marL="764540" lvl="1" indent="-382270" defTabSz="502412">
+            <a:pPr marL="764540" lvl="1" indent="-382270" defTabSz="502285">
               <a:spcBef>
                 <a:spcPts val="3600"/>
               </a:spcBef>
-              <a:defRPr sz="2752"/>
+              <a:defRPr sz="2750"/>
             </a:pPr>
             <a:r>
               <a:t>用namespace来控制进程能够访问的资源</a:t>
             </a:r>
           </a:p>
           <a:p>
-            <a:pPr marL="764540" lvl="1" indent="-382270" defTabSz="502412">
+            <a:pPr marL="764540" lvl="1" indent="-382270" defTabSz="502285">
               <a:spcBef>
                 <a:spcPts val="3600"/>
               </a:spcBef>
-              <a:defRPr sz="2752"/>
+              <a:defRPr sz="2750"/>
             </a:pPr>
             <a:r>
               <a:t>Capability-based access control</a:t>
             </a:r>
           </a:p>
           <a:p>
-            <a:pPr marL="764540" lvl="1" indent="-382270" defTabSz="502412">
+            <a:pPr marL="764540" lvl="1" indent="-382270" defTabSz="502285">
               <a:spcBef>
                 <a:spcPts val="3600"/>
               </a:spcBef>
-              <a:defRPr sz="2752"/>
+              <a:defRPr sz="2750"/>
             </a:pPr>
             <a:r>
               <a:t>从而在进程里没有uid</a:t>
@@ -13616,11 +13057,11 @@
           </a:bodyPr>
           <a:lstStyle/>
           <a:p>
-            <a:pPr marL="328929" indent="-328929" defTabSz="432308">
+            <a:pPr marL="328930" indent="-328930" defTabSz="432435">
               <a:spcBef>
                 <a:spcPts val="3100"/>
               </a:spcBef>
-              <a:defRPr sz="2368"/>
+              <a:defRPr sz="2370"/>
             </a:pPr>
             <a:r>
               <a:rPr dirty="0" err="1"/>
@@ -13629,11 +13070,11 @@
             <a:endParaRPr dirty="0"/>
           </a:p>
           <a:p>
-            <a:pPr marL="657859" lvl="1" indent="-328929" defTabSz="432308">
+            <a:pPr marL="657860" lvl="1" indent="-328930" defTabSz="432435">
               <a:spcBef>
                 <a:spcPts val="3100"/>
               </a:spcBef>
-              <a:defRPr sz="2368"/>
+              <a:defRPr sz="2370"/>
             </a:pPr>
             <a:r>
               <a:rPr dirty="0" err="1"/>
@@ -13642,11 +13083,11 @@
             <a:endParaRPr dirty="0"/>
           </a:p>
           <a:p>
-            <a:pPr marL="657859" lvl="1" indent="-328929" defTabSz="432308">
+            <a:pPr marL="657860" lvl="1" indent="-328930" defTabSz="432435">
               <a:spcBef>
                 <a:spcPts val="3100"/>
               </a:spcBef>
-              <a:defRPr sz="2368"/>
+              <a:defRPr sz="2370"/>
             </a:pPr>
             <a:r>
               <a:rPr dirty="0" err="1"/>
@@ -13655,11 +13096,11 @@
             <a:endParaRPr lang="en-US" altLang="zh-CN" dirty="0"/>
           </a:p>
           <a:p>
-            <a:pPr marL="657859" lvl="1" indent="-328929" defTabSz="432308">
+            <a:pPr marL="657860" lvl="1" indent="-328930" defTabSz="432435">
               <a:spcBef>
                 <a:spcPts val="3100"/>
               </a:spcBef>
-              <a:defRPr sz="2368"/>
+              <a:defRPr sz="2370"/>
             </a:pPr>
             <a:r>
               <a:rPr lang="en-US" dirty="0"/>
@@ -13668,11 +13109,11 @@
             <a:endParaRPr dirty="0"/>
           </a:p>
           <a:p>
-            <a:pPr marL="328929" indent="-328929" defTabSz="432308">
+            <a:pPr marL="328930" indent="-328930" defTabSz="432435">
               <a:spcBef>
                 <a:spcPts val="3100"/>
               </a:spcBef>
-              <a:defRPr sz="2368"/>
+              <a:defRPr sz="2370"/>
             </a:pPr>
             <a:r>
               <a:rPr dirty="0" err="1"/>
@@ -13681,11 +13122,11 @@
             <a:endParaRPr dirty="0"/>
           </a:p>
           <a:p>
-            <a:pPr marL="657859" lvl="1" indent="-328929" defTabSz="432308">
+            <a:pPr marL="657860" lvl="1" indent="-328930" defTabSz="432435">
               <a:spcBef>
                 <a:spcPts val="3100"/>
               </a:spcBef>
-              <a:defRPr sz="2368"/>
+              <a:defRPr sz="2370"/>
             </a:pPr>
             <a:r>
               <a:rPr dirty="0" err="1"/>
@@ -13695,13 +13136,14 @@
               <a:rPr dirty="0"/>
               <a:t>, thread</a:t>
             </a:r>
-          </a:p>
-          <a:p>
-            <a:pPr marL="657859" lvl="1" indent="-328929" defTabSz="432308">
+            <a:endParaRPr dirty="0"/>
+          </a:p>
+          <a:p>
+            <a:pPr marL="657860" lvl="1" indent="-328930" defTabSz="432435">
               <a:spcBef>
                 <a:spcPts val="3100"/>
               </a:spcBef>
-              <a:defRPr sz="2368"/>
+              <a:defRPr sz="2370"/>
             </a:pPr>
             <a:r>
               <a:rPr dirty="0" err="1"/>
@@ -13718,11 +13160,11 @@
             <a:endParaRPr dirty="0"/>
           </a:p>
           <a:p>
-            <a:pPr marL="657859" lvl="1" indent="-328929" defTabSz="432308">
+            <a:pPr marL="657860" lvl="1" indent="-328930" defTabSz="432435">
               <a:spcBef>
                 <a:spcPts val="3100"/>
               </a:spcBef>
-              <a:defRPr sz="2368"/>
+              <a:defRPr sz="2370"/>
             </a:pPr>
             <a:r>
               <a:rPr dirty="0" err="1"/>
@@ -13731,11 +13173,11 @@
             <a:endParaRPr dirty="0"/>
           </a:p>
           <a:p>
-            <a:pPr marL="328929" indent="-328929" defTabSz="432308">
+            <a:pPr marL="328930" indent="-328930" defTabSz="432435">
               <a:spcBef>
                 <a:spcPts val="3100"/>
               </a:spcBef>
-              <a:defRPr sz="2368"/>
+              <a:defRPr sz="2370"/>
             </a:pPr>
             <a:r>
               <a:rPr dirty="0" err="1"/>
@@ -13951,8 +13393,6 @@
           <a:noFill/>
           <a:miter lim="400000"/>
         </a:ln>
-        <a:effectLst/>
-        <a:sp3d/>
       </a:spPr>
       <a:bodyPr rot="0" spcFirstLastPara="1" vertOverflow="overflow" horzOverflow="overflow" vert="horz" wrap="square" lIns="50800" tIns="50800" rIns="50800" bIns="50800" numCol="1" spcCol="38100" rtlCol="0" anchor="ctr">
         <a:spAutoFit/>
@@ -13972,7 +13412,6 @@
           <a:buSzTx/>
           <a:buFontTx/>
           <a:buNone/>
-          <a:tabLst/>
           <a:defRPr kumimoji="0" sz="2200" b="0" i="0" u="none" strike="noStrike" cap="none" spc="0" normalizeH="0" baseline="0">
             <a:ln>
               <a:noFill/>
@@ -14002,7 +13441,6 @@
           <a:buSzTx/>
           <a:buFontTx/>
           <a:buNone/>
-          <a:tabLst/>
           <a:defRPr kumimoji="0" sz="1800" b="0" i="0" u="none" strike="noStrike" cap="none" spc="0" normalizeH="0" baseline="0">
             <a:ln>
               <a:noFill/>
@@ -14028,7 +13466,6 @@
           <a:buSzTx/>
           <a:buFontTx/>
           <a:buNone/>
-          <a:tabLst/>
           <a:defRPr kumimoji="0" sz="1800" b="0" i="0" u="none" strike="noStrike" cap="none" spc="0" normalizeH="0" baseline="0">
             <a:ln>
               <a:noFill/>
@@ -14054,7 +13491,6 @@
           <a:buSzTx/>
           <a:buFontTx/>
           <a:buNone/>
-          <a:tabLst/>
           <a:defRPr kumimoji="0" sz="1800" b="0" i="0" u="none" strike="noStrike" cap="none" spc="0" normalizeH="0" baseline="0">
             <a:ln>
               <a:noFill/>
@@ -14080,7 +13516,6 @@
           <a:buSzTx/>
           <a:buFontTx/>
           <a:buNone/>
-          <a:tabLst/>
           <a:defRPr kumimoji="0" sz="1800" b="0" i="0" u="none" strike="noStrike" cap="none" spc="0" normalizeH="0" baseline="0">
             <a:ln>
               <a:noFill/>
@@ -14106,7 +13541,6 @@
           <a:buSzTx/>
           <a:buFontTx/>
           <a:buNone/>
-          <a:tabLst/>
           <a:defRPr kumimoji="0" sz="1800" b="0" i="0" u="none" strike="noStrike" cap="none" spc="0" normalizeH="0" baseline="0">
             <a:ln>
               <a:noFill/>
@@ -14132,7 +13566,6 @@
           <a:buSzTx/>
           <a:buFontTx/>
           <a:buNone/>
-          <a:tabLst/>
           <a:defRPr kumimoji="0" sz="1800" b="0" i="0" u="none" strike="noStrike" cap="none" spc="0" normalizeH="0" baseline="0">
             <a:ln>
               <a:noFill/>
@@ -14158,7 +13591,6 @@
           <a:buSzTx/>
           <a:buFontTx/>
           <a:buNone/>
-          <a:tabLst/>
           <a:defRPr kumimoji="0" sz="1800" b="0" i="0" u="none" strike="noStrike" cap="none" spc="0" normalizeH="0" baseline="0">
             <a:ln>
               <a:noFill/>
@@ -14184,7 +13616,6 @@
           <a:buSzTx/>
           <a:buFontTx/>
           <a:buNone/>
-          <a:tabLst/>
           <a:defRPr kumimoji="0" sz="1800" b="0" i="0" u="none" strike="noStrike" cap="none" spc="0" normalizeH="0" baseline="0">
             <a:ln>
               <a:noFill/>
@@ -14210,7 +13641,6 @@
           <a:buSzTx/>
           <a:buFontTx/>
           <a:buNone/>
-          <a:tabLst/>
           <a:defRPr kumimoji="0" sz="1800" b="0" i="0" u="none" strike="noStrike" cap="none" spc="0" normalizeH="0" baseline="0">
             <a:ln>
               <a:noFill/>
@@ -14246,8 +13676,6 @@
           <a:prstDash val="solid"/>
           <a:miter lim="400000"/>
         </a:ln>
-        <a:effectLst/>
-        <a:sp3d/>
       </a:spPr>
       <a:bodyPr rot="0" spcFirstLastPara="1" vertOverflow="overflow" horzOverflow="overflow" vert="horz" wrap="square" lIns="91439" tIns="45719" rIns="91439" bIns="45719" numCol="1" spcCol="38100" rtlCol="0" anchor="t">
         <a:noAutofit/>
@@ -14267,7 +13695,6 @@
           <a:buSzTx/>
           <a:buFontTx/>
           <a:buNone/>
-          <a:tabLst/>
           <a:defRPr kumimoji="0" sz="1800" b="0" i="0" u="none" strike="noStrike" cap="none" spc="0" normalizeH="0" baseline="0">
             <a:ln>
               <a:noFill/>
@@ -14293,7 +13720,6 @@
           <a:buSzTx/>
           <a:buFontTx/>
           <a:buNone/>
-          <a:tabLst/>
           <a:defRPr kumimoji="0" sz="1800" b="0" i="0" u="none" strike="noStrike" cap="none" spc="0" normalizeH="0" baseline="0">
             <a:ln>
               <a:noFill/>
@@ -14319,7 +13745,6 @@
           <a:buSzTx/>
           <a:buFontTx/>
           <a:buNone/>
-          <a:tabLst/>
           <a:defRPr kumimoji="0" sz="1800" b="0" i="0" u="none" strike="noStrike" cap="none" spc="0" normalizeH="0" baseline="0">
             <a:ln>
               <a:noFill/>
@@ -14345,7 +13770,6 @@
           <a:buSzTx/>
           <a:buFontTx/>
           <a:buNone/>
-          <a:tabLst/>
           <a:defRPr kumimoji="0" sz="1800" b="0" i="0" u="none" strike="noStrike" cap="none" spc="0" normalizeH="0" baseline="0">
             <a:ln>
               <a:noFill/>
@@ -14371,7 +13795,6 @@
           <a:buSzTx/>
           <a:buFontTx/>
           <a:buNone/>
-          <a:tabLst/>
           <a:defRPr kumimoji="0" sz="1800" b="0" i="0" u="none" strike="noStrike" cap="none" spc="0" normalizeH="0" baseline="0">
             <a:ln>
               <a:noFill/>
@@ -14397,7 +13820,6 @@
           <a:buSzTx/>
           <a:buFontTx/>
           <a:buNone/>
-          <a:tabLst/>
           <a:defRPr kumimoji="0" sz="1800" b="0" i="0" u="none" strike="noStrike" cap="none" spc="0" normalizeH="0" baseline="0">
             <a:ln>
               <a:noFill/>
@@ -14423,7 +13845,6 @@
           <a:buSzTx/>
           <a:buFontTx/>
           <a:buNone/>
-          <a:tabLst/>
           <a:defRPr kumimoji="0" sz="1800" b="0" i="0" u="none" strike="noStrike" cap="none" spc="0" normalizeH="0" baseline="0">
             <a:ln>
               <a:noFill/>
@@ -14449,7 +13870,6 @@
           <a:buSzTx/>
           <a:buFontTx/>
           <a:buNone/>
-          <a:tabLst/>
           <a:defRPr kumimoji="0" sz="1800" b="0" i="0" u="none" strike="noStrike" cap="none" spc="0" normalizeH="0" baseline="0">
             <a:ln>
               <a:noFill/>
@@ -14475,7 +13895,6 @@
           <a:buSzTx/>
           <a:buFontTx/>
           <a:buNone/>
-          <a:tabLst/>
           <a:defRPr kumimoji="0" sz="1800" b="0" i="0" u="none" strike="noStrike" cap="none" spc="0" normalizeH="0" baseline="0">
             <a:ln>
               <a:noFill/>
@@ -14501,7 +13920,6 @@
           <a:buSzTx/>
           <a:buFontTx/>
           <a:buNone/>
-          <a:tabLst/>
           <a:defRPr kumimoji="0" sz="1800" b="0" i="0" u="none" strike="noStrike" cap="none" spc="0" normalizeH="0" baseline="0">
             <a:ln>
               <a:noFill/>
@@ -14534,8 +13952,6 @@
           <a:noFill/>
           <a:miter lim="400000"/>
         </a:ln>
-        <a:effectLst/>
-        <a:sp3d/>
       </a:spPr>
       <a:bodyPr rot="0" spcFirstLastPara="1" vertOverflow="overflow" horzOverflow="overflow" vert="horz" wrap="square" lIns="50800" tIns="50800" rIns="50800" bIns="50800" numCol="1" spcCol="38100" rtlCol="0" anchor="ctr">
         <a:spAutoFit/>
@@ -14555,7 +13971,6 @@
           <a:buSzTx/>
           <a:buFontTx/>
           <a:buNone/>
-          <a:tabLst/>
           <a:defRPr kumimoji="0" sz="2400" b="1" i="0" u="none" strike="noStrike" cap="none" spc="0" normalizeH="0" baseline="0">
             <a:ln>
               <a:noFill/>
@@ -14585,7 +14000,6 @@
           <a:buSzTx/>
           <a:buFontTx/>
           <a:buNone/>
-          <a:tabLst/>
           <a:defRPr kumimoji="0" sz="1800" b="0" i="0" u="none" strike="noStrike" cap="none" spc="0" normalizeH="0" baseline="0">
             <a:ln>
               <a:noFill/>
@@ -14611,7 +14025,6 @@
           <a:buSzTx/>
           <a:buFontTx/>
           <a:buNone/>
-          <a:tabLst/>
           <a:defRPr kumimoji="0" sz="1800" b="0" i="0" u="none" strike="noStrike" cap="none" spc="0" normalizeH="0" baseline="0">
             <a:ln>
               <a:noFill/>
@@ -14637,7 +14050,6 @@
           <a:buSzTx/>
           <a:buFontTx/>
           <a:buNone/>
-          <a:tabLst/>
           <a:defRPr kumimoji="0" sz="1800" b="0" i="0" u="none" strike="noStrike" cap="none" spc="0" normalizeH="0" baseline="0">
             <a:ln>
               <a:noFill/>
@@ -14663,7 +14075,6 @@
           <a:buSzTx/>
           <a:buFontTx/>
           <a:buNone/>
-          <a:tabLst/>
           <a:defRPr kumimoji="0" sz="1800" b="0" i="0" u="none" strike="noStrike" cap="none" spc="0" normalizeH="0" baseline="0">
             <a:ln>
               <a:noFill/>
@@ -14689,7 +14100,6 @@
           <a:buSzTx/>
           <a:buFontTx/>
           <a:buNone/>
-          <a:tabLst/>
           <a:defRPr kumimoji="0" sz="1800" b="0" i="0" u="none" strike="noStrike" cap="none" spc="0" normalizeH="0" baseline="0">
             <a:ln>
               <a:noFill/>
@@ -14715,7 +14125,6 @@
           <a:buSzTx/>
           <a:buFontTx/>
           <a:buNone/>
-          <a:tabLst/>
           <a:defRPr kumimoji="0" sz="1800" b="0" i="0" u="none" strike="noStrike" cap="none" spc="0" normalizeH="0" baseline="0">
             <a:ln>
               <a:noFill/>
@@ -14741,7 +14150,6 @@
           <a:buSzTx/>
           <a:buFontTx/>
           <a:buNone/>
-          <a:tabLst/>
           <a:defRPr kumimoji="0" sz="1800" b="0" i="0" u="none" strike="noStrike" cap="none" spc="0" normalizeH="0" baseline="0">
             <a:ln>
               <a:noFill/>
@@ -14767,7 +14175,6 @@
           <a:buSzTx/>
           <a:buFontTx/>
           <a:buNone/>
-          <a:tabLst/>
           <a:defRPr kumimoji="0" sz="1800" b="0" i="0" u="none" strike="noStrike" cap="none" spc="0" normalizeH="0" baseline="0">
             <a:ln>
               <a:noFill/>
@@ -14793,7 +14200,6 @@
           <a:buSzTx/>
           <a:buFontTx/>
           <a:buNone/>
-          <a:tabLst/>
           <a:defRPr kumimoji="0" sz="1800" b="0" i="0" u="none" strike="noStrike" cap="none" spc="0" normalizeH="0" baseline="0">
             <a:ln>
               <a:noFill/>
@@ -14820,7 +14226,11 @@
       </a:style>
     </a:txDef>
   </a:objectDefaults>
-  <a:extraClrSchemeLst/>
+  <a:extLst>
+    <a:ext uri="{05A4C25C-085E-4340-85A3-A5531E510DB2}">
+      <thm15:themeFamily xmlns:thm15="http://schemas.microsoft.com/office/thememl/2012/main" name="Office Theme" id="{62F939B6-93AF-4DB8-9C6B-D6C7DFDC589F}" vid="{4A3C46E8-61CC-4603-A589-7422A47A8E4A}"/>
+    </a:ext>
+  </a:extLst>
 </a:theme>
 </file>
 
@@ -15021,8 +14431,6 @@
           <a:noFill/>
           <a:miter lim="400000"/>
         </a:ln>
-        <a:effectLst/>
-        <a:sp3d/>
       </a:spPr>
       <a:bodyPr rot="0" spcFirstLastPara="1" vertOverflow="overflow" horzOverflow="overflow" vert="horz" wrap="square" lIns="50800" tIns="50800" rIns="50800" bIns="50800" numCol="1" spcCol="38100" rtlCol="0" anchor="ctr">
         <a:spAutoFit/>
@@ -15042,7 +14450,6 @@
           <a:buSzTx/>
           <a:buFontTx/>
           <a:buNone/>
-          <a:tabLst/>
           <a:defRPr kumimoji="0" sz="2200" b="0" i="0" u="none" strike="noStrike" cap="none" spc="0" normalizeH="0" baseline="0">
             <a:ln>
               <a:noFill/>
@@ -15072,7 +14479,6 @@
           <a:buSzTx/>
           <a:buFontTx/>
           <a:buNone/>
-          <a:tabLst/>
           <a:defRPr kumimoji="0" sz="1800" b="0" i="0" u="none" strike="noStrike" cap="none" spc="0" normalizeH="0" baseline="0">
             <a:ln>
               <a:noFill/>
@@ -15098,7 +14504,6 @@
           <a:buSzTx/>
           <a:buFontTx/>
           <a:buNone/>
-          <a:tabLst/>
           <a:defRPr kumimoji="0" sz="1800" b="0" i="0" u="none" strike="noStrike" cap="none" spc="0" normalizeH="0" baseline="0">
             <a:ln>
               <a:noFill/>
@@ -15124,7 +14529,6 @@
           <a:buSzTx/>
           <a:buFontTx/>
           <a:buNone/>
-          <a:tabLst/>
           <a:defRPr kumimoji="0" sz="1800" b="0" i="0" u="none" strike="noStrike" cap="none" spc="0" normalizeH="0" baseline="0">
             <a:ln>
               <a:noFill/>
@@ -15150,7 +14554,6 @@
           <a:buSzTx/>
           <a:buFontTx/>
           <a:buNone/>
-          <a:tabLst/>
           <a:defRPr kumimoji="0" sz="1800" b="0" i="0" u="none" strike="noStrike" cap="none" spc="0" normalizeH="0" baseline="0">
             <a:ln>
               <a:noFill/>
@@ -15176,7 +14579,6 @@
           <a:buSzTx/>
           <a:buFontTx/>
           <a:buNone/>
-          <a:tabLst/>
           <a:defRPr kumimoji="0" sz="1800" b="0" i="0" u="none" strike="noStrike" cap="none" spc="0" normalizeH="0" baseline="0">
             <a:ln>
               <a:noFill/>
@@ -15202,7 +14604,6 @@
           <a:buSzTx/>
           <a:buFontTx/>
           <a:buNone/>
-          <a:tabLst/>
           <a:defRPr kumimoji="0" sz="1800" b="0" i="0" u="none" strike="noStrike" cap="none" spc="0" normalizeH="0" baseline="0">
             <a:ln>
               <a:noFill/>
@@ -15228,7 +14629,6 @@
           <a:buSzTx/>
           <a:buFontTx/>
           <a:buNone/>
-          <a:tabLst/>
           <a:defRPr kumimoji="0" sz="1800" b="0" i="0" u="none" strike="noStrike" cap="none" spc="0" normalizeH="0" baseline="0">
             <a:ln>
               <a:noFill/>
@@ -15254,7 +14654,6 @@
           <a:buSzTx/>
           <a:buFontTx/>
           <a:buNone/>
-          <a:tabLst/>
           <a:defRPr kumimoji="0" sz="1800" b="0" i="0" u="none" strike="noStrike" cap="none" spc="0" normalizeH="0" baseline="0">
             <a:ln>
               <a:noFill/>
@@ -15280,7 +14679,6 @@
           <a:buSzTx/>
           <a:buFontTx/>
           <a:buNone/>
-          <a:tabLst/>
           <a:defRPr kumimoji="0" sz="1800" b="0" i="0" u="none" strike="noStrike" cap="none" spc="0" normalizeH="0" baseline="0">
             <a:ln>
               <a:noFill/>
@@ -15316,8 +14714,6 @@
           <a:prstDash val="solid"/>
           <a:miter lim="400000"/>
         </a:ln>
-        <a:effectLst/>
-        <a:sp3d/>
       </a:spPr>
       <a:bodyPr rot="0" spcFirstLastPara="1" vertOverflow="overflow" horzOverflow="overflow" vert="horz" wrap="square" lIns="91439" tIns="45719" rIns="91439" bIns="45719" numCol="1" spcCol="38100" rtlCol="0" anchor="t">
         <a:noAutofit/>
@@ -15337,7 +14733,6 @@
           <a:buSzTx/>
           <a:buFontTx/>
           <a:buNone/>
-          <a:tabLst/>
           <a:defRPr kumimoji="0" sz="1800" b="0" i="0" u="none" strike="noStrike" cap="none" spc="0" normalizeH="0" baseline="0">
             <a:ln>
               <a:noFill/>
@@ -15363,7 +14758,6 @@
           <a:buSzTx/>
           <a:buFontTx/>
           <a:buNone/>
-          <a:tabLst/>
           <a:defRPr kumimoji="0" sz="1800" b="0" i="0" u="none" strike="noStrike" cap="none" spc="0" normalizeH="0" baseline="0">
             <a:ln>
               <a:noFill/>
@@ -15389,7 +14783,6 @@
           <a:buSzTx/>
           <a:buFontTx/>
           <a:buNone/>
-          <a:tabLst/>
           <a:defRPr kumimoji="0" sz="1800" b="0" i="0" u="none" strike="noStrike" cap="none" spc="0" normalizeH="0" baseline="0">
             <a:ln>
               <a:noFill/>
@@ -15415,7 +14808,6 @@
           <a:buSzTx/>
           <a:buFontTx/>
           <a:buNone/>
-          <a:tabLst/>
           <a:defRPr kumimoji="0" sz="1800" b="0" i="0" u="none" strike="noStrike" cap="none" spc="0" normalizeH="0" baseline="0">
             <a:ln>
               <a:noFill/>
@@ -15441,7 +14833,6 @@
           <a:buSzTx/>
           <a:buFontTx/>
           <a:buNone/>
-          <a:tabLst/>
           <a:defRPr kumimoji="0" sz="1800" b="0" i="0" u="none" strike="noStrike" cap="none" spc="0" normalizeH="0" baseline="0">
             <a:ln>
               <a:noFill/>
@@ -15467,7 +14858,6 @@
           <a:buSzTx/>
           <a:buFontTx/>
           <a:buNone/>
-          <a:tabLst/>
           <a:defRPr kumimoji="0" sz="1800" b="0" i="0" u="none" strike="noStrike" cap="none" spc="0" normalizeH="0" baseline="0">
             <a:ln>
               <a:noFill/>
@@ -15493,7 +14883,6 @@
           <a:buSzTx/>
           <a:buFontTx/>
           <a:buNone/>
-          <a:tabLst/>
           <a:defRPr kumimoji="0" sz="1800" b="0" i="0" u="none" strike="noStrike" cap="none" spc="0" normalizeH="0" baseline="0">
             <a:ln>
               <a:noFill/>
@@ -15519,7 +14908,6 @@
           <a:buSzTx/>
           <a:buFontTx/>
           <a:buNone/>
-          <a:tabLst/>
           <a:defRPr kumimoji="0" sz="1800" b="0" i="0" u="none" strike="noStrike" cap="none" spc="0" normalizeH="0" baseline="0">
             <a:ln>
               <a:noFill/>
@@ -15545,7 +14933,6 @@
           <a:buSzTx/>
           <a:buFontTx/>
           <a:buNone/>
-          <a:tabLst/>
           <a:defRPr kumimoji="0" sz="1800" b="0" i="0" u="none" strike="noStrike" cap="none" spc="0" normalizeH="0" baseline="0">
             <a:ln>
               <a:noFill/>
@@ -15571,7 +14958,6 @@
           <a:buSzTx/>
           <a:buFontTx/>
           <a:buNone/>
-          <a:tabLst/>
           <a:defRPr kumimoji="0" sz="1800" b="0" i="0" u="none" strike="noStrike" cap="none" spc="0" normalizeH="0" baseline="0">
             <a:ln>
               <a:noFill/>
@@ -15604,8 +14990,6 @@
           <a:noFill/>
           <a:miter lim="400000"/>
         </a:ln>
-        <a:effectLst/>
-        <a:sp3d/>
       </a:spPr>
       <a:bodyPr rot="0" spcFirstLastPara="1" vertOverflow="overflow" horzOverflow="overflow" vert="horz" wrap="square" lIns="50800" tIns="50800" rIns="50800" bIns="50800" numCol="1" spcCol="38100" rtlCol="0" anchor="ctr">
         <a:spAutoFit/>
@@ -15625,7 +15009,6 @@
           <a:buSzTx/>
           <a:buFontTx/>
           <a:buNone/>
-          <a:tabLst/>
           <a:defRPr kumimoji="0" sz="2400" b="1" i="0" u="none" strike="noStrike" cap="none" spc="0" normalizeH="0" baseline="0">
             <a:ln>
               <a:noFill/>
@@ -15655,7 +15038,6 @@
           <a:buSzTx/>
           <a:buFontTx/>
           <a:buNone/>
-          <a:tabLst/>
           <a:defRPr kumimoji="0" sz="1800" b="0" i="0" u="none" strike="noStrike" cap="none" spc="0" normalizeH="0" baseline="0">
             <a:ln>
               <a:noFill/>
@@ -15681,7 +15063,6 @@
           <a:buSzTx/>
           <a:buFontTx/>
           <a:buNone/>
-          <a:tabLst/>
           <a:defRPr kumimoji="0" sz="1800" b="0" i="0" u="none" strike="noStrike" cap="none" spc="0" normalizeH="0" baseline="0">
             <a:ln>
               <a:noFill/>
@@ -15707,7 +15088,6 @@
           <a:buSzTx/>
           <a:buFontTx/>
           <a:buNone/>
-          <a:tabLst/>
           <a:defRPr kumimoji="0" sz="1800" b="0" i="0" u="none" strike="noStrike" cap="none" spc="0" normalizeH="0" baseline="0">
             <a:ln>
               <a:noFill/>
@@ -15733,7 +15113,6 @@
           <a:buSzTx/>
           <a:buFontTx/>
           <a:buNone/>
-          <a:tabLst/>
           <a:defRPr kumimoji="0" sz="1800" b="0" i="0" u="none" strike="noStrike" cap="none" spc="0" normalizeH="0" baseline="0">
             <a:ln>
               <a:noFill/>
@@ -15759,7 +15138,6 @@
           <a:buSzTx/>
           <a:buFontTx/>
           <a:buNone/>
-          <a:tabLst/>
           <a:defRPr kumimoji="0" sz="1800" b="0" i="0" u="none" strike="noStrike" cap="none" spc="0" normalizeH="0" baseline="0">
             <a:ln>
               <a:noFill/>
@@ -15785,7 +15163,6 @@
           <a:buSzTx/>
           <a:buFontTx/>
           <a:buNone/>
-          <a:tabLst/>
           <a:defRPr kumimoji="0" sz="1800" b="0" i="0" u="none" strike="noStrike" cap="none" spc="0" normalizeH="0" baseline="0">
             <a:ln>
               <a:noFill/>
@@ -15811,7 +15188,6 @@
           <a:buSzTx/>
           <a:buFontTx/>
           <a:buNone/>
-          <a:tabLst/>
           <a:defRPr kumimoji="0" sz="1800" b="0" i="0" u="none" strike="noStrike" cap="none" spc="0" normalizeH="0" baseline="0">
             <a:ln>
               <a:noFill/>
@@ -15837,7 +15213,6 @@
           <a:buSzTx/>
           <a:buFontTx/>
           <a:buNone/>
-          <a:tabLst/>
           <a:defRPr kumimoji="0" sz="1800" b="0" i="0" u="none" strike="noStrike" cap="none" spc="0" normalizeH="0" baseline="0">
             <a:ln>
               <a:noFill/>
@@ -15863,7 +15238,6 @@
           <a:buSzTx/>
           <a:buFontTx/>
           <a:buNone/>
-          <a:tabLst/>
           <a:defRPr kumimoji="0" sz="1800" b="0" i="0" u="none" strike="noStrike" cap="none" spc="0" normalizeH="0" baseline="0">
             <a:ln>
               <a:noFill/>
@@ -15890,6 +15264,10 @@
       </a:style>
     </a:txDef>
   </a:objectDefaults>
-  <a:extraClrSchemeLst/>
+  <a:extLst>
+    <a:ext uri="{05A4C25C-085E-4340-85A3-A5531E510DB2}">
+      <thm15:themeFamily xmlns:thm15="http://schemas.microsoft.com/office/thememl/2012/main" name="Office Theme" id="{62F939B6-93AF-4DB8-9C6B-D6C7DFDC589F}" vid="{4A3C46E8-61CC-4603-A589-7422A47A8E4A}"/>
+    </a:ext>
+  </a:extLst>
 </a:theme>
 </file>